--- a/presentations/Sprint 2/Rebecca_Do_Julian_Lisa+Anita.pptx
+++ b/presentations/Sprint 2/Rebecca_Do_Julian_Lisa+Anita.pptx
@@ -5,7 +5,7 @@
     <p:sldMasterId id="2147483677" r:id="rId1"/>
   </p:sldMasterIdLst>
   <p:notesMasterIdLst>
-    <p:notesMasterId r:id="rId42"/>
+    <p:notesMasterId r:id="rId43"/>
   </p:notesMasterIdLst>
   <p:sldIdLst>
     <p:sldId id="309" r:id="rId2"/>
@@ -21,33 +21,34 @@
     <p:sldId id="323" r:id="rId12"/>
     <p:sldId id="354" r:id="rId13"/>
     <p:sldId id="355" r:id="rId14"/>
-    <p:sldId id="356" r:id="rId15"/>
-    <p:sldId id="357" r:id="rId16"/>
-    <p:sldId id="358" r:id="rId17"/>
-    <p:sldId id="359" r:id="rId18"/>
-    <p:sldId id="324" r:id="rId19"/>
-    <p:sldId id="349" r:id="rId20"/>
-    <p:sldId id="325" r:id="rId21"/>
-    <p:sldId id="339" r:id="rId22"/>
-    <p:sldId id="340" r:id="rId23"/>
-    <p:sldId id="341" r:id="rId24"/>
-    <p:sldId id="350" r:id="rId25"/>
-    <p:sldId id="326" r:id="rId26"/>
-    <p:sldId id="360" r:id="rId27"/>
-    <p:sldId id="363" r:id="rId28"/>
-    <p:sldId id="362" r:id="rId29"/>
-    <p:sldId id="364" r:id="rId30"/>
-    <p:sldId id="361" r:id="rId31"/>
-    <p:sldId id="351" r:id="rId32"/>
-    <p:sldId id="327" r:id="rId33"/>
-    <p:sldId id="342" r:id="rId34"/>
-    <p:sldId id="343" r:id="rId35"/>
-    <p:sldId id="344" r:id="rId36"/>
-    <p:sldId id="352" r:id="rId37"/>
-    <p:sldId id="328" r:id="rId38"/>
-    <p:sldId id="338" r:id="rId39"/>
-    <p:sldId id="337" r:id="rId40"/>
-    <p:sldId id="353" r:id="rId41"/>
+    <p:sldId id="365" r:id="rId15"/>
+    <p:sldId id="356" r:id="rId16"/>
+    <p:sldId id="357" r:id="rId17"/>
+    <p:sldId id="358" r:id="rId18"/>
+    <p:sldId id="359" r:id="rId19"/>
+    <p:sldId id="324" r:id="rId20"/>
+    <p:sldId id="349" r:id="rId21"/>
+    <p:sldId id="325" r:id="rId22"/>
+    <p:sldId id="339" r:id="rId23"/>
+    <p:sldId id="340" r:id="rId24"/>
+    <p:sldId id="341" r:id="rId25"/>
+    <p:sldId id="350" r:id="rId26"/>
+    <p:sldId id="326" r:id="rId27"/>
+    <p:sldId id="360" r:id="rId28"/>
+    <p:sldId id="363" r:id="rId29"/>
+    <p:sldId id="362" r:id="rId30"/>
+    <p:sldId id="364" r:id="rId31"/>
+    <p:sldId id="361" r:id="rId32"/>
+    <p:sldId id="351" r:id="rId33"/>
+    <p:sldId id="327" r:id="rId34"/>
+    <p:sldId id="342" r:id="rId35"/>
+    <p:sldId id="343" r:id="rId36"/>
+    <p:sldId id="344" r:id="rId37"/>
+    <p:sldId id="352" r:id="rId38"/>
+    <p:sldId id="328" r:id="rId39"/>
+    <p:sldId id="338" r:id="rId40"/>
+    <p:sldId id="337" r:id="rId41"/>
+    <p:sldId id="353" r:id="rId42"/>
   </p:sldIdLst>
   <p:sldSz cx="12192000" cy="6858000"/>
   <p:notesSz cx="6858000" cy="9144000"/>
@@ -243,7 +244,7 @@
           <a:p>
             <a:fld id="{BD50FA3B-8C2A-45ED-9DC5-CB3028ABFCB7}" type="datetimeFigureOut">
               <a:rPr lang="de-DE" smtClean="0"/>
-              <a:t>14.12.2017</a:t>
+              <a:t>14.12.17</a:t>
             </a:fld>
             <a:endParaRPr lang="de-DE"/>
           </a:p>
@@ -743,7 +744,7 @@
           <a:p>
             <a:fld id="{9246EBA2-7F35-4B7B-BE0F-6CB1169C1171}" type="slidenum">
               <a:rPr lang="de-DE" smtClean="0"/>
-              <a:t>18</a:t>
+              <a:t>19</a:t>
             </a:fld>
             <a:endParaRPr lang="de-DE"/>
           </a:p>
@@ -827,7 +828,7 @@
           <a:p>
             <a:fld id="{9246EBA2-7F35-4B7B-BE0F-6CB1169C1171}" type="slidenum">
               <a:rPr lang="de-DE" smtClean="0"/>
-              <a:t>20</a:t>
+              <a:t>21</a:t>
             </a:fld>
             <a:endParaRPr lang="de-DE"/>
           </a:p>
@@ -911,7 +912,7 @@
           <a:p>
             <a:fld id="{9246EBA2-7F35-4B7B-BE0F-6CB1169C1171}" type="slidenum">
               <a:rPr lang="de-DE" smtClean="0"/>
-              <a:t>25</a:t>
+              <a:t>26</a:t>
             </a:fld>
             <a:endParaRPr lang="de-DE"/>
           </a:p>
@@ -995,7 +996,7 @@
           <a:p>
             <a:fld id="{9246EBA2-7F35-4B7B-BE0F-6CB1169C1171}" type="slidenum">
               <a:rPr lang="de-DE" smtClean="0"/>
-              <a:t>32</a:t>
+              <a:t>33</a:t>
             </a:fld>
             <a:endParaRPr lang="de-DE"/>
           </a:p>
@@ -1079,7 +1080,7 @@
           <a:p>
             <a:fld id="{9246EBA2-7F35-4B7B-BE0F-6CB1169C1171}" type="slidenum">
               <a:rPr lang="de-DE" smtClean="0"/>
-              <a:t>37</a:t>
+              <a:t>38</a:t>
             </a:fld>
             <a:endParaRPr lang="de-DE"/>
           </a:p>
@@ -2022,7 +2023,7 @@
           <a:p>
             <a:fld id="{26D84DCC-459A-439E-AA34-F06534B95DC9}" type="datetimeFigureOut">
               <a:rPr lang="de-DE" smtClean="0"/>
-              <a:t>14.12.2017</a:t>
+              <a:t>14.12.17</a:t>
             </a:fld>
             <a:endParaRPr lang="de-DE"/>
           </a:p>
@@ -2192,7 +2193,7 @@
           <a:p>
             <a:fld id="{26D84DCC-459A-439E-AA34-F06534B95DC9}" type="datetimeFigureOut">
               <a:rPr lang="de-DE" smtClean="0"/>
-              <a:t>14.12.2017</a:t>
+              <a:t>14.12.17</a:t>
             </a:fld>
             <a:endParaRPr lang="de-DE"/>
           </a:p>
@@ -2372,7 +2373,7 @@
           <a:p>
             <a:fld id="{26D84DCC-459A-439E-AA34-F06534B95DC9}" type="datetimeFigureOut">
               <a:rPr lang="de-DE" smtClean="0"/>
-              <a:t>14.12.2017</a:t>
+              <a:t>14.12.17</a:t>
             </a:fld>
             <a:endParaRPr lang="de-DE"/>
           </a:p>
@@ -2542,7 +2543,7 @@
           <a:p>
             <a:fld id="{26D84DCC-459A-439E-AA34-F06534B95DC9}" type="datetimeFigureOut">
               <a:rPr lang="de-DE" smtClean="0"/>
-              <a:t>14.12.2017</a:t>
+              <a:t>14.12.17</a:t>
             </a:fld>
             <a:endParaRPr lang="de-DE"/>
           </a:p>
@@ -2800,7 +2801,7 @@
           <a:p>
             <a:fld id="{26D84DCC-459A-439E-AA34-F06534B95DC9}" type="datetimeFigureOut">
               <a:rPr lang="de-DE" smtClean="0"/>
-              <a:t>14.12.2017</a:t>
+              <a:t>14.12.17</a:t>
             </a:fld>
             <a:endParaRPr lang="de-DE"/>
           </a:p>
@@ -3088,7 +3089,7 @@
           <a:p>
             <a:fld id="{26D84DCC-459A-439E-AA34-F06534B95DC9}" type="datetimeFigureOut">
               <a:rPr lang="de-DE" smtClean="0"/>
-              <a:t>14.12.2017</a:t>
+              <a:t>14.12.17</a:t>
             </a:fld>
             <a:endParaRPr lang="de-DE"/>
           </a:p>
@@ -3530,7 +3531,7 @@
           <a:p>
             <a:fld id="{26D84DCC-459A-439E-AA34-F06534B95DC9}" type="datetimeFigureOut">
               <a:rPr lang="de-DE" smtClean="0"/>
-              <a:t>14.12.2017</a:t>
+              <a:t>14.12.17</a:t>
             </a:fld>
             <a:endParaRPr lang="de-DE"/>
           </a:p>
@@ -3648,7 +3649,7 @@
           <a:p>
             <a:fld id="{26D84DCC-459A-439E-AA34-F06534B95DC9}" type="datetimeFigureOut">
               <a:rPr lang="de-DE" smtClean="0"/>
-              <a:t>14.12.2017</a:t>
+              <a:t>14.12.17</a:t>
             </a:fld>
             <a:endParaRPr lang="de-DE"/>
           </a:p>
@@ -3743,7 +3744,7 @@
           <a:p>
             <a:fld id="{26D84DCC-459A-439E-AA34-F06534B95DC9}" type="datetimeFigureOut">
               <a:rPr lang="de-DE" smtClean="0"/>
-              <a:t>14.12.2017</a:t>
+              <a:t>14.12.17</a:t>
             </a:fld>
             <a:endParaRPr lang="de-DE"/>
           </a:p>
@@ -4031,7 +4032,7 @@
           <a:p>
             <a:fld id="{26D84DCC-459A-439E-AA34-F06534B95DC9}" type="datetimeFigureOut">
               <a:rPr lang="de-DE" smtClean="0"/>
-              <a:t>14.12.2017</a:t>
+              <a:t>14.12.17</a:t>
             </a:fld>
             <a:endParaRPr lang="de-DE"/>
           </a:p>
@@ -4304,7 +4305,7 @@
           <a:p>
             <a:fld id="{26D84DCC-459A-439E-AA34-F06534B95DC9}" type="datetimeFigureOut">
               <a:rPr lang="de-DE" smtClean="0"/>
-              <a:t>14.12.2017</a:t>
+              <a:t>14.12.17</a:t>
             </a:fld>
             <a:endParaRPr lang="de-DE"/>
           </a:p>
@@ -4601,7 +4602,7 @@
           <a:p>
             <a:fld id="{26D84DCC-459A-439E-AA34-F06534B95DC9}" type="datetimeFigureOut">
               <a:rPr lang="de-DE" smtClean="0"/>
-              <a:t>14.12.2017</a:t>
+              <a:t>14.12.17</a:t>
             </a:fld>
             <a:endParaRPr lang="de-DE"/>
           </a:p>
@@ -5194,7 +5195,7 @@
           <p:cNvPr id="2" name="Title 6">
             <a:extLst>
               <a:ext uri="{FF2B5EF4-FFF2-40B4-BE49-F238E27FC236}">
-                <a16:creationId xmlns="" xmlns:a16="http://schemas.microsoft.com/office/drawing/2014/main" id="{04F78A0C-BF40-4E0B-9FA4-AAAA57E3C4EF}"/>
+                <a16:creationId xmlns:a16="http://schemas.microsoft.com/office/drawing/2014/main" xmlns="" id="{04F78A0C-BF40-4E0B-9FA4-AAAA57E3C4EF}"/>
               </a:ext>
             </a:extLst>
           </p:cNvPr>
@@ -5226,7 +5227,7 @@
           <p:cNvPr id="3" name="Content Placeholder 7">
             <a:extLst>
               <a:ext uri="{FF2B5EF4-FFF2-40B4-BE49-F238E27FC236}">
-                <a16:creationId xmlns="" xmlns:a16="http://schemas.microsoft.com/office/drawing/2014/main" id="{3A52400E-A01D-4CCF-8280-EBE32B011F8E}"/>
+                <a16:creationId xmlns:a16="http://schemas.microsoft.com/office/drawing/2014/main" xmlns="" id="{3A52400E-A01D-4CCF-8280-EBE32B011F8E}"/>
               </a:ext>
             </a:extLst>
           </p:cNvPr>
@@ -5583,7 +5584,7 @@
           <p:cNvPr id="2" name="Title 6">
             <a:extLst>
               <a:ext uri="{FF2B5EF4-FFF2-40B4-BE49-F238E27FC236}">
-                <a16:creationId xmlns="" xmlns:a16="http://schemas.microsoft.com/office/drawing/2014/main" id="{04F78A0C-BF40-4E0B-9FA4-AAAA57E3C4EF}"/>
+                <a16:creationId xmlns:a16="http://schemas.microsoft.com/office/drawing/2014/main" xmlns="" id="{04F78A0C-BF40-4E0B-9FA4-AAAA57E3C4EF}"/>
               </a:ext>
             </a:extLst>
           </p:cNvPr>
@@ -5604,145 +5605,9 @@
             <a:pPr lvl="0" algn="ctr"/>
             <a:r>
               <a:rPr lang="en-GB" sz="2800" dirty="0" err="1" smtClean="0"/>
-              <a:t>Aufgaben</a:t>
+              <a:t>Szenarien</a:t>
             </a:r>
             <a:endParaRPr lang="en-GB" sz="2800" dirty="0"/>
-          </a:p>
-        </p:txBody>
-      </p:sp>
-      <p:sp>
-        <p:nvSpPr>
-          <p:cNvPr id="3" name="Content Placeholder 7">
-            <a:extLst>
-              <a:ext uri="{FF2B5EF4-FFF2-40B4-BE49-F238E27FC236}">
-                <a16:creationId xmlns="" xmlns:a16="http://schemas.microsoft.com/office/drawing/2014/main" id="{3A52400E-A01D-4CCF-8280-EBE32B011F8E}"/>
-              </a:ext>
-            </a:extLst>
-          </p:cNvPr>
-          <p:cNvSpPr txBox="1">
-            <a:spLocks noGrp="1"/>
-          </p:cNvSpPr>
-          <p:nvPr>
-            <p:ph idx="1"/>
-          </p:nvPr>
-        </p:nvSpPr>
-        <p:spPr>
-          <a:xfrm>
-            <a:off x="3869268" y="174811"/>
-            <a:ext cx="7315200" cy="5984748"/>
-          </a:xfrm>
-        </p:spPr>
-        <p:txBody>
-          <a:bodyPr>
-            <a:normAutofit/>
-          </a:bodyPr>
-          <a:lstStyle/>
-          <a:p>
-            <a:pPr marL="0" lvl="0" indent="0">
-              <a:lnSpc>
-                <a:spcPct val="200000"/>
-              </a:lnSpc>
-              <a:buNone/>
-            </a:pPr>
-            <a:r>
-              <a:rPr lang="de-DE" dirty="0" smtClean="0">
-                <a:solidFill>
-                  <a:schemeClr val="tx1"/>
-                </a:solidFill>
-              </a:rPr>
-              <a:t>Betrachtete Szenarien</a:t>
-            </a:r>
-          </a:p>
-          <a:p>
-            <a:pPr marL="0" lvl="0" indent="0">
-              <a:lnSpc>
-                <a:spcPct val="200000"/>
-              </a:lnSpc>
-              <a:buNone/>
-            </a:pPr>
-            <a:endParaRPr lang="de-DE" dirty="0">
-              <a:solidFill>
-                <a:schemeClr val="tx1"/>
-              </a:solidFill>
-            </a:endParaRPr>
-          </a:p>
-          <a:p>
-            <a:pPr marL="0" lvl="0" indent="0">
-              <a:lnSpc>
-                <a:spcPct val="200000"/>
-              </a:lnSpc>
-              <a:buNone/>
-            </a:pPr>
-            <a:endParaRPr lang="de-DE" dirty="0" smtClean="0">
-              <a:solidFill>
-                <a:schemeClr val="tx1"/>
-              </a:solidFill>
-            </a:endParaRPr>
-          </a:p>
-          <a:p>
-            <a:pPr marL="0" lvl="0" indent="0">
-              <a:lnSpc>
-                <a:spcPct val="200000"/>
-              </a:lnSpc>
-              <a:buNone/>
-            </a:pPr>
-            <a:endParaRPr lang="de-DE" dirty="0">
-              <a:solidFill>
-                <a:schemeClr val="tx1"/>
-              </a:solidFill>
-            </a:endParaRPr>
-          </a:p>
-          <a:p>
-            <a:pPr marL="0" lvl="0" indent="0">
-              <a:lnSpc>
-                <a:spcPct val="200000"/>
-              </a:lnSpc>
-              <a:buNone/>
-            </a:pPr>
-            <a:endParaRPr lang="de-DE" dirty="0" smtClean="0">
-              <a:solidFill>
-                <a:schemeClr val="tx1"/>
-              </a:solidFill>
-            </a:endParaRPr>
-          </a:p>
-          <a:p>
-            <a:pPr marL="0" lvl="0" indent="0">
-              <a:lnSpc>
-                <a:spcPct val="200000"/>
-              </a:lnSpc>
-              <a:buNone/>
-            </a:pPr>
-            <a:endParaRPr lang="de-DE" dirty="0">
-              <a:solidFill>
-                <a:schemeClr val="tx1"/>
-              </a:solidFill>
-            </a:endParaRPr>
-          </a:p>
-          <a:p>
-            <a:pPr marL="0" lvl="0" indent="0">
-              <a:lnSpc>
-                <a:spcPct val="200000"/>
-              </a:lnSpc>
-              <a:buNone/>
-            </a:pPr>
-            <a:endParaRPr lang="de-DE" dirty="0" smtClean="0">
-              <a:solidFill>
-                <a:schemeClr val="tx1"/>
-              </a:solidFill>
-            </a:endParaRPr>
-          </a:p>
-          <a:p>
-            <a:pPr marL="0" lvl="0" indent="0">
-              <a:lnSpc>
-                <a:spcPct val="200000"/>
-              </a:lnSpc>
-              <a:buNone/>
-            </a:pPr>
-            <a:endParaRPr lang="de-DE" dirty="0">
-              <a:solidFill>
-                <a:schemeClr val="tx1"/>
-              </a:solidFill>
-            </a:endParaRPr>
           </a:p>
         </p:txBody>
       </p:sp>
@@ -5768,8 +5633,8 @@
         </p:blipFill>
         <p:spPr>
           <a:xfrm>
-            <a:off x="3897242" y="1561643"/>
-            <a:ext cx="2063717" cy="2479302"/>
+            <a:off x="4589669" y="117439"/>
+            <a:ext cx="2752152" cy="3306372"/>
           </a:xfrm>
           <a:prstGeom prst="rect">
             <a:avLst/>
@@ -5798,8 +5663,8 @@
         </p:blipFill>
         <p:spPr>
           <a:xfrm>
-            <a:off x="8963683" y="1561643"/>
-            <a:ext cx="2021564" cy="2444472"/>
+            <a:off x="8016465" y="117440"/>
+            <a:ext cx="2734350" cy="3306372"/>
           </a:xfrm>
           <a:prstGeom prst="rect">
             <a:avLst/>
@@ -5828,8 +5693,8 @@
         </p:blipFill>
         <p:spPr>
           <a:xfrm>
-            <a:off x="6429279" y="1561643"/>
-            <a:ext cx="2066084" cy="2479301"/>
+            <a:off x="8016464" y="3490517"/>
+            <a:ext cx="2736603" cy="3283924"/>
           </a:xfrm>
           <a:prstGeom prst="rect">
             <a:avLst/>
@@ -5858,8 +5723,8 @@
         </p:blipFill>
         <p:spPr>
           <a:xfrm>
-            <a:off x="6429279" y="4205540"/>
-            <a:ext cx="2048634" cy="2444472"/>
+            <a:off x="4589669" y="3490516"/>
+            <a:ext cx="2752152" cy="3283924"/>
           </a:xfrm>
           <a:prstGeom prst="rect">
             <a:avLst/>
@@ -5911,7 +5776,7 @@
           <p:cNvPr id="2" name="Title 6">
             <a:extLst>
               <a:ext uri="{FF2B5EF4-FFF2-40B4-BE49-F238E27FC236}">
-                <a16:creationId xmlns="" xmlns:a16="http://schemas.microsoft.com/office/drawing/2014/main" id="{04F78A0C-BF40-4E0B-9FA4-AAAA57E3C4EF}"/>
+                <a16:creationId xmlns:a16="http://schemas.microsoft.com/office/drawing/2014/main" xmlns="" id="{04F78A0C-BF40-4E0B-9FA4-AAAA57E3C4EF}"/>
               </a:ext>
             </a:extLst>
           </p:cNvPr>
@@ -5931,8 +5796,8 @@
           <a:p>
             <a:pPr lvl="0" algn="ctr"/>
             <a:r>
-              <a:rPr lang="en-GB" sz="2800" dirty="0" err="1" smtClean="0"/>
-              <a:t>Aufgaben</a:t>
+              <a:rPr lang="en-GB" sz="2800" dirty="0" err="1"/>
+              <a:t>Szenarien</a:t>
             </a:r>
             <a:endParaRPr lang="en-GB" sz="2800" dirty="0"/>
           </a:p>
@@ -5943,7 +5808,7 @@
           <p:cNvPr id="3" name="Content Placeholder 7">
             <a:extLst>
               <a:ext uri="{FF2B5EF4-FFF2-40B4-BE49-F238E27FC236}">
-                <a16:creationId xmlns="" xmlns:a16="http://schemas.microsoft.com/office/drawing/2014/main" id="{3A52400E-A01D-4CCF-8280-EBE32B011F8E}"/>
+                <a16:creationId xmlns:a16="http://schemas.microsoft.com/office/drawing/2014/main" xmlns="" id="{3A52400E-A01D-4CCF-8280-EBE32B011F8E}"/>
               </a:ext>
             </a:extLst>
           </p:cNvPr>
@@ -6073,14 +5938,20 @@
       </p:sp>
       <p:pic>
         <p:nvPicPr>
-          <p:cNvPr id="5" name="Bild 4"/>
+          <p:cNvPr id="11" name="Grafik 11">
+            <a:extLst>
+              <a:ext uri="{FF2B5EF4-FFF2-40B4-BE49-F238E27FC236}">
+                <a16:creationId xmlns="" xmlns:a16="http://schemas.microsoft.com/office/drawing/2014/main" id="{03A262AB-6C02-4E2B-B3C3-9465A004203A}"/>
+              </a:ext>
+            </a:extLst>
+          </p:cNvPr>
           <p:cNvPicPr>
             <a:picLocks noChangeAspect="1"/>
           </p:cNvPicPr>
           <p:nvPr/>
         </p:nvPicPr>
         <p:blipFill>
-          <a:blip r:embed="rId2">
+          <a:blip r:embed="rId2" cstate="print">
             <a:extLst>
               <a:ext uri="{28A0092B-C50C-407E-A947-70E740481C1C}">
                 <a14:useLocalDpi xmlns:a14="http://schemas.microsoft.com/office/drawing/2010/main" val="0"/>
@@ -6093,8 +5964,8 @@
         </p:blipFill>
         <p:spPr>
           <a:xfrm>
-            <a:off x="7038948" y="307499"/>
-            <a:ext cx="1798645" cy="3504485"/>
+            <a:off x="3869268" y="334035"/>
+            <a:ext cx="3355447" cy="3351274"/>
           </a:xfrm>
           <a:prstGeom prst="rect">
             <a:avLst/>
@@ -6103,14 +5974,20 @@
       </p:pic>
       <p:pic>
         <p:nvPicPr>
-          <p:cNvPr id="6" name="Bild 5"/>
+          <p:cNvPr id="10" name="Inhaltsplatzhalter 9">
+            <a:extLst>
+              <a:ext uri="{FF2B5EF4-FFF2-40B4-BE49-F238E27FC236}">
+                <a16:creationId xmlns="" xmlns:a16="http://schemas.microsoft.com/office/drawing/2014/main" id="{A158CC45-E708-4DFA-AF56-DED26C4C837A}"/>
+              </a:ext>
+            </a:extLst>
+          </p:cNvPr>
           <p:cNvPicPr>
             <a:picLocks noChangeAspect="1"/>
           </p:cNvPicPr>
           <p:nvPr/>
         </p:nvPicPr>
         <p:blipFill>
-          <a:blip r:embed="rId3">
+          <a:blip r:embed="rId3" cstate="print">
             <a:extLst>
               <a:ext uri="{28A0092B-C50C-407E-A947-70E740481C1C}">
                 <a14:useLocalDpi xmlns:a14="http://schemas.microsoft.com/office/drawing/2010/main" val="0"/>
@@ -6123,8 +6000,8 @@
         </p:blipFill>
         <p:spPr>
           <a:xfrm>
-            <a:off x="9163181" y="309756"/>
-            <a:ext cx="1716779" cy="3502228"/>
+            <a:off x="8118764" y="334035"/>
+            <a:ext cx="3350556" cy="3350556"/>
           </a:xfrm>
           <a:prstGeom prst="rect">
             <a:avLst/>
@@ -6133,70 +6010,27 @@
       </p:pic>
       <p:pic>
         <p:nvPicPr>
-          <p:cNvPr id="10" name="Inhaltsplatzhalter 9">
-            <a:extLst>
-              <a:ext uri="{FF2B5EF4-FFF2-40B4-BE49-F238E27FC236}">
-                <a16:creationId xmlns:a16="http://schemas.microsoft.com/office/drawing/2014/main" xmlns="" id="{A158CC45-E708-4DFA-AF56-DED26C4C837A}"/>
-              </a:ext>
-            </a:extLst>
-          </p:cNvPr>
+          <p:cNvPr id="4" name="Bild 3"/>
           <p:cNvPicPr>
             <a:picLocks noChangeAspect="1"/>
           </p:cNvPicPr>
           <p:nvPr/>
         </p:nvPicPr>
-        <p:blipFill>
-          <a:blip r:embed="rId4" cstate="print">
+        <p:blipFill rotWithShape="1">
+          <a:blip r:embed="rId4">
             <a:extLst>
               <a:ext uri="{28A0092B-C50C-407E-A947-70E740481C1C}">
                 <a14:useLocalDpi xmlns:a14="http://schemas.microsoft.com/office/drawing/2010/main" val="0"/>
               </a:ext>
             </a:extLst>
           </a:blip>
-          <a:stretch>
-            <a:fillRect/>
-          </a:stretch>
+          <a:srcRect r="4680"/>
+          <a:stretch/>
         </p:blipFill>
         <p:spPr>
           <a:xfrm>
-            <a:off x="4360492" y="3064767"/>
-            <a:ext cx="2352868" cy="2352868"/>
-          </a:xfrm>
-          <a:prstGeom prst="rect">
-            <a:avLst/>
-          </a:prstGeom>
-        </p:spPr>
-      </p:pic>
-      <p:pic>
-        <p:nvPicPr>
-          <p:cNvPr id="11" name="Grafik 11">
-            <a:extLst>
-              <a:ext uri="{FF2B5EF4-FFF2-40B4-BE49-F238E27FC236}">
-                <a16:creationId xmlns:a16="http://schemas.microsoft.com/office/drawing/2014/main" xmlns="" id="{03A262AB-6C02-4E2B-B3C3-9465A004203A}"/>
-              </a:ext>
-            </a:extLst>
-          </p:cNvPr>
-          <p:cNvPicPr>
-            <a:picLocks noChangeAspect="1"/>
-          </p:cNvPicPr>
-          <p:nvPr/>
-        </p:nvPicPr>
-        <p:blipFill>
-          <a:blip r:embed="rId5" cstate="print">
-            <a:extLst>
-              <a:ext uri="{28A0092B-C50C-407E-A947-70E740481C1C}">
-                <a14:useLocalDpi xmlns:a14="http://schemas.microsoft.com/office/drawing/2010/main" val="0"/>
-              </a:ext>
-            </a:extLst>
-          </a:blip>
-          <a:stretch>
-            <a:fillRect/>
-          </a:stretch>
-        </p:blipFill>
-        <p:spPr>
-          <a:xfrm>
-            <a:off x="4360492" y="307499"/>
-            <a:ext cx="2352758" cy="2349832"/>
+            <a:off x="6065683" y="2950300"/>
+            <a:ext cx="3175299" cy="3837709"/>
           </a:xfrm>
           <a:prstGeom prst="rect">
             <a:avLst/>
@@ -6248,7 +6082,7 @@
           <p:cNvPr id="2" name="Title 6">
             <a:extLst>
               <a:ext uri="{FF2B5EF4-FFF2-40B4-BE49-F238E27FC236}">
-                <a16:creationId xmlns="" xmlns:a16="http://schemas.microsoft.com/office/drawing/2014/main" id="{04F78A0C-BF40-4E0B-9FA4-AAAA57E3C4EF}"/>
+                <a16:creationId xmlns:a16="http://schemas.microsoft.com/office/drawing/2014/main" xmlns="" id="{04F78A0C-BF40-4E0B-9FA4-AAAA57E3C4EF}"/>
               </a:ext>
             </a:extLst>
           </p:cNvPr>
@@ -6268,8 +6102,8 @@
           <a:p>
             <a:pPr lvl="0" algn="ctr"/>
             <a:r>
-              <a:rPr lang="en-GB" sz="2800" dirty="0" err="1" smtClean="0"/>
-              <a:t>Aufgaben</a:t>
+              <a:rPr lang="en-GB" sz="2800" dirty="0" err="1"/>
+              <a:t>Szenarien</a:t>
             </a:r>
             <a:endParaRPr lang="en-GB" sz="2800" dirty="0"/>
           </a:p>
@@ -6280,7 +6114,7 @@
           <p:cNvPr id="3" name="Content Placeholder 7">
             <a:extLst>
               <a:ext uri="{FF2B5EF4-FFF2-40B4-BE49-F238E27FC236}">
-                <a16:creationId xmlns="" xmlns:a16="http://schemas.microsoft.com/office/drawing/2014/main" id="{3A52400E-A01D-4CCF-8280-EBE32B011F8E}"/>
+                <a16:creationId xmlns:a16="http://schemas.microsoft.com/office/drawing/2014/main" xmlns="" id="{3A52400E-A01D-4CCF-8280-EBE32B011F8E}"/>
               </a:ext>
             </a:extLst>
           </p:cNvPr>
@@ -6299,156 +6133,29 @@
         </p:spPr>
         <p:txBody>
           <a:bodyPr>
-            <a:normAutofit fontScale="70000" lnSpcReduction="20000"/>
+            <a:normAutofit/>
           </a:bodyPr>
           <a:lstStyle/>
           <a:p>
-            <a:pPr lvl="0"/>
-            <a:endParaRPr lang="de-DE" sz="2800" dirty="0" smtClean="0">
+            <a:pPr marL="0" lvl="0" indent="0">
+              <a:lnSpc>
+                <a:spcPct val="200000"/>
+              </a:lnSpc>
+              <a:buNone/>
+            </a:pPr>
+            <a:endParaRPr lang="de-DE" dirty="0" smtClean="0">
               <a:solidFill>
                 <a:schemeClr val="tx1"/>
               </a:solidFill>
             </a:endParaRPr>
           </a:p>
           <a:p>
-            <a:pPr lvl="0"/>
-            <a:endParaRPr lang="de-DE" sz="2800" dirty="0" smtClean="0">
-              <a:solidFill>
-                <a:schemeClr val="tx1"/>
-              </a:solidFill>
-            </a:endParaRPr>
-          </a:p>
-          <a:p>
-            <a:pPr lvl="0"/>
-            <a:endParaRPr lang="de-DE" sz="2800" dirty="0">
-              <a:solidFill>
-                <a:schemeClr val="tx1"/>
-              </a:solidFill>
-            </a:endParaRPr>
-          </a:p>
-          <a:p>
-            <a:pPr lvl="0"/>
-            <a:endParaRPr lang="de-DE" sz="2800" dirty="0" smtClean="0">
-              <a:solidFill>
-                <a:schemeClr val="tx1"/>
-              </a:solidFill>
-            </a:endParaRPr>
-          </a:p>
-          <a:p>
-            <a:pPr lvl="0"/>
-            <a:endParaRPr lang="de-DE" sz="2800" dirty="0">
-              <a:solidFill>
-                <a:schemeClr val="tx1"/>
-              </a:solidFill>
-            </a:endParaRPr>
-          </a:p>
-          <a:p>
-            <a:pPr lvl="0"/>
-            <a:endParaRPr lang="de-DE" sz="2800" dirty="0" smtClean="0">
-              <a:solidFill>
-                <a:schemeClr val="tx1"/>
-              </a:solidFill>
-            </a:endParaRPr>
-          </a:p>
-          <a:p>
-            <a:pPr lvl="0"/>
-            <a:endParaRPr lang="de-DE" sz="2800" dirty="0">
-              <a:solidFill>
-                <a:schemeClr val="tx1"/>
-              </a:solidFill>
-            </a:endParaRPr>
-          </a:p>
-          <a:p>
-            <a:pPr lvl="0"/>
-            <a:endParaRPr lang="de-DE" sz="2800" dirty="0" smtClean="0">
-              <a:solidFill>
-                <a:schemeClr val="tx1"/>
-              </a:solidFill>
-            </a:endParaRPr>
-          </a:p>
-          <a:p>
-            <a:pPr lvl="0"/>
-            <a:endParaRPr lang="de-DE" sz="2800" dirty="0">
-              <a:solidFill>
-                <a:schemeClr val="tx1"/>
-              </a:solidFill>
-            </a:endParaRPr>
-          </a:p>
-          <a:p>
-            <a:pPr lvl="0"/>
-            <a:r>
-              <a:rPr lang="de-DE" sz="2800" dirty="0" smtClean="0">
-                <a:solidFill>
-                  <a:schemeClr val="tx1"/>
-                </a:solidFill>
-              </a:rPr>
-              <a:t>Anpassung der Automatisierung an die verschieden Szenarien</a:t>
-            </a:r>
-          </a:p>
-          <a:p>
-            <a:pPr lvl="0"/>
-            <a:r>
-              <a:rPr lang="de-DE" sz="2800" dirty="0" smtClean="0">
-                <a:solidFill>
-                  <a:schemeClr val="tx1"/>
-                </a:solidFill>
-              </a:rPr>
-              <a:t>Alle Verteilungen berechnen in Python</a:t>
-            </a:r>
-          </a:p>
-          <a:p>
-            <a:pPr lvl="0"/>
-            <a:endParaRPr lang="de-DE" sz="2800" dirty="0" smtClean="0">
-              <a:solidFill>
-                <a:schemeClr val="tx1"/>
-              </a:solidFill>
-            </a:endParaRPr>
-          </a:p>
-          <a:p>
-            <a:pPr lvl="0"/>
-            <a:endParaRPr lang="de-DE" sz="2800" dirty="0" smtClean="0">
-              <a:solidFill>
-                <a:schemeClr val="tx1"/>
-              </a:solidFill>
-            </a:endParaRPr>
-          </a:p>
-          <a:p>
-            <a:pPr lvl="0"/>
-            <a:endParaRPr lang="de-DE" sz="2800" dirty="0">
-              <a:solidFill>
-                <a:schemeClr val="tx1"/>
-              </a:solidFill>
-            </a:endParaRPr>
-          </a:p>
-          <a:p>
-            <a:pPr lvl="0"/>
-            <a:endParaRPr lang="de-DE" sz="2800" dirty="0" smtClean="0">
-              <a:solidFill>
-                <a:schemeClr val="tx1"/>
-              </a:solidFill>
-            </a:endParaRPr>
-          </a:p>
-          <a:p>
-            <a:pPr lvl="0"/>
-            <a:r>
-              <a:rPr lang="de-DE" sz="2800" dirty="0" smtClean="0">
-                <a:solidFill>
-                  <a:schemeClr val="tx1"/>
-                </a:solidFill>
-              </a:rPr>
-              <a:t>Verschiedene Verteilungen länger laufen lassen </a:t>
-            </a:r>
-          </a:p>
-          <a:p>
-            <a:pPr lvl="0"/>
-            <a:endParaRPr lang="de-DE" sz="2800" dirty="0" smtClean="0">
-              <a:solidFill>
-                <a:schemeClr val="tx1"/>
-              </a:solidFill>
-            </a:endParaRPr>
-          </a:p>
-          <a:p>
-            <a:pPr lvl="0"/>
+            <a:pPr marL="0" lvl="0" indent="0">
+              <a:lnSpc>
+                <a:spcPct val="200000"/>
+              </a:lnSpc>
+              <a:buNone/>
+            </a:pPr>
             <a:endParaRPr lang="de-DE" dirty="0">
               <a:solidFill>
                 <a:schemeClr val="tx1"/>
@@ -6456,7 +6163,12 @@
             </a:endParaRPr>
           </a:p>
           <a:p>
-            <a:pPr lvl="0"/>
+            <a:pPr marL="0" lvl="0" indent="0">
+              <a:lnSpc>
+                <a:spcPct val="200000"/>
+              </a:lnSpc>
+              <a:buNone/>
+            </a:pPr>
             <a:endParaRPr lang="de-DE" dirty="0" smtClean="0">
               <a:solidFill>
                 <a:schemeClr val="tx1"/>
@@ -6464,7 +6176,12 @@
             </a:endParaRPr>
           </a:p>
           <a:p>
-            <a:pPr lvl="0"/>
+            <a:pPr marL="0" lvl="0" indent="0">
+              <a:lnSpc>
+                <a:spcPct val="200000"/>
+              </a:lnSpc>
+              <a:buNone/>
+            </a:pPr>
             <a:endParaRPr lang="de-DE" dirty="0">
               <a:solidFill>
                 <a:schemeClr val="tx1"/>
@@ -6472,7 +6189,12 @@
             </a:endParaRPr>
           </a:p>
           <a:p>
-            <a:pPr lvl="0"/>
+            <a:pPr marL="0" lvl="0" indent="0">
+              <a:lnSpc>
+                <a:spcPct val="200000"/>
+              </a:lnSpc>
+              <a:buNone/>
+            </a:pPr>
             <a:endParaRPr lang="de-DE" dirty="0" smtClean="0">
               <a:solidFill>
                 <a:schemeClr val="tx1"/>
@@ -6480,7 +6202,12 @@
             </a:endParaRPr>
           </a:p>
           <a:p>
-            <a:pPr lvl="0"/>
+            <a:pPr marL="0" lvl="0" indent="0">
+              <a:lnSpc>
+                <a:spcPct val="200000"/>
+              </a:lnSpc>
+              <a:buNone/>
+            </a:pPr>
             <a:endParaRPr lang="de-DE" dirty="0">
               <a:solidFill>
                 <a:schemeClr val="tx1"/>
@@ -6488,7 +6215,12 @@
             </a:endParaRPr>
           </a:p>
           <a:p>
-            <a:pPr lvl="0"/>
+            <a:pPr marL="0" lvl="0" indent="0">
+              <a:lnSpc>
+                <a:spcPct val="200000"/>
+              </a:lnSpc>
+              <a:buNone/>
+            </a:pPr>
             <a:endParaRPr lang="de-DE" dirty="0" smtClean="0">
               <a:solidFill>
                 <a:schemeClr val="tx1"/>
@@ -6496,50 +6228,23 @@
             </a:endParaRPr>
           </a:p>
           <a:p>
-            <a:pPr lvl="0"/>
+            <a:pPr marL="0" lvl="0" indent="0">
+              <a:lnSpc>
+                <a:spcPct val="200000"/>
+              </a:lnSpc>
+              <a:buNone/>
+            </a:pPr>
             <a:endParaRPr lang="de-DE" dirty="0">
               <a:solidFill>
                 <a:schemeClr val="tx1"/>
               </a:solidFill>
             </a:endParaRPr>
           </a:p>
-          <a:p>
-            <a:pPr lvl="0"/>
-            <a:endParaRPr lang="de-DE" dirty="0" smtClean="0">
-              <a:solidFill>
-                <a:schemeClr val="tx1"/>
-              </a:solidFill>
-            </a:endParaRPr>
-          </a:p>
-          <a:p>
-            <a:pPr lvl="0"/>
-            <a:endParaRPr lang="de-DE" dirty="0">
-              <a:solidFill>
-                <a:schemeClr val="tx1"/>
-              </a:solidFill>
-            </a:endParaRPr>
-          </a:p>
-          <a:p>
-            <a:pPr lvl="0"/>
-            <a:endParaRPr lang="de-DE" dirty="0" smtClean="0">
-              <a:solidFill>
-                <a:schemeClr val="tx1"/>
-              </a:solidFill>
-            </a:endParaRPr>
-          </a:p>
-          <a:p>
-            <a:pPr lvl="0"/>
-            <a:endParaRPr lang="de-DE" dirty="0">
-              <a:solidFill>
-                <a:schemeClr val="tx1"/>
-              </a:solidFill>
-            </a:endParaRPr>
-          </a:p>
         </p:txBody>
       </p:sp>
       <p:pic>
         <p:nvPicPr>
-          <p:cNvPr id="4" name="Bild 3"/>
+          <p:cNvPr id="5" name="Bild 4"/>
           <p:cNvPicPr>
             <a:picLocks noChangeAspect="1"/>
           </p:cNvPicPr>
@@ -6559,8 +6264,38 @@
         </p:blipFill>
         <p:spPr>
           <a:xfrm>
-            <a:off x="4054231" y="2757268"/>
-            <a:ext cx="6923666" cy="638907"/>
+            <a:off x="4098318" y="304237"/>
+            <a:ext cx="3181613" cy="6199064"/>
+          </a:xfrm>
+          <a:prstGeom prst="rect">
+            <a:avLst/>
+          </a:prstGeom>
+        </p:spPr>
+      </p:pic>
+      <p:pic>
+        <p:nvPicPr>
+          <p:cNvPr id="6" name="Bild 5"/>
+          <p:cNvPicPr>
+            <a:picLocks noChangeAspect="1"/>
+          </p:cNvPicPr>
+          <p:nvPr/>
+        </p:nvPicPr>
+        <p:blipFill>
+          <a:blip r:embed="rId3">
+            <a:extLst>
+              <a:ext uri="{28A0092B-C50C-407E-A947-70E740481C1C}">
+                <a14:useLocalDpi xmlns:a14="http://schemas.microsoft.com/office/drawing/2010/main" val="0"/>
+              </a:ext>
+            </a:extLst>
+          </a:blip>
+          <a:stretch>
+            <a:fillRect/>
+          </a:stretch>
+        </p:blipFill>
+        <p:spPr>
+          <a:xfrm>
+            <a:off x="7846613" y="309756"/>
+            <a:ext cx="3033347" cy="6188026"/>
           </a:xfrm>
           <a:prstGeom prst="rect">
             <a:avLst/>
@@ -6570,7 +6305,7 @@
     </p:spTree>
     <p:extLst>
       <p:ext uri="{BB962C8B-B14F-4D97-AF65-F5344CB8AC3E}">
-        <p14:creationId xmlns:p14="http://schemas.microsoft.com/office/powerpoint/2010/main" val="3642985866"/>
+        <p14:creationId xmlns:p14="http://schemas.microsoft.com/office/powerpoint/2010/main" val="2089195868"/>
       </p:ext>
     </p:extLst>
   </p:cSld>
@@ -6612,7 +6347,7 @@
           <p:cNvPr id="2" name="Title 6">
             <a:extLst>
               <a:ext uri="{FF2B5EF4-FFF2-40B4-BE49-F238E27FC236}">
-                <a16:creationId xmlns="" xmlns:a16="http://schemas.microsoft.com/office/drawing/2014/main" id="{04F78A0C-BF40-4E0B-9FA4-AAAA57E3C4EF}"/>
+                <a16:creationId xmlns:a16="http://schemas.microsoft.com/office/drawing/2014/main" xmlns="" id="{04F78A0C-BF40-4E0B-9FA4-AAAA57E3C4EF}"/>
               </a:ext>
             </a:extLst>
           </p:cNvPr>
@@ -6633,7 +6368,7 @@
             <a:pPr lvl="0" algn="ctr"/>
             <a:r>
               <a:rPr lang="en-GB" sz="2800" dirty="0" err="1" smtClean="0"/>
-              <a:t>Testen</a:t>
+              <a:t>Aufgaben</a:t>
             </a:r>
             <a:endParaRPr lang="en-GB" sz="2800" dirty="0"/>
           </a:p>
@@ -6644,7 +6379,7 @@
           <p:cNvPr id="3" name="Content Placeholder 7">
             <a:extLst>
               <a:ext uri="{FF2B5EF4-FFF2-40B4-BE49-F238E27FC236}">
-                <a16:creationId xmlns="" xmlns:a16="http://schemas.microsoft.com/office/drawing/2014/main" id="{3A52400E-A01D-4CCF-8280-EBE32B011F8E}"/>
+                <a16:creationId xmlns:a16="http://schemas.microsoft.com/office/drawing/2014/main" xmlns="" id="{3A52400E-A01D-4CCF-8280-EBE32B011F8E}"/>
               </a:ext>
             </a:extLst>
           </p:cNvPr>
@@ -6662,12 +6397,70 @@
           </a:xfrm>
         </p:spPr>
         <p:txBody>
-          <a:bodyPr>
-            <a:normAutofit fontScale="70000" lnSpcReduction="20000"/>
+          <a:bodyPr anchor="t">
+            <a:normAutofit/>
           </a:bodyPr>
           <a:lstStyle/>
           <a:p>
-            <a:pPr lvl="0"/>
+            <a:r>
+              <a:rPr lang="de-DE" sz="2800" dirty="0" smtClean="0">
+                <a:solidFill>
+                  <a:schemeClr val="tx1"/>
+                </a:solidFill>
+              </a:rPr>
+              <a:t>Simulieren </a:t>
+            </a:r>
+            <a:r>
+              <a:rPr lang="de-DE" sz="2800" dirty="0">
+                <a:solidFill>
+                  <a:schemeClr val="tx1"/>
+                </a:solidFill>
+              </a:rPr>
+              <a:t>der Szenarien mit 100, 300, 500, 700 </a:t>
+            </a:r>
+            <a:r>
+              <a:rPr lang="de-DE" sz="2800" dirty="0" smtClean="0">
+                <a:solidFill>
+                  <a:schemeClr val="tx1"/>
+                </a:solidFill>
+              </a:rPr>
+              <a:t>Menschen</a:t>
+            </a:r>
+            <a:endParaRPr lang="de-DE" sz="2800" dirty="0">
+              <a:solidFill>
+                <a:schemeClr val="tx1"/>
+              </a:solidFill>
+            </a:endParaRPr>
+          </a:p>
+          <a:p>
+            <a:pPr lvl="0"/>
+            <a:r>
+              <a:rPr lang="de-DE" sz="2800" dirty="0" smtClean="0">
+                <a:solidFill>
+                  <a:schemeClr val="tx1"/>
+                </a:solidFill>
+              </a:rPr>
+              <a:t>Anpassung der Automatisierung an die verschieden Szenarien</a:t>
+            </a:r>
+          </a:p>
+          <a:p>
+            <a:pPr lvl="0"/>
+            <a:r>
+              <a:rPr lang="de-DE" sz="2800" dirty="0" smtClean="0">
+                <a:solidFill>
+                  <a:schemeClr val="tx1"/>
+                </a:solidFill>
+              </a:rPr>
+              <a:t>Alle Verteilungen berechnen in </a:t>
+            </a:r>
+            <a:r>
+              <a:rPr lang="de-DE" sz="2800" dirty="0" smtClean="0">
+                <a:solidFill>
+                  <a:schemeClr val="tx1"/>
+                </a:solidFill>
+              </a:rPr>
+              <a:t>Python (von 0 bis 100 in 5er Schritten)</a:t>
+            </a:r>
             <a:endParaRPr lang="de-DE" sz="2800" dirty="0" smtClean="0">
               <a:solidFill>
                 <a:schemeClr val="tx1"/>
@@ -6684,14 +6477,6 @@
           </a:p>
           <a:p>
             <a:pPr lvl="0"/>
-            <a:endParaRPr lang="de-DE" sz="2800" dirty="0">
-              <a:solidFill>
-                <a:schemeClr val="tx1"/>
-              </a:solidFill>
-            </a:endParaRPr>
-          </a:p>
-          <a:p>
-            <a:pPr lvl="0"/>
             <a:endParaRPr lang="de-DE" sz="2800" dirty="0" smtClean="0">
               <a:solidFill>
                 <a:schemeClr val="tx1"/>
@@ -6700,14 +6485,6 @@
           </a:p>
           <a:p>
             <a:pPr lvl="0"/>
-            <a:endParaRPr lang="de-DE" sz="2800" dirty="0">
-              <a:solidFill>
-                <a:schemeClr val="tx1"/>
-              </a:solidFill>
-            </a:endParaRPr>
-          </a:p>
-          <a:p>
-            <a:pPr lvl="0"/>
             <a:endParaRPr lang="de-DE" sz="2800" dirty="0" smtClean="0">
               <a:solidFill>
                 <a:schemeClr val="tx1"/>
@@ -6716,105 +6493,14 @@
           </a:p>
           <a:p>
             <a:pPr lvl="0"/>
-            <a:endParaRPr lang="de-DE" sz="2800" dirty="0">
-              <a:solidFill>
-                <a:schemeClr val="tx1"/>
-              </a:solidFill>
-            </a:endParaRPr>
-          </a:p>
-          <a:p>
-            <a:pPr lvl="0"/>
-            <a:endParaRPr lang="de-DE" sz="2800" dirty="0" smtClean="0">
-              <a:solidFill>
-                <a:schemeClr val="tx1"/>
-              </a:solidFill>
-            </a:endParaRPr>
-          </a:p>
-          <a:p>
-            <a:pPr lvl="0"/>
-            <a:endParaRPr lang="de-DE" sz="2800" dirty="0">
-              <a:solidFill>
-                <a:schemeClr val="tx1"/>
-              </a:solidFill>
-            </a:endParaRPr>
-          </a:p>
-          <a:p>
-            <a:pPr lvl="0"/>
             <a:r>
               <a:rPr lang="de-DE" sz="2800" dirty="0" smtClean="0">
                 <a:solidFill>
                   <a:schemeClr val="tx1"/>
                 </a:solidFill>
               </a:rPr>
-              <a:t>Random Methode</a:t>
-            </a:r>
-          </a:p>
-          <a:p>
-            <a:pPr lvl="0"/>
-            <a:endParaRPr lang="de-DE" sz="2800" dirty="0">
-              <a:solidFill>
-                <a:schemeClr val="tx1"/>
-              </a:solidFill>
-            </a:endParaRPr>
-          </a:p>
-          <a:p>
-            <a:pPr lvl="0"/>
-            <a:endParaRPr lang="de-DE" sz="2800" dirty="0" smtClean="0">
-              <a:solidFill>
-                <a:schemeClr val="tx1"/>
-              </a:solidFill>
-            </a:endParaRPr>
-          </a:p>
-          <a:p>
-            <a:pPr lvl="0"/>
-            <a:endParaRPr lang="de-DE" sz="2800" dirty="0">
-              <a:solidFill>
-                <a:schemeClr val="tx1"/>
-              </a:solidFill>
-            </a:endParaRPr>
-          </a:p>
-          <a:p>
-            <a:pPr lvl="0"/>
-            <a:endParaRPr lang="de-DE" sz="2800" dirty="0" smtClean="0">
-              <a:solidFill>
-                <a:schemeClr val="tx1"/>
-              </a:solidFill>
-            </a:endParaRPr>
-          </a:p>
-          <a:p>
-            <a:pPr lvl="0"/>
-            <a:endParaRPr lang="de-DE" sz="2800" dirty="0">
-              <a:solidFill>
-                <a:schemeClr val="tx1"/>
-              </a:solidFill>
-            </a:endParaRPr>
-          </a:p>
-          <a:p>
-            <a:pPr lvl="0"/>
-            <a:r>
-              <a:rPr lang="de-DE" sz="2800" dirty="0" smtClean="0">
-                <a:solidFill>
-                  <a:schemeClr val="tx1"/>
-                </a:solidFill>
-              </a:rPr>
-              <a:t>Automatisierung getestet</a:t>
-            </a:r>
-          </a:p>
-          <a:p>
-            <a:pPr lvl="0"/>
-            <a:endParaRPr lang="de-DE" sz="2800" dirty="0" smtClean="0">
-              <a:solidFill>
-                <a:schemeClr val="tx1"/>
-              </a:solidFill>
-            </a:endParaRPr>
-          </a:p>
-          <a:p>
-            <a:pPr lvl="0"/>
-            <a:endParaRPr lang="de-DE" sz="2800" dirty="0" smtClean="0">
-              <a:solidFill>
-                <a:schemeClr val="tx1"/>
-              </a:solidFill>
-            </a:endParaRPr>
+              <a:t>Verschiedene Verteilungen länger laufen lassen (Probleme mit Multi Threading)</a:t>
+            </a:r>
           </a:p>
           <a:p>
             <a:pPr lvl="0"/>
@@ -6928,8 +6614,8 @@
         </p:blipFill>
         <p:spPr>
           <a:xfrm>
-            <a:off x="6545387" y="354733"/>
-            <a:ext cx="4639081" cy="3196305"/>
+            <a:off x="4065035" y="3264275"/>
+            <a:ext cx="7281838" cy="775641"/>
           </a:xfrm>
           <a:prstGeom prst="rect">
             <a:avLst/>
@@ -6939,7 +6625,7 @@
     </p:spTree>
     <p:extLst>
       <p:ext uri="{BB962C8B-B14F-4D97-AF65-F5344CB8AC3E}">
-        <p14:creationId xmlns:p14="http://schemas.microsoft.com/office/powerpoint/2010/main" val="863936613"/>
+        <p14:creationId xmlns:p14="http://schemas.microsoft.com/office/powerpoint/2010/main" val="3642985866"/>
       </p:ext>
     </p:extLst>
   </p:cSld>
@@ -6981,7 +6667,7 @@
           <p:cNvPr id="2" name="Title 6">
             <a:extLst>
               <a:ext uri="{FF2B5EF4-FFF2-40B4-BE49-F238E27FC236}">
-                <a16:creationId xmlns="" xmlns:a16="http://schemas.microsoft.com/office/drawing/2014/main" id="{04F78A0C-BF40-4E0B-9FA4-AAAA57E3C4EF}"/>
+                <a16:creationId xmlns:a16="http://schemas.microsoft.com/office/drawing/2014/main" xmlns="" id="{04F78A0C-BF40-4E0B-9FA4-AAAA57E3C4EF}"/>
               </a:ext>
             </a:extLst>
           </p:cNvPr>
@@ -7001,8 +6687,8 @@
           <a:p>
             <a:pPr lvl="0" algn="ctr"/>
             <a:r>
-              <a:rPr lang="en-GB" sz="2800" dirty="0" smtClean="0"/>
-              <a:t>16,5%</a:t>
+              <a:rPr lang="en-GB" sz="2800" dirty="0" err="1" smtClean="0"/>
+              <a:t>Testen</a:t>
             </a:r>
             <a:endParaRPr lang="en-GB" sz="2800" dirty="0"/>
           </a:p>
@@ -7013,7 +6699,7 @@
           <p:cNvPr id="3" name="Content Placeholder 7">
             <a:extLst>
               <a:ext uri="{FF2B5EF4-FFF2-40B4-BE49-F238E27FC236}">
-                <a16:creationId xmlns="" xmlns:a16="http://schemas.microsoft.com/office/drawing/2014/main" id="{3A52400E-A01D-4CCF-8280-EBE32B011F8E}"/>
+                <a16:creationId xmlns:a16="http://schemas.microsoft.com/office/drawing/2014/main" xmlns="" id="{3A52400E-A01D-4CCF-8280-EBE32B011F8E}"/>
               </a:ext>
             </a:extLst>
           </p:cNvPr>
@@ -7031,36 +6717,149 @@
           </a:xfrm>
         </p:spPr>
         <p:txBody>
-          <a:bodyPr>
-            <a:normAutofit fontScale="92500" lnSpcReduction="20000"/>
+          <a:bodyPr anchor="t">
+            <a:normAutofit/>
           </a:bodyPr>
           <a:lstStyle/>
           <a:p>
-            <a:pPr marL="0" lvl="0" indent="0">
-              <a:lnSpc>
-                <a:spcPct val="200000"/>
-              </a:lnSpc>
-              <a:buNone/>
-            </a:pPr>
-            <a:r>
-              <a:rPr lang="de-DE" sz="2800" dirty="0">
-                <a:solidFill>
-                  <a:schemeClr val="tx1"/>
-                </a:solidFill>
-              </a:rPr>
-              <a:t>Selbsteinschätzung:</a:t>
-            </a:r>
-          </a:p>
-          <a:p>
-            <a:pPr lvl="0"/>
-            <a:r>
-              <a:rPr lang="de-DE" dirty="0" smtClean="0">
-                <a:solidFill>
-                  <a:schemeClr val="tx1"/>
-                </a:solidFill>
-              </a:rPr>
-              <a:t>Recherche über die Filter der Datenvorverarbeitung</a:t>
-            </a:r>
+            <a:pPr lvl="0"/>
+            <a:r>
+              <a:rPr lang="de-DE" sz="2800" dirty="0" smtClean="0">
+                <a:solidFill>
+                  <a:schemeClr val="tx1"/>
+                </a:solidFill>
+              </a:rPr>
+              <a:t>Random </a:t>
+            </a:r>
+            <a:r>
+              <a:rPr lang="de-DE" sz="2800" dirty="0" smtClean="0">
+                <a:solidFill>
+                  <a:schemeClr val="tx1"/>
+                </a:solidFill>
+              </a:rPr>
+              <a:t>Methode</a:t>
+            </a:r>
+          </a:p>
+          <a:p>
+            <a:pPr lvl="0"/>
+            <a:endParaRPr lang="de-DE" sz="2800" dirty="0">
+              <a:solidFill>
+                <a:schemeClr val="tx1"/>
+              </a:solidFill>
+            </a:endParaRPr>
+          </a:p>
+          <a:p>
+            <a:pPr lvl="0"/>
+            <a:endParaRPr lang="de-DE" sz="2800" dirty="0" smtClean="0">
+              <a:solidFill>
+                <a:schemeClr val="tx1"/>
+              </a:solidFill>
+            </a:endParaRPr>
+          </a:p>
+          <a:p>
+            <a:pPr lvl="0"/>
+            <a:endParaRPr lang="de-DE" sz="2800" dirty="0">
+              <a:solidFill>
+                <a:schemeClr val="tx1"/>
+              </a:solidFill>
+            </a:endParaRPr>
+          </a:p>
+          <a:p>
+            <a:pPr lvl="0"/>
+            <a:endParaRPr lang="de-DE" sz="2800" dirty="0" smtClean="0">
+              <a:solidFill>
+                <a:schemeClr val="tx1"/>
+              </a:solidFill>
+            </a:endParaRPr>
+          </a:p>
+          <a:p>
+            <a:pPr lvl="0"/>
+            <a:endParaRPr lang="de-DE" sz="2800" dirty="0">
+              <a:solidFill>
+                <a:schemeClr val="tx1"/>
+              </a:solidFill>
+            </a:endParaRPr>
+          </a:p>
+          <a:p>
+            <a:pPr lvl="0"/>
+            <a:endParaRPr lang="de-DE" sz="2800" dirty="0">
+              <a:solidFill>
+                <a:schemeClr val="tx1"/>
+              </a:solidFill>
+            </a:endParaRPr>
+          </a:p>
+          <a:p>
+            <a:pPr lvl="0"/>
+            <a:r>
+              <a:rPr lang="de-DE" sz="2800" dirty="0" smtClean="0">
+                <a:solidFill>
+                  <a:schemeClr val="tx1"/>
+                </a:solidFill>
+              </a:rPr>
+              <a:t>Automatisierung getestet</a:t>
+            </a:r>
+          </a:p>
+          <a:p>
+            <a:pPr lvl="1"/>
+            <a:r>
+              <a:rPr lang="de-DE" sz="2600" dirty="0" smtClean="0">
+                <a:solidFill>
+                  <a:schemeClr val="tx1"/>
+                </a:solidFill>
+              </a:rPr>
+              <a:t>passt die Anzahl der Quellen? </a:t>
+            </a:r>
+          </a:p>
+          <a:p>
+            <a:pPr lvl="1"/>
+            <a:r>
+              <a:rPr lang="de-DE" sz="2600" dirty="0" smtClean="0">
+                <a:solidFill>
+                  <a:schemeClr val="tx1"/>
+                </a:solidFill>
+              </a:rPr>
+              <a:t>stimmt die Verteilung mit der </a:t>
+            </a:r>
+            <a:r>
+              <a:rPr lang="de-DE" sz="2600" dirty="0" err="1" smtClean="0">
+                <a:solidFill>
+                  <a:schemeClr val="tx1"/>
+                </a:solidFill>
+              </a:rPr>
+              <a:t>insgesamten</a:t>
+            </a:r>
+            <a:r>
+              <a:rPr lang="de-DE" sz="2600" dirty="0" smtClean="0">
+                <a:solidFill>
+                  <a:schemeClr val="tx1"/>
+                </a:solidFill>
+              </a:rPr>
+              <a:t> Anzahl der Menschen überein?</a:t>
+            </a:r>
+            <a:endParaRPr lang="de-DE" sz="2600" dirty="0" smtClean="0">
+              <a:solidFill>
+                <a:schemeClr val="tx1"/>
+              </a:solidFill>
+            </a:endParaRPr>
+          </a:p>
+          <a:p>
+            <a:pPr lvl="0"/>
+            <a:endParaRPr lang="de-DE" sz="2800" dirty="0" smtClean="0">
+              <a:solidFill>
+                <a:schemeClr val="tx1"/>
+              </a:solidFill>
+            </a:endParaRPr>
+          </a:p>
+          <a:p>
+            <a:pPr lvl="0"/>
+            <a:endParaRPr lang="de-DE" sz="2800" dirty="0" smtClean="0">
+              <a:solidFill>
+                <a:schemeClr val="tx1"/>
+              </a:solidFill>
+            </a:endParaRPr>
+          </a:p>
+          <a:p>
+            <a:pPr lvl="0"/>
             <a:endParaRPr lang="de-DE" dirty="0">
               <a:solidFill>
                 <a:schemeClr val="tx1"/>
@@ -7069,25 +6868,14 @@
           </a:p>
           <a:p>
             <a:pPr lvl="0"/>
-            <a:r>
-              <a:rPr lang="de-DE" dirty="0" smtClean="0">
-                <a:solidFill>
-                  <a:schemeClr val="tx1"/>
-                </a:solidFill>
-              </a:rPr>
-              <a:t>Implementierung der Filter</a:t>
-            </a:r>
-          </a:p>
-          <a:p>
-            <a:pPr lvl="0"/>
-            <a:r>
-              <a:rPr lang="de-DE" dirty="0" smtClean="0">
-                <a:solidFill>
-                  <a:schemeClr val="tx1"/>
-                </a:solidFill>
-              </a:rPr>
-              <a:t>Erstellen einer Dokumentation für die Skripte</a:t>
-            </a:r>
+            <a:endParaRPr lang="de-DE" dirty="0" smtClean="0">
+              <a:solidFill>
+                <a:schemeClr val="tx1"/>
+              </a:solidFill>
+            </a:endParaRPr>
+          </a:p>
+          <a:p>
+            <a:pPr lvl="0"/>
             <a:endParaRPr lang="de-DE" dirty="0">
               <a:solidFill>
                 <a:schemeClr val="tx1"/>
@@ -7096,15 +6884,7 @@
           </a:p>
           <a:p>
             <a:pPr lvl="0"/>
-            <a:r>
-              <a:rPr lang="de-DE" b="1" dirty="0" smtClean="0">
-                <a:solidFill>
-                  <a:schemeClr val="tx1"/>
-                </a:solidFill>
-              </a:rPr>
-              <a:t>Verteilung der Personen bei der Automatisierung der Simulation</a:t>
-            </a:r>
-            <a:endParaRPr lang="de-DE" b="1" dirty="0">
+            <a:endParaRPr lang="de-DE" dirty="0" smtClean="0">
               <a:solidFill>
                 <a:schemeClr val="tx1"/>
               </a:solidFill>
@@ -7112,182 +6892,96 @@
           </a:p>
           <a:p>
             <a:pPr lvl="0"/>
-            <a:r>
-              <a:rPr lang="de-DE" b="1" dirty="0" smtClean="0">
-                <a:solidFill>
-                  <a:schemeClr val="tx1"/>
-                </a:solidFill>
-              </a:rPr>
-              <a:t>Testen der Software</a:t>
-            </a:r>
-            <a:endParaRPr lang="de-DE" b="1" dirty="0">
-              <a:solidFill>
-                <a:schemeClr val="tx1"/>
-              </a:solidFill>
-            </a:endParaRPr>
-          </a:p>
-          <a:p>
-            <a:pPr lvl="0"/>
-            <a:r>
-              <a:rPr lang="de-DE" dirty="0" smtClean="0">
-                <a:solidFill>
-                  <a:schemeClr val="tx1"/>
-                </a:solidFill>
-              </a:rPr>
-              <a:t>Datengenerierung</a:t>
-            </a:r>
-          </a:p>
-          <a:p>
-            <a:pPr lvl="0"/>
-            <a:r>
-              <a:rPr lang="de-DE" dirty="0" smtClean="0">
-                <a:solidFill>
-                  <a:schemeClr val="tx1"/>
-                </a:solidFill>
-              </a:rPr>
-              <a:t>Erstellen eines Technischen Berichts</a:t>
-            </a:r>
-          </a:p>
-          <a:p>
-            <a:pPr lvl="0"/>
-            <a:r>
-              <a:rPr lang="de-DE" dirty="0" smtClean="0">
-                <a:solidFill>
-                  <a:schemeClr val="tx1"/>
-                </a:solidFill>
-              </a:rPr>
-              <a:t>Aufbereitung der Daten nach Vorgaben des Fraunhofer Instituts</a:t>
-            </a:r>
-            <a:endParaRPr lang="de-DE" dirty="0" smtClean="0">
-              <a:solidFill>
-                <a:srgbClr val="FF0000"/>
-              </a:solidFill>
-            </a:endParaRPr>
-          </a:p>
-          <a:p>
-            <a:pPr lvl="0"/>
-            <a:r>
-              <a:rPr lang="de-DE" dirty="0" smtClean="0">
-                <a:solidFill>
-                  <a:schemeClr val="tx1"/>
-                </a:solidFill>
-              </a:rPr>
-              <a:t>Aufbereitung der Daten, dass sie denen von Kameras ähneln</a:t>
-            </a:r>
-          </a:p>
-          <a:p>
-            <a:pPr lvl="0"/>
-            <a:r>
-              <a:rPr lang="de-DE" b="1" dirty="0" smtClean="0">
-                <a:solidFill>
-                  <a:schemeClr val="tx1"/>
-                </a:solidFill>
-              </a:rPr>
-              <a:t>Modellieren der Szenarien</a:t>
-            </a:r>
-          </a:p>
-          <a:p>
-            <a:pPr lvl="0"/>
-            <a:r>
-              <a:rPr lang="de-DE" b="1" smtClean="0">
-                <a:solidFill>
-                  <a:schemeClr val="tx1"/>
-                </a:solidFill>
-              </a:rPr>
-              <a:t> </a:t>
-            </a:r>
-            <a:r>
-              <a:rPr lang="de-DE" b="1" dirty="0">
-                <a:solidFill>
-                  <a:schemeClr val="tx1"/>
-                </a:solidFill>
-              </a:rPr>
-              <a:t>S</a:t>
-            </a:r>
-            <a:r>
-              <a:rPr lang="de-DE" b="1" smtClean="0">
-                <a:solidFill>
-                  <a:schemeClr val="tx1"/>
-                </a:solidFill>
-              </a:rPr>
-              <a:t>imulieren </a:t>
-            </a:r>
-            <a:r>
-              <a:rPr lang="de-DE" b="1" dirty="0" smtClean="0">
-                <a:solidFill>
-                  <a:schemeClr val="tx1"/>
-                </a:solidFill>
-              </a:rPr>
-              <a:t>realistischer, variantenreicher Szenarien</a:t>
-            </a:r>
-          </a:p>
-          <a:p>
-            <a:pPr lvl="0"/>
-            <a:r>
-              <a:rPr lang="de-DE" dirty="0" smtClean="0">
-                <a:solidFill>
-                  <a:schemeClr val="tx1"/>
-                </a:solidFill>
-              </a:rPr>
-              <a:t>Aktualisieren des Trello Projektes/</a:t>
-            </a:r>
-            <a:r>
-              <a:rPr lang="de-DE" dirty="0" err="1" smtClean="0">
-                <a:solidFill>
-                  <a:schemeClr val="tx1"/>
-                </a:solidFill>
-              </a:rPr>
-              <a:t>Repos</a:t>
-            </a:r>
-            <a:r>
-              <a:rPr lang="de-DE" dirty="0" smtClean="0">
-                <a:solidFill>
-                  <a:schemeClr val="tx1"/>
-                </a:solidFill>
-              </a:rPr>
-              <a:t>/Organisation der Treffen</a:t>
-            </a:r>
-          </a:p>
-          <a:p>
-            <a:pPr lvl="0"/>
-            <a:r>
-              <a:rPr lang="de-DE" dirty="0" smtClean="0">
-                <a:solidFill>
-                  <a:schemeClr val="tx1"/>
-                </a:solidFill>
-              </a:rPr>
-              <a:t>Erstellen einer Demo</a:t>
-            </a:r>
-          </a:p>
-          <a:p>
-            <a:r>
-              <a:rPr lang="de-DE" dirty="0" err="1" smtClean="0">
-                <a:solidFill>
-                  <a:schemeClr val="tx1"/>
-                </a:solidFill>
-              </a:rPr>
-              <a:t>Scrum</a:t>
-            </a:r>
-            <a:r>
-              <a:rPr lang="de-DE" dirty="0" smtClean="0">
-                <a:solidFill>
-                  <a:schemeClr val="tx1"/>
-                </a:solidFill>
-              </a:rPr>
-              <a:t> Master</a:t>
-            </a:r>
             <a:endParaRPr lang="de-DE" dirty="0">
               <a:solidFill>
                 <a:schemeClr val="tx1"/>
               </a:solidFill>
             </a:endParaRPr>
           </a:p>
-        </p:txBody>
-      </p:sp>
+          <a:p>
+            <a:pPr lvl="0"/>
+            <a:endParaRPr lang="de-DE" dirty="0" smtClean="0">
+              <a:solidFill>
+                <a:schemeClr val="tx1"/>
+              </a:solidFill>
+            </a:endParaRPr>
+          </a:p>
+          <a:p>
+            <a:pPr lvl="0"/>
+            <a:endParaRPr lang="de-DE" dirty="0">
+              <a:solidFill>
+                <a:schemeClr val="tx1"/>
+              </a:solidFill>
+            </a:endParaRPr>
+          </a:p>
+          <a:p>
+            <a:pPr lvl="0"/>
+            <a:endParaRPr lang="de-DE" dirty="0" smtClean="0">
+              <a:solidFill>
+                <a:schemeClr val="tx1"/>
+              </a:solidFill>
+            </a:endParaRPr>
+          </a:p>
+          <a:p>
+            <a:pPr lvl="0"/>
+            <a:endParaRPr lang="de-DE" dirty="0">
+              <a:solidFill>
+                <a:schemeClr val="tx1"/>
+              </a:solidFill>
+            </a:endParaRPr>
+          </a:p>
+          <a:p>
+            <a:pPr lvl="0"/>
+            <a:endParaRPr lang="de-DE" dirty="0" smtClean="0">
+              <a:solidFill>
+                <a:schemeClr val="tx1"/>
+              </a:solidFill>
+            </a:endParaRPr>
+          </a:p>
+          <a:p>
+            <a:pPr lvl="0"/>
+            <a:endParaRPr lang="de-DE" dirty="0">
+              <a:solidFill>
+                <a:schemeClr val="tx1"/>
+              </a:solidFill>
+            </a:endParaRPr>
+          </a:p>
+        </p:txBody>
+      </p:sp>
+      <p:pic>
+        <p:nvPicPr>
+          <p:cNvPr id="5" name="Bild 4"/>
+          <p:cNvPicPr>
+            <a:picLocks noChangeAspect="1"/>
+          </p:cNvPicPr>
+          <p:nvPr/>
+        </p:nvPicPr>
+        <p:blipFill>
+          <a:blip r:embed="rId2">
+            <a:extLst>
+              <a:ext uri="{28A0092B-C50C-407E-A947-70E740481C1C}">
+                <a14:useLocalDpi xmlns:a14="http://schemas.microsoft.com/office/drawing/2010/main" val="0"/>
+              </a:ext>
+            </a:extLst>
+          </a:blip>
+          <a:stretch>
+            <a:fillRect/>
+          </a:stretch>
+        </p:blipFill>
+        <p:spPr>
+          <a:xfrm>
+            <a:off x="3629893" y="1481774"/>
+            <a:ext cx="8049490" cy="1838338"/>
+          </a:xfrm>
+          <a:prstGeom prst="rect">
+            <a:avLst/>
+          </a:prstGeom>
+        </p:spPr>
+      </p:pic>
     </p:spTree>
     <p:extLst>
       <p:ext uri="{BB962C8B-B14F-4D97-AF65-F5344CB8AC3E}">
-        <p14:creationId xmlns:p14="http://schemas.microsoft.com/office/powerpoint/2010/main" val="3839786792"/>
+        <p14:creationId xmlns:p14="http://schemas.microsoft.com/office/powerpoint/2010/main" val="863936613"/>
       </p:ext>
     </p:extLst>
   </p:cSld>
@@ -7329,7 +7023,7 @@
           <p:cNvPr id="2" name="Title 6">
             <a:extLst>
               <a:ext uri="{FF2B5EF4-FFF2-40B4-BE49-F238E27FC236}">
-                <a16:creationId xmlns="" xmlns:a16="http://schemas.microsoft.com/office/drawing/2014/main" id="{04F78A0C-BF40-4E0B-9FA4-AAAA57E3C4EF}"/>
+                <a16:creationId xmlns:a16="http://schemas.microsoft.com/office/drawing/2014/main" xmlns="" id="{04F78A0C-BF40-4E0B-9FA4-AAAA57E3C4EF}"/>
               </a:ext>
             </a:extLst>
           </p:cNvPr>
@@ -7349,10 +7043,10 @@
           <a:p>
             <a:pPr lvl="0" algn="ctr"/>
             <a:r>
-              <a:rPr lang="en-GB" sz="4500" dirty="0" smtClean="0"/>
+              <a:rPr lang="en-GB" sz="2800" dirty="0" smtClean="0"/>
               <a:t>16,5%</a:t>
             </a:r>
-            <a:endParaRPr lang="en-GB" sz="4500" dirty="0"/>
+            <a:endParaRPr lang="en-GB" sz="2800" dirty="0"/>
           </a:p>
         </p:txBody>
       </p:sp>
@@ -7361,7 +7055,7 @@
           <p:cNvPr id="3" name="Content Placeholder 7">
             <a:extLst>
               <a:ext uri="{FF2B5EF4-FFF2-40B4-BE49-F238E27FC236}">
-                <a16:creationId xmlns="" xmlns:a16="http://schemas.microsoft.com/office/drawing/2014/main" id="{3A52400E-A01D-4CCF-8280-EBE32B011F8E}"/>
+                <a16:creationId xmlns:a16="http://schemas.microsoft.com/office/drawing/2014/main" xmlns="" id="{3A52400E-A01D-4CCF-8280-EBE32B011F8E}"/>
               </a:ext>
             </a:extLst>
           </p:cNvPr>
@@ -7380,7 +7074,7 @@
         </p:spPr>
         <p:txBody>
           <a:bodyPr>
-            <a:normAutofit fontScale="92500" lnSpcReduction="10000"/>
+            <a:normAutofit fontScale="92500" lnSpcReduction="20000"/>
           </a:bodyPr>
           <a:lstStyle/>
           <a:p>
@@ -7482,7 +7176,7 @@
                   <a:schemeClr val="tx1"/>
                 </a:solidFill>
               </a:rPr>
-              <a:t>Datengenerierung und Datenbeauftragte</a:t>
+              <a:t>Datengenerierung</a:t>
             </a:r>
           </a:p>
           <a:p>
@@ -7515,12 +7209,23 @@
           <a:p>
             <a:pPr lvl="0"/>
             <a:r>
+              <a:rPr lang="de-DE" dirty="0" smtClean="0">
+                <a:solidFill>
+                  <a:schemeClr val="tx1"/>
+                </a:solidFill>
+              </a:rPr>
+              <a:t>Aufbereitung der Daten, dass sie denen von Kameras ähneln</a:t>
+            </a:r>
+          </a:p>
+          <a:p>
+            <a:pPr lvl="0"/>
+            <a:r>
               <a:rPr lang="de-DE" b="1" dirty="0" smtClean="0">
                 <a:solidFill>
                   <a:schemeClr val="tx1"/>
                 </a:solidFill>
               </a:rPr>
-              <a:t>Modellieren realistischer, variantenreicher Szenarien </a:t>
+              <a:t>Modellieren der Szenarien</a:t>
             </a:r>
           </a:p>
           <a:p>
@@ -7531,7 +7236,15 @@
                   <a:schemeClr val="tx1"/>
                 </a:solidFill>
               </a:rPr>
-              <a:t>Simulieren realistischer, variantenreicher Szenarien</a:t>
+              <a:t>Simulieren </a:t>
+            </a:r>
+            <a:r>
+              <a:rPr lang="de-DE" b="1" dirty="0" smtClean="0">
+                <a:solidFill>
+                  <a:schemeClr val="tx1"/>
+                </a:solidFill>
+              </a:rPr>
+              <a:t>realistischer, variantenreicher Szenarien</a:t>
             </a:r>
           </a:p>
           <a:p>
@@ -7569,7 +7282,7 @@
                   <a:schemeClr val="tx1"/>
                 </a:solidFill>
               </a:rPr>
-              <a:t>Erstellung einer Demo</a:t>
+              <a:t>Erstellen einer Demo</a:t>
             </a:r>
           </a:p>
           <a:p>
@@ -7600,7 +7313,7 @@
     </p:spTree>
     <p:extLst>
       <p:ext uri="{BB962C8B-B14F-4D97-AF65-F5344CB8AC3E}">
-        <p14:creationId xmlns:p14="http://schemas.microsoft.com/office/powerpoint/2010/main" val="907772"/>
+        <p14:creationId xmlns:p14="http://schemas.microsoft.com/office/powerpoint/2010/main" val="3839786792"/>
       </p:ext>
     </p:extLst>
   </p:cSld>
@@ -7639,36 +7352,273 @@
       </p:grpSpPr>
       <p:sp>
         <p:nvSpPr>
-          <p:cNvPr id="2" name="Titel 1"/>
-          <p:cNvSpPr>
-            <a:spLocks noGrp="1"/>
-          </p:cNvSpPr>
-          <p:nvPr>
-            <p:ph type="ctrTitle"/>
+          <p:cNvPr id="2" name="Title 6">
+            <a:extLst>
+              <a:ext uri="{FF2B5EF4-FFF2-40B4-BE49-F238E27FC236}">
+                <a16:creationId xmlns:a16="http://schemas.microsoft.com/office/drawing/2014/main" xmlns="" id="{04F78A0C-BF40-4E0B-9FA4-AAAA57E3C4EF}"/>
+              </a:ext>
+            </a:extLst>
+          </p:cNvPr>
+          <p:cNvSpPr txBox="1">
+            <a:spLocks noGrp="1"/>
+          </p:cNvSpPr>
+          <p:nvPr>
+            <p:ph type="title"/>
           </p:nvPr>
         </p:nvSpPr>
         <p:spPr/>
         <p:txBody>
           <a:bodyPr>
-            <a:noAutofit/>
+            <a:normAutofit/>
           </a:bodyPr>
           <a:lstStyle/>
           <a:p>
-            <a:pPr algn="l"/>
-            <a:r>
-              <a:rPr lang="de-DE" sz="7000" dirty="0" smtClean="0">
-                <a:solidFill>
-                  <a:schemeClr val="bg1"/>
-                </a:solidFill>
-                <a:cs typeface="Times New Roman" panose="02020603050405020304" pitchFamily="18" charset="0"/>
-              </a:rPr>
-              <a:t>Hubert</a:t>
-            </a:r>
-            <a:endParaRPr lang="de-DE" sz="7000" dirty="0">
+            <a:pPr lvl="0" algn="ctr"/>
+            <a:r>
+              <a:rPr lang="en-GB" sz="4500" dirty="0" smtClean="0"/>
+              <a:t>16,5%</a:t>
+            </a:r>
+            <a:endParaRPr lang="en-GB" sz="4500" dirty="0"/>
+          </a:p>
+        </p:txBody>
+      </p:sp>
+      <p:sp>
+        <p:nvSpPr>
+          <p:cNvPr id="3" name="Content Placeholder 7">
+            <a:extLst>
+              <a:ext uri="{FF2B5EF4-FFF2-40B4-BE49-F238E27FC236}">
+                <a16:creationId xmlns:a16="http://schemas.microsoft.com/office/drawing/2014/main" xmlns="" id="{3A52400E-A01D-4CCF-8280-EBE32B011F8E}"/>
+              </a:ext>
+            </a:extLst>
+          </p:cNvPr>
+          <p:cNvSpPr txBox="1">
+            <a:spLocks noGrp="1"/>
+          </p:cNvSpPr>
+          <p:nvPr>
+            <p:ph idx="1"/>
+          </p:nvPr>
+        </p:nvSpPr>
+        <p:spPr>
+          <a:xfrm>
+            <a:off x="3869268" y="174811"/>
+            <a:ext cx="7315200" cy="5984748"/>
+          </a:xfrm>
+        </p:spPr>
+        <p:txBody>
+          <a:bodyPr>
+            <a:normAutofit fontScale="92500" lnSpcReduction="10000"/>
+          </a:bodyPr>
+          <a:lstStyle/>
+          <a:p>
+            <a:pPr marL="0" lvl="0" indent="0">
+              <a:lnSpc>
+                <a:spcPct val="200000"/>
+              </a:lnSpc>
+              <a:buNone/>
+            </a:pPr>
+            <a:r>
+              <a:rPr lang="de-DE" sz="2800" dirty="0">
+                <a:solidFill>
+                  <a:schemeClr val="tx1"/>
+                </a:solidFill>
+              </a:rPr>
+              <a:t>Selbsteinschätzung:</a:t>
+            </a:r>
+          </a:p>
+          <a:p>
+            <a:pPr lvl="0"/>
+            <a:r>
+              <a:rPr lang="de-DE" dirty="0" smtClean="0">
+                <a:solidFill>
+                  <a:schemeClr val="tx1"/>
+                </a:solidFill>
+              </a:rPr>
+              <a:t>Recherche über die Filter der Datenvorverarbeitung</a:t>
+            </a:r>
+            <a:endParaRPr lang="de-DE" dirty="0">
               <a:solidFill>
-                <a:schemeClr val="bg1"/>
+                <a:schemeClr val="tx1"/>
               </a:solidFill>
-              <a:cs typeface="Times New Roman" panose="02020603050405020304" pitchFamily="18" charset="0"/>
+            </a:endParaRPr>
+          </a:p>
+          <a:p>
+            <a:pPr lvl="0"/>
+            <a:r>
+              <a:rPr lang="de-DE" dirty="0" smtClean="0">
+                <a:solidFill>
+                  <a:schemeClr val="tx1"/>
+                </a:solidFill>
+              </a:rPr>
+              <a:t>Implementierung der Filter</a:t>
+            </a:r>
+          </a:p>
+          <a:p>
+            <a:pPr lvl="0"/>
+            <a:r>
+              <a:rPr lang="de-DE" dirty="0" smtClean="0">
+                <a:solidFill>
+                  <a:schemeClr val="tx1"/>
+                </a:solidFill>
+              </a:rPr>
+              <a:t>Erstellen einer Dokumentation für die Skripte</a:t>
+            </a:r>
+            <a:endParaRPr lang="de-DE" dirty="0">
+              <a:solidFill>
+                <a:schemeClr val="tx1"/>
+              </a:solidFill>
+            </a:endParaRPr>
+          </a:p>
+          <a:p>
+            <a:pPr lvl="0"/>
+            <a:r>
+              <a:rPr lang="de-DE" b="1" dirty="0" smtClean="0">
+                <a:solidFill>
+                  <a:schemeClr val="tx1"/>
+                </a:solidFill>
+              </a:rPr>
+              <a:t>Verteilung der Personen bei der Automatisierung der Simulation</a:t>
+            </a:r>
+            <a:endParaRPr lang="de-DE" b="1" dirty="0">
+              <a:solidFill>
+                <a:schemeClr val="tx1"/>
+              </a:solidFill>
+            </a:endParaRPr>
+          </a:p>
+          <a:p>
+            <a:pPr lvl="0"/>
+            <a:r>
+              <a:rPr lang="de-DE" b="1" dirty="0" smtClean="0">
+                <a:solidFill>
+                  <a:schemeClr val="tx1"/>
+                </a:solidFill>
+              </a:rPr>
+              <a:t>Testen der Software</a:t>
+            </a:r>
+            <a:endParaRPr lang="de-DE" b="1" dirty="0">
+              <a:solidFill>
+                <a:schemeClr val="tx1"/>
+              </a:solidFill>
+            </a:endParaRPr>
+          </a:p>
+          <a:p>
+            <a:pPr lvl="0"/>
+            <a:r>
+              <a:rPr lang="de-DE" dirty="0" smtClean="0">
+                <a:solidFill>
+                  <a:schemeClr val="tx1"/>
+                </a:solidFill>
+              </a:rPr>
+              <a:t>Datengenerierung und Datenbeauftragte</a:t>
+            </a:r>
+          </a:p>
+          <a:p>
+            <a:pPr lvl="0"/>
+            <a:r>
+              <a:rPr lang="de-DE" dirty="0" smtClean="0">
+                <a:solidFill>
+                  <a:schemeClr val="tx1"/>
+                </a:solidFill>
+              </a:rPr>
+              <a:t>Erstellen eines Technischen Berichts</a:t>
+            </a:r>
+          </a:p>
+          <a:p>
+            <a:pPr lvl="0"/>
+            <a:r>
+              <a:rPr lang="de-DE" dirty="0" smtClean="0">
+                <a:solidFill>
+                  <a:schemeClr val="tx1"/>
+                </a:solidFill>
+              </a:rPr>
+              <a:t>Aufbereitung der Daten nach Vorgaben des Fraunhofer Instituts</a:t>
+            </a:r>
+            <a:endParaRPr lang="de-DE" dirty="0" smtClean="0">
+              <a:solidFill>
+                <a:srgbClr val="FF0000"/>
+              </a:solidFill>
+            </a:endParaRPr>
+          </a:p>
+          <a:p>
+            <a:pPr lvl="0"/>
+            <a:r>
+              <a:rPr lang="de-DE" b="1" dirty="0" smtClean="0">
+                <a:solidFill>
+                  <a:schemeClr val="tx1"/>
+                </a:solidFill>
+              </a:rPr>
+              <a:t>Modellieren realistischer, variantenreicher Szenarien </a:t>
+            </a:r>
+          </a:p>
+          <a:p>
+            <a:pPr lvl="0"/>
+            <a:r>
+              <a:rPr lang="de-DE" b="1" dirty="0" smtClean="0">
+                <a:solidFill>
+                  <a:schemeClr val="tx1"/>
+                </a:solidFill>
+              </a:rPr>
+              <a:t>Simulieren realistischer, variantenreicher Szenarien</a:t>
+            </a:r>
+          </a:p>
+          <a:p>
+            <a:pPr lvl="0"/>
+            <a:r>
+              <a:rPr lang="de-DE" dirty="0" smtClean="0">
+                <a:solidFill>
+                  <a:schemeClr val="tx1"/>
+                </a:solidFill>
+              </a:rPr>
+              <a:t>Aktualisieren des Trello Projektes/</a:t>
+            </a:r>
+            <a:r>
+              <a:rPr lang="de-DE" dirty="0" err="1" smtClean="0">
+                <a:solidFill>
+                  <a:schemeClr val="tx1"/>
+                </a:solidFill>
+              </a:rPr>
+              <a:t>Repos</a:t>
+            </a:r>
+            <a:r>
+              <a:rPr lang="de-DE" dirty="0" smtClean="0">
+                <a:solidFill>
+                  <a:schemeClr val="tx1"/>
+                </a:solidFill>
+              </a:rPr>
+              <a:t>/Organisation der Treffen</a:t>
+            </a:r>
+          </a:p>
+          <a:p>
+            <a:pPr lvl="0"/>
+            <a:r>
+              <a:rPr lang="de-DE" dirty="0" smtClean="0">
+                <a:solidFill>
+                  <a:schemeClr val="tx1"/>
+                </a:solidFill>
+              </a:rPr>
+              <a:t>Erstellung einer Demo</a:t>
+            </a:r>
+          </a:p>
+          <a:p>
+            <a:r>
+              <a:rPr lang="de-DE" dirty="0" err="1" smtClean="0">
+                <a:solidFill>
+                  <a:schemeClr val="tx1"/>
+                </a:solidFill>
+              </a:rPr>
+              <a:t>Scrum</a:t>
+            </a:r>
+            <a:r>
+              <a:rPr lang="de-DE" dirty="0" smtClean="0">
+                <a:solidFill>
+                  <a:schemeClr val="tx1"/>
+                </a:solidFill>
+              </a:rPr>
+              <a:t> Master</a:t>
+            </a:r>
+            <a:endParaRPr lang="de-DE" dirty="0">
+              <a:solidFill>
+                <a:schemeClr val="tx1"/>
+              </a:solidFill>
             </a:endParaRPr>
           </a:p>
         </p:txBody>
@@ -7676,7 +7626,7 @@
     </p:spTree>
     <p:extLst>
       <p:ext uri="{BB962C8B-B14F-4D97-AF65-F5344CB8AC3E}">
-        <p14:creationId xmlns:p14="http://schemas.microsoft.com/office/powerpoint/2010/main" val="4124211303"/>
+        <p14:creationId xmlns:p14="http://schemas.microsoft.com/office/powerpoint/2010/main" val="907772"/>
       </p:ext>
     </p:extLst>
   </p:cSld>
@@ -7715,273 +7665,36 @@
       </p:grpSpPr>
       <p:sp>
         <p:nvSpPr>
-          <p:cNvPr id="2" name="Title 6">
-            <a:extLst>
-              <a:ext uri="{FF2B5EF4-FFF2-40B4-BE49-F238E27FC236}">
-                <a16:creationId xmlns="" xmlns:a16="http://schemas.microsoft.com/office/drawing/2014/main" id="{04F78A0C-BF40-4E0B-9FA4-AAAA57E3C4EF}"/>
-              </a:ext>
-            </a:extLst>
-          </p:cNvPr>
-          <p:cNvSpPr txBox="1">
-            <a:spLocks noGrp="1"/>
-          </p:cNvSpPr>
-          <p:nvPr>
-            <p:ph type="title"/>
+          <p:cNvPr id="2" name="Titel 1"/>
+          <p:cNvSpPr>
+            <a:spLocks noGrp="1"/>
+          </p:cNvSpPr>
+          <p:nvPr>
+            <p:ph type="ctrTitle"/>
           </p:nvPr>
         </p:nvSpPr>
         <p:spPr/>
         <p:txBody>
           <a:bodyPr>
-            <a:normAutofit/>
+            <a:noAutofit/>
           </a:bodyPr>
           <a:lstStyle/>
           <a:p>
-            <a:pPr lvl="0" algn="ctr"/>
-            <a:r>
-              <a:rPr lang="en-GB" sz="4500" dirty="0" smtClean="0"/>
-              <a:t>16,5%</a:t>
-            </a:r>
-            <a:endParaRPr lang="en-GB" sz="4500" dirty="0"/>
-          </a:p>
-        </p:txBody>
-      </p:sp>
-      <p:sp>
-        <p:nvSpPr>
-          <p:cNvPr id="3" name="Content Placeholder 7">
-            <a:extLst>
-              <a:ext uri="{FF2B5EF4-FFF2-40B4-BE49-F238E27FC236}">
-                <a16:creationId xmlns="" xmlns:a16="http://schemas.microsoft.com/office/drawing/2014/main" id="{3A52400E-A01D-4CCF-8280-EBE32B011F8E}"/>
-              </a:ext>
-            </a:extLst>
-          </p:cNvPr>
-          <p:cNvSpPr txBox="1">
-            <a:spLocks noGrp="1"/>
-          </p:cNvSpPr>
-          <p:nvPr>
-            <p:ph idx="1"/>
-          </p:nvPr>
-        </p:nvSpPr>
-        <p:spPr>
-          <a:xfrm>
-            <a:off x="3869268" y="174811"/>
-            <a:ext cx="7315200" cy="5984748"/>
-          </a:xfrm>
-        </p:spPr>
-        <p:txBody>
-          <a:bodyPr>
-            <a:normAutofit fontScale="92500" lnSpcReduction="10000"/>
-          </a:bodyPr>
-          <a:lstStyle/>
-          <a:p>
-            <a:pPr marL="0" lvl="0" indent="0">
-              <a:lnSpc>
-                <a:spcPct val="200000"/>
-              </a:lnSpc>
-              <a:buNone/>
-            </a:pPr>
-            <a:r>
-              <a:rPr lang="de-DE" sz="2800" dirty="0">
-                <a:solidFill>
-                  <a:schemeClr val="tx1"/>
-                </a:solidFill>
-              </a:rPr>
-              <a:t>Selbsteinschätzung:</a:t>
-            </a:r>
-          </a:p>
-          <a:p>
-            <a:pPr lvl="0"/>
-            <a:r>
-              <a:rPr lang="de-DE" dirty="0" smtClean="0">
-                <a:solidFill>
-                  <a:schemeClr val="tx1"/>
-                </a:solidFill>
-              </a:rPr>
-              <a:t>Recherche über die Filter der Datenvorverarbeitung</a:t>
-            </a:r>
-            <a:endParaRPr lang="de-DE" dirty="0">
+            <a:pPr algn="l"/>
+            <a:r>
+              <a:rPr lang="de-DE" sz="7000" dirty="0" smtClean="0">
+                <a:solidFill>
+                  <a:schemeClr val="bg1"/>
+                </a:solidFill>
+                <a:cs typeface="Times New Roman" panose="02020603050405020304" pitchFamily="18" charset="0"/>
+              </a:rPr>
+              <a:t>Hubert</a:t>
+            </a:r>
+            <a:endParaRPr lang="de-DE" sz="7000" dirty="0">
               <a:solidFill>
-                <a:schemeClr val="tx1"/>
+                <a:schemeClr val="bg1"/>
               </a:solidFill>
-            </a:endParaRPr>
-          </a:p>
-          <a:p>
-            <a:pPr lvl="0"/>
-            <a:r>
-              <a:rPr lang="de-DE" dirty="0" smtClean="0">
-                <a:solidFill>
-                  <a:schemeClr val="tx1"/>
-                </a:solidFill>
-              </a:rPr>
-              <a:t>Implementierung der Filter</a:t>
-            </a:r>
-          </a:p>
-          <a:p>
-            <a:pPr lvl="0"/>
-            <a:r>
-              <a:rPr lang="de-DE" dirty="0" smtClean="0">
-                <a:solidFill>
-                  <a:schemeClr val="tx1"/>
-                </a:solidFill>
-              </a:rPr>
-              <a:t>Erstellen einer Dokumentation für die Skripte</a:t>
-            </a:r>
-            <a:endParaRPr lang="de-DE" dirty="0">
-              <a:solidFill>
-                <a:schemeClr val="tx1"/>
-              </a:solidFill>
-            </a:endParaRPr>
-          </a:p>
-          <a:p>
-            <a:pPr lvl="0"/>
-            <a:r>
-              <a:rPr lang="de-DE" dirty="0" smtClean="0">
-                <a:solidFill>
-                  <a:schemeClr val="tx1"/>
-                </a:solidFill>
-              </a:rPr>
-              <a:t>Verteilung der Personen bei der Automatisierung der Simulation</a:t>
-            </a:r>
-            <a:endParaRPr lang="de-DE" dirty="0">
-              <a:solidFill>
-                <a:schemeClr val="tx1"/>
-              </a:solidFill>
-            </a:endParaRPr>
-          </a:p>
-          <a:p>
-            <a:pPr lvl="0"/>
-            <a:r>
-              <a:rPr lang="de-DE" dirty="0" smtClean="0">
-                <a:solidFill>
-                  <a:schemeClr val="tx1"/>
-                </a:solidFill>
-              </a:rPr>
-              <a:t>Testen der Software</a:t>
-            </a:r>
-            <a:endParaRPr lang="de-DE" dirty="0">
-              <a:solidFill>
-                <a:schemeClr val="tx1"/>
-              </a:solidFill>
-            </a:endParaRPr>
-          </a:p>
-          <a:p>
-            <a:pPr lvl="0"/>
-            <a:r>
-              <a:rPr lang="de-DE" dirty="0" smtClean="0">
-                <a:solidFill>
-                  <a:schemeClr val="tx1"/>
-                </a:solidFill>
-              </a:rPr>
-              <a:t>Datengenerierung und Datenbeauftragte</a:t>
-            </a:r>
-          </a:p>
-          <a:p>
-            <a:pPr lvl="0"/>
-            <a:r>
-              <a:rPr lang="de-DE" dirty="0" smtClean="0">
-                <a:solidFill>
-                  <a:schemeClr val="tx1"/>
-                </a:solidFill>
-              </a:rPr>
-              <a:t>Erstellen eines Technischen Berichts</a:t>
-            </a:r>
-          </a:p>
-          <a:p>
-            <a:pPr lvl="0"/>
-            <a:r>
-              <a:rPr lang="de-DE" dirty="0" smtClean="0">
-                <a:solidFill>
-                  <a:schemeClr val="tx1"/>
-                </a:solidFill>
-              </a:rPr>
-              <a:t>Aufbereitung der Daten nach Vorgaben des Fraunhofer Instituts</a:t>
-            </a:r>
-            <a:endParaRPr lang="de-DE" dirty="0" smtClean="0">
-              <a:solidFill>
-                <a:srgbClr val="FF0000"/>
-              </a:solidFill>
-            </a:endParaRPr>
-          </a:p>
-          <a:p>
-            <a:pPr lvl="0"/>
-            <a:r>
-              <a:rPr lang="de-DE" b="1" dirty="0" smtClean="0">
-                <a:solidFill>
-                  <a:schemeClr val="tx1"/>
-                </a:solidFill>
-              </a:rPr>
-              <a:t>Modellieren realistischer, variantenreicher Szenarien </a:t>
-            </a:r>
-          </a:p>
-          <a:p>
-            <a:pPr lvl="0"/>
-            <a:r>
-              <a:rPr lang="de-DE" dirty="0" smtClean="0">
-                <a:solidFill>
-                  <a:schemeClr val="tx1"/>
-                </a:solidFill>
-              </a:rPr>
-              <a:t>Simulieren realistischer, variantenreicher Szenarien</a:t>
-            </a:r>
-          </a:p>
-          <a:p>
-            <a:pPr lvl="0"/>
-            <a:r>
-              <a:rPr lang="de-DE" dirty="0" smtClean="0">
-                <a:solidFill>
-                  <a:schemeClr val="tx1"/>
-                </a:solidFill>
-              </a:rPr>
-              <a:t>Aktualisieren des Trello Projektes/</a:t>
-            </a:r>
-            <a:r>
-              <a:rPr lang="de-DE" dirty="0" err="1" smtClean="0">
-                <a:solidFill>
-                  <a:schemeClr val="tx1"/>
-                </a:solidFill>
-              </a:rPr>
-              <a:t>Repos</a:t>
-            </a:r>
-            <a:r>
-              <a:rPr lang="de-DE" dirty="0" smtClean="0">
-                <a:solidFill>
-                  <a:schemeClr val="tx1"/>
-                </a:solidFill>
-              </a:rPr>
-              <a:t>/Organisation der Treffen</a:t>
-            </a:r>
-          </a:p>
-          <a:p>
-            <a:pPr lvl="0"/>
-            <a:r>
-              <a:rPr lang="de-DE" dirty="0" smtClean="0">
-                <a:solidFill>
-                  <a:schemeClr val="tx1"/>
-                </a:solidFill>
-              </a:rPr>
-              <a:t>Erstellung einer Demo</a:t>
-            </a:r>
-          </a:p>
-          <a:p>
-            <a:r>
-              <a:rPr lang="de-DE" dirty="0" err="1" smtClean="0">
-                <a:solidFill>
-                  <a:schemeClr val="tx1"/>
-                </a:solidFill>
-              </a:rPr>
-              <a:t>Scrum</a:t>
-            </a:r>
-            <a:r>
-              <a:rPr lang="de-DE" dirty="0" smtClean="0">
-                <a:solidFill>
-                  <a:schemeClr val="tx1"/>
-                </a:solidFill>
-              </a:rPr>
-              <a:t> Master</a:t>
-            </a:r>
-            <a:endParaRPr lang="de-DE" dirty="0">
-              <a:solidFill>
-                <a:schemeClr val="tx1"/>
-              </a:solidFill>
+              <a:cs typeface="Times New Roman" panose="02020603050405020304" pitchFamily="18" charset="0"/>
             </a:endParaRPr>
           </a:p>
         </p:txBody>
@@ -7989,7 +7702,7 @@
     </p:spTree>
     <p:extLst>
       <p:ext uri="{BB962C8B-B14F-4D97-AF65-F5344CB8AC3E}">
-        <p14:creationId xmlns:p14="http://schemas.microsoft.com/office/powerpoint/2010/main" val="3543810787"/>
+        <p14:creationId xmlns:p14="http://schemas.microsoft.com/office/powerpoint/2010/main" val="4124211303"/>
       </p:ext>
     </p:extLst>
   </p:cSld>
@@ -8062,7 +7775,7 @@
           <p:cNvPr id="3" name="Content Placeholder 2">
             <a:extLst>
               <a:ext uri="{FF2B5EF4-FFF2-40B4-BE49-F238E27FC236}">
-                <a16:creationId xmlns="" xmlns:a16="http://schemas.microsoft.com/office/drawing/2014/main" id="{5D4B6457-3E37-4879-A8CB-262CE10EA13A}"/>
+                <a16:creationId xmlns:a16="http://schemas.microsoft.com/office/drawing/2014/main" xmlns="" id="{5D4B6457-3E37-4879-A8CB-262CE10EA13A}"/>
               </a:ext>
             </a:extLst>
           </p:cNvPr>
@@ -8239,36 +7952,273 @@
       </p:grpSpPr>
       <p:sp>
         <p:nvSpPr>
-          <p:cNvPr id="2" name="Titel 1"/>
-          <p:cNvSpPr>
-            <a:spLocks noGrp="1"/>
-          </p:cNvSpPr>
-          <p:nvPr>
-            <p:ph type="ctrTitle"/>
+          <p:cNvPr id="2" name="Title 6">
+            <a:extLst>
+              <a:ext uri="{FF2B5EF4-FFF2-40B4-BE49-F238E27FC236}">
+                <a16:creationId xmlns:a16="http://schemas.microsoft.com/office/drawing/2014/main" xmlns="" id="{04F78A0C-BF40-4E0B-9FA4-AAAA57E3C4EF}"/>
+              </a:ext>
+            </a:extLst>
+          </p:cNvPr>
+          <p:cNvSpPr txBox="1">
+            <a:spLocks noGrp="1"/>
+          </p:cNvSpPr>
+          <p:nvPr>
+            <p:ph type="title"/>
           </p:nvPr>
         </p:nvSpPr>
         <p:spPr/>
         <p:txBody>
           <a:bodyPr>
-            <a:noAutofit/>
+            <a:normAutofit/>
           </a:bodyPr>
           <a:lstStyle/>
           <a:p>
-            <a:pPr algn="l"/>
-            <a:r>
-              <a:rPr lang="de-DE" sz="7000" dirty="0" smtClean="0">
-                <a:solidFill>
-                  <a:schemeClr val="bg1"/>
-                </a:solidFill>
-                <a:cs typeface="Times New Roman" panose="02020603050405020304" pitchFamily="18" charset="0"/>
-              </a:rPr>
-              <a:t>Julian</a:t>
-            </a:r>
-            <a:endParaRPr lang="de-DE" sz="7000" dirty="0">
+            <a:pPr lvl="0" algn="ctr"/>
+            <a:r>
+              <a:rPr lang="en-GB" sz="4500" dirty="0" smtClean="0"/>
+              <a:t>16,5%</a:t>
+            </a:r>
+            <a:endParaRPr lang="en-GB" sz="4500" dirty="0"/>
+          </a:p>
+        </p:txBody>
+      </p:sp>
+      <p:sp>
+        <p:nvSpPr>
+          <p:cNvPr id="3" name="Content Placeholder 7">
+            <a:extLst>
+              <a:ext uri="{FF2B5EF4-FFF2-40B4-BE49-F238E27FC236}">
+                <a16:creationId xmlns:a16="http://schemas.microsoft.com/office/drawing/2014/main" xmlns="" id="{3A52400E-A01D-4CCF-8280-EBE32B011F8E}"/>
+              </a:ext>
+            </a:extLst>
+          </p:cNvPr>
+          <p:cNvSpPr txBox="1">
+            <a:spLocks noGrp="1"/>
+          </p:cNvSpPr>
+          <p:nvPr>
+            <p:ph idx="1"/>
+          </p:nvPr>
+        </p:nvSpPr>
+        <p:spPr>
+          <a:xfrm>
+            <a:off x="3869268" y="174811"/>
+            <a:ext cx="7315200" cy="5984748"/>
+          </a:xfrm>
+        </p:spPr>
+        <p:txBody>
+          <a:bodyPr>
+            <a:normAutofit fontScale="92500" lnSpcReduction="10000"/>
+          </a:bodyPr>
+          <a:lstStyle/>
+          <a:p>
+            <a:pPr marL="0" lvl="0" indent="0">
+              <a:lnSpc>
+                <a:spcPct val="200000"/>
+              </a:lnSpc>
+              <a:buNone/>
+            </a:pPr>
+            <a:r>
+              <a:rPr lang="de-DE" sz="2800" dirty="0">
+                <a:solidFill>
+                  <a:schemeClr val="tx1"/>
+                </a:solidFill>
+              </a:rPr>
+              <a:t>Selbsteinschätzung:</a:t>
+            </a:r>
+          </a:p>
+          <a:p>
+            <a:pPr lvl="0"/>
+            <a:r>
+              <a:rPr lang="de-DE" dirty="0" smtClean="0">
+                <a:solidFill>
+                  <a:schemeClr val="tx1"/>
+                </a:solidFill>
+              </a:rPr>
+              <a:t>Recherche über die Filter der Datenvorverarbeitung</a:t>
+            </a:r>
+            <a:endParaRPr lang="de-DE" dirty="0">
               <a:solidFill>
-                <a:schemeClr val="bg1"/>
+                <a:schemeClr val="tx1"/>
               </a:solidFill>
-              <a:cs typeface="Times New Roman" panose="02020603050405020304" pitchFamily="18" charset="0"/>
+            </a:endParaRPr>
+          </a:p>
+          <a:p>
+            <a:pPr lvl="0"/>
+            <a:r>
+              <a:rPr lang="de-DE" dirty="0" smtClean="0">
+                <a:solidFill>
+                  <a:schemeClr val="tx1"/>
+                </a:solidFill>
+              </a:rPr>
+              <a:t>Implementierung der Filter</a:t>
+            </a:r>
+          </a:p>
+          <a:p>
+            <a:pPr lvl="0"/>
+            <a:r>
+              <a:rPr lang="de-DE" dirty="0" smtClean="0">
+                <a:solidFill>
+                  <a:schemeClr val="tx1"/>
+                </a:solidFill>
+              </a:rPr>
+              <a:t>Erstellen einer Dokumentation für die Skripte</a:t>
+            </a:r>
+            <a:endParaRPr lang="de-DE" dirty="0">
+              <a:solidFill>
+                <a:schemeClr val="tx1"/>
+              </a:solidFill>
+            </a:endParaRPr>
+          </a:p>
+          <a:p>
+            <a:pPr lvl="0"/>
+            <a:r>
+              <a:rPr lang="de-DE" dirty="0" smtClean="0">
+                <a:solidFill>
+                  <a:schemeClr val="tx1"/>
+                </a:solidFill>
+              </a:rPr>
+              <a:t>Verteilung der Personen bei der Automatisierung der Simulation</a:t>
+            </a:r>
+            <a:endParaRPr lang="de-DE" dirty="0">
+              <a:solidFill>
+                <a:schemeClr val="tx1"/>
+              </a:solidFill>
+            </a:endParaRPr>
+          </a:p>
+          <a:p>
+            <a:pPr lvl="0"/>
+            <a:r>
+              <a:rPr lang="de-DE" dirty="0" smtClean="0">
+                <a:solidFill>
+                  <a:schemeClr val="tx1"/>
+                </a:solidFill>
+              </a:rPr>
+              <a:t>Testen der Software</a:t>
+            </a:r>
+            <a:endParaRPr lang="de-DE" dirty="0">
+              <a:solidFill>
+                <a:schemeClr val="tx1"/>
+              </a:solidFill>
+            </a:endParaRPr>
+          </a:p>
+          <a:p>
+            <a:pPr lvl="0"/>
+            <a:r>
+              <a:rPr lang="de-DE" dirty="0" smtClean="0">
+                <a:solidFill>
+                  <a:schemeClr val="tx1"/>
+                </a:solidFill>
+              </a:rPr>
+              <a:t>Datengenerierung und Datenbeauftragte</a:t>
+            </a:r>
+          </a:p>
+          <a:p>
+            <a:pPr lvl="0"/>
+            <a:r>
+              <a:rPr lang="de-DE" dirty="0" smtClean="0">
+                <a:solidFill>
+                  <a:schemeClr val="tx1"/>
+                </a:solidFill>
+              </a:rPr>
+              <a:t>Erstellen eines Technischen Berichts</a:t>
+            </a:r>
+          </a:p>
+          <a:p>
+            <a:pPr lvl="0"/>
+            <a:r>
+              <a:rPr lang="de-DE" dirty="0" smtClean="0">
+                <a:solidFill>
+                  <a:schemeClr val="tx1"/>
+                </a:solidFill>
+              </a:rPr>
+              <a:t>Aufbereitung der Daten nach Vorgaben des Fraunhofer Instituts</a:t>
+            </a:r>
+            <a:endParaRPr lang="de-DE" dirty="0" smtClean="0">
+              <a:solidFill>
+                <a:srgbClr val="FF0000"/>
+              </a:solidFill>
+            </a:endParaRPr>
+          </a:p>
+          <a:p>
+            <a:pPr lvl="0"/>
+            <a:r>
+              <a:rPr lang="de-DE" b="1" dirty="0" smtClean="0">
+                <a:solidFill>
+                  <a:schemeClr val="tx1"/>
+                </a:solidFill>
+              </a:rPr>
+              <a:t>Modellieren realistischer, variantenreicher Szenarien </a:t>
+            </a:r>
+          </a:p>
+          <a:p>
+            <a:pPr lvl="0"/>
+            <a:r>
+              <a:rPr lang="de-DE" dirty="0" smtClean="0">
+                <a:solidFill>
+                  <a:schemeClr val="tx1"/>
+                </a:solidFill>
+              </a:rPr>
+              <a:t>Simulieren realistischer, variantenreicher Szenarien</a:t>
+            </a:r>
+          </a:p>
+          <a:p>
+            <a:pPr lvl="0"/>
+            <a:r>
+              <a:rPr lang="de-DE" dirty="0" smtClean="0">
+                <a:solidFill>
+                  <a:schemeClr val="tx1"/>
+                </a:solidFill>
+              </a:rPr>
+              <a:t>Aktualisieren des Trello Projektes/</a:t>
+            </a:r>
+            <a:r>
+              <a:rPr lang="de-DE" dirty="0" err="1" smtClean="0">
+                <a:solidFill>
+                  <a:schemeClr val="tx1"/>
+                </a:solidFill>
+              </a:rPr>
+              <a:t>Repos</a:t>
+            </a:r>
+            <a:r>
+              <a:rPr lang="de-DE" dirty="0" smtClean="0">
+                <a:solidFill>
+                  <a:schemeClr val="tx1"/>
+                </a:solidFill>
+              </a:rPr>
+              <a:t>/Organisation der Treffen</a:t>
+            </a:r>
+          </a:p>
+          <a:p>
+            <a:pPr lvl="0"/>
+            <a:r>
+              <a:rPr lang="de-DE" dirty="0" smtClean="0">
+                <a:solidFill>
+                  <a:schemeClr val="tx1"/>
+                </a:solidFill>
+              </a:rPr>
+              <a:t>Erstellung einer Demo</a:t>
+            </a:r>
+          </a:p>
+          <a:p>
+            <a:r>
+              <a:rPr lang="de-DE" dirty="0" err="1" smtClean="0">
+                <a:solidFill>
+                  <a:schemeClr val="tx1"/>
+                </a:solidFill>
+              </a:rPr>
+              <a:t>Scrum</a:t>
+            </a:r>
+            <a:r>
+              <a:rPr lang="de-DE" dirty="0" smtClean="0">
+                <a:solidFill>
+                  <a:schemeClr val="tx1"/>
+                </a:solidFill>
+              </a:rPr>
+              <a:t> Master</a:t>
+            </a:r>
+            <a:endParaRPr lang="de-DE" dirty="0">
+              <a:solidFill>
+                <a:schemeClr val="tx1"/>
+              </a:solidFill>
             </a:endParaRPr>
           </a:p>
         </p:txBody>
@@ -8276,7 +8226,7 @@
     </p:spTree>
     <p:extLst>
       <p:ext uri="{BB962C8B-B14F-4D97-AF65-F5344CB8AC3E}">
-        <p14:creationId xmlns:p14="http://schemas.microsoft.com/office/powerpoint/2010/main" val="178513979"/>
+        <p14:creationId xmlns:p14="http://schemas.microsoft.com/office/powerpoint/2010/main" val="3543810787"/>
       </p:ext>
     </p:extLst>
   </p:cSld>
@@ -8315,147 +8265,44 @@
       </p:grpSpPr>
       <p:sp>
         <p:nvSpPr>
-          <p:cNvPr id="2" name="Title 6">
-            <a:extLst>
-              <a:ext uri="{FF2B5EF4-FFF2-40B4-BE49-F238E27FC236}">
-                <a16:creationId xmlns:a16="http://schemas.microsoft.com/office/drawing/2014/main" xmlns="" id="{04F78A0C-BF40-4E0B-9FA4-AAAA57E3C4EF}"/>
-              </a:ext>
-            </a:extLst>
-          </p:cNvPr>
-          <p:cNvSpPr txBox="1">
-            <a:spLocks noGrp="1"/>
-          </p:cNvSpPr>
-          <p:nvPr>
-            <p:ph type="title"/>
+          <p:cNvPr id="2" name="Titel 1"/>
+          <p:cNvSpPr>
+            <a:spLocks noGrp="1"/>
+          </p:cNvSpPr>
+          <p:nvPr>
+            <p:ph type="ctrTitle"/>
           </p:nvPr>
         </p:nvSpPr>
         <p:spPr/>
         <p:txBody>
           <a:bodyPr>
-            <a:normAutofit/>
+            <a:noAutofit/>
           </a:bodyPr>
           <a:lstStyle/>
           <a:p>
-            <a:pPr lvl="0" algn="ctr"/>
-            <a:r>
-              <a:rPr lang="en-GB" sz="2800" dirty="0"/>
-              <a:t>Filter</a:t>
-            </a:r>
-          </a:p>
-        </p:txBody>
-      </p:sp>
-      <p:sp>
-        <p:nvSpPr>
-          <p:cNvPr id="3" name="Content Placeholder 7">
-            <a:extLst>
-              <a:ext uri="{FF2B5EF4-FFF2-40B4-BE49-F238E27FC236}">
-                <a16:creationId xmlns:a16="http://schemas.microsoft.com/office/drawing/2014/main" xmlns="" id="{3A52400E-A01D-4CCF-8280-EBE32B011F8E}"/>
-              </a:ext>
-            </a:extLst>
-          </p:cNvPr>
-          <p:cNvSpPr txBox="1">
-            <a:spLocks noGrp="1"/>
-          </p:cNvSpPr>
-          <p:nvPr>
-            <p:ph idx="1"/>
-          </p:nvPr>
-        </p:nvSpPr>
-        <p:spPr>
-          <a:xfrm>
-            <a:off x="3869268" y="174811"/>
-            <a:ext cx="7315200" cy="5984748"/>
-          </a:xfrm>
-        </p:spPr>
-        <p:txBody>
-          <a:bodyPr>
-            <a:normAutofit/>
-          </a:bodyPr>
-          <a:lstStyle/>
-          <a:p>
-            <a:pPr marL="0" lvl="0" indent="0">
-              <a:lnSpc>
-                <a:spcPct val="200000"/>
-              </a:lnSpc>
-              <a:buNone/>
-            </a:pPr>
-            <a:r>
-              <a:rPr lang="de-DE" sz="2800" dirty="0">
-                <a:solidFill>
-                  <a:schemeClr val="tx1"/>
-                </a:solidFill>
-              </a:rPr>
-              <a:t>Problem:</a:t>
-            </a:r>
-          </a:p>
-          <a:p>
-            <a:pPr lvl="0"/>
-            <a:r>
-              <a:rPr lang="de-DE" dirty="0">
-                <a:solidFill>
-                  <a:schemeClr val="tx1"/>
-                </a:solidFill>
-              </a:rPr>
-              <a:t>Dichtedaten sind relativ verschwommen</a:t>
-            </a:r>
-          </a:p>
-          <a:p>
-            <a:pPr lvl="0"/>
-            <a:r>
-              <a:rPr lang="de-DE" dirty="0">
-                <a:solidFill>
-                  <a:schemeClr val="tx1"/>
-                </a:solidFill>
-              </a:rPr>
-              <a:t>Lerneffekt kann durch größere Klarheit verbessert werden</a:t>
-            </a:r>
-          </a:p>
-          <a:p>
-            <a:pPr marL="0" lvl="0" indent="0">
-              <a:buNone/>
-            </a:pPr>
-            <a:r>
-              <a:rPr lang="de-DE" dirty="0">
-                <a:solidFill>
-                  <a:schemeClr val="tx1"/>
-                </a:solidFill>
-              </a:rPr>
-              <a:t>Lösung:</a:t>
-            </a:r>
-          </a:p>
-          <a:p>
-            <a:pPr lvl="0">
-              <a:buFont typeface="Arial" panose="020B0604020202020204" pitchFamily="34" charset="0"/>
-              <a:buChar char="•"/>
-            </a:pPr>
-            <a:r>
-              <a:rPr lang="de-DE" dirty="0">
-                <a:solidFill>
-                  <a:schemeClr val="tx1"/>
-                </a:solidFill>
-              </a:rPr>
-              <a:t>Dichtedaten durch Filter vorverarbeiten</a:t>
-            </a:r>
-          </a:p>
-          <a:p>
-            <a:pPr lvl="0">
-              <a:buFont typeface="Arial" panose="020B0604020202020204" pitchFamily="34" charset="0"/>
-              <a:buChar char="•"/>
-            </a:pPr>
-            <a:r>
-              <a:rPr lang="de-DE" dirty="0">
-                <a:solidFill>
-                  <a:schemeClr val="tx1"/>
-                </a:solidFill>
-              </a:rPr>
-              <a:t>Dadurch aussagekräftigere Daten erzeugen</a:t>
-            </a:r>
+            <a:pPr algn="l"/>
+            <a:r>
+              <a:rPr lang="de-DE" sz="7000" dirty="0" smtClean="0">
+                <a:solidFill>
+                  <a:schemeClr val="bg1"/>
+                </a:solidFill>
+                <a:cs typeface="Times New Roman" panose="02020603050405020304" pitchFamily="18" charset="0"/>
+              </a:rPr>
+              <a:t>Julian</a:t>
+            </a:r>
+            <a:endParaRPr lang="de-DE" sz="7000" dirty="0">
+              <a:solidFill>
+                <a:schemeClr val="bg1"/>
+              </a:solidFill>
+              <a:cs typeface="Times New Roman" panose="02020603050405020304" pitchFamily="18" charset="0"/>
+            </a:endParaRPr>
           </a:p>
         </p:txBody>
       </p:sp>
     </p:spTree>
     <p:extLst>
       <p:ext uri="{BB962C8B-B14F-4D97-AF65-F5344CB8AC3E}">
-        <p14:creationId xmlns:p14="http://schemas.microsoft.com/office/powerpoint/2010/main" val="4062703688"/>
+        <p14:creationId xmlns:p14="http://schemas.microsoft.com/office/powerpoint/2010/main" val="178513979"/>
       </p:ext>
     </p:extLst>
   </p:cSld>
@@ -8465,6 +8312,13 @@
   <p:transition spd="slow">
     <p:push dir="u"/>
   </p:transition>
+  <p:timing>
+    <p:tnLst>
+      <p:par>
+        <p:cTn id="1" dur="indefinite" restart="never" nodeType="tmRoot"/>
+      </p:par>
+    </p:tnLst>
+  </p:timing>
 </p:sld>
 </file>
 
@@ -8490,7 +8344,7 @@
           <p:cNvPr id="2" name="Title 6">
             <a:extLst>
               <a:ext uri="{FF2B5EF4-FFF2-40B4-BE49-F238E27FC236}">
-                <a16:creationId xmlns:a16="http://schemas.microsoft.com/office/drawing/2014/main" xmlns="" id="{04F78A0C-BF40-4E0B-9FA4-AAAA57E3C4EF}"/>
+                <a16:creationId xmlns="" xmlns:a16="http://schemas.microsoft.com/office/drawing/2014/main" id="{04F78A0C-BF40-4E0B-9FA4-AAAA57E3C4EF}"/>
               </a:ext>
             </a:extLst>
           </p:cNvPr>
@@ -8521,7 +8375,7 @@
           <p:cNvPr id="3" name="Content Placeholder 7">
             <a:extLst>
               <a:ext uri="{FF2B5EF4-FFF2-40B4-BE49-F238E27FC236}">
-                <a16:creationId xmlns:a16="http://schemas.microsoft.com/office/drawing/2014/main" xmlns="" id="{3A52400E-A01D-4CCF-8280-EBE32B011F8E}"/>
+                <a16:creationId xmlns="" xmlns:a16="http://schemas.microsoft.com/office/drawing/2014/main" id="{3A52400E-A01D-4CCF-8280-EBE32B011F8E}"/>
               </a:ext>
             </a:extLst>
           </p:cNvPr>
@@ -8556,7 +8410,7 @@
                   <a:schemeClr val="tx1"/>
                 </a:solidFill>
               </a:rPr>
-              <a:t>Recherche:</a:t>
+              <a:t>Problem:</a:t>
             </a:r>
           </a:p>
           <a:p>
@@ -8567,7 +8421,7 @@
                   <a:schemeClr val="tx1"/>
                 </a:solidFill>
               </a:rPr>
-              <a:t>Hauptaufgaben der Bildvorverarbeitung sind Kontrastverbesserung und Rauschminderung.</a:t>
+              <a:t>Dichtedaten sind relativ verschwommen</a:t>
             </a:r>
           </a:p>
           <a:p>
@@ -8578,94 +8432,48 @@
                   <a:schemeClr val="tx1"/>
                 </a:solidFill>
               </a:rPr>
-              <a:t>Kanten werden sichtbarer</a:t>
-            </a:r>
-          </a:p>
-          <a:p>
-            <a:pPr lvl="0"/>
+              <a:t>Lerneffekt kann durch größere Klarheit verbessert werden</a:t>
+            </a:r>
+          </a:p>
+          <a:p>
+            <a:pPr marL="0" lvl="0" indent="0">
+              <a:buNone/>
+            </a:pPr>
             <a:r>
               <a:rPr lang="de-DE" dirty="0">
                 <a:solidFill>
                   <a:schemeClr val="tx1"/>
                 </a:solidFill>
               </a:rPr>
-              <a:t>Objekte (in diesem Fall Dichtewolken) eindeutiger zu erkennen</a:t>
-            </a:r>
-          </a:p>
-          <a:p>
-            <a:pPr lvl="0"/>
+              <a:t>Lösung:</a:t>
+            </a:r>
+          </a:p>
+          <a:p>
+            <a:pPr lvl="0">
+              <a:buFont typeface="Arial" panose="020B0604020202020204" pitchFamily="34" charset="0"/>
+              <a:buChar char="•"/>
+            </a:pPr>
             <a:r>
               <a:rPr lang="de-DE" dirty="0">
                 <a:solidFill>
                   <a:schemeClr val="tx1"/>
                 </a:solidFill>
               </a:rPr>
-              <a:t>3 Kategorien: </a:t>
-            </a:r>
-          </a:p>
-          <a:p>
-            <a:pPr lvl="1"/>
+              <a:t>Dichtedaten durch Filter vorverarbeiten</a:t>
+            </a:r>
+          </a:p>
+          <a:p>
+            <a:pPr lvl="0">
+              <a:buFont typeface="Arial" panose="020B0604020202020204" pitchFamily="34" charset="0"/>
+              <a:buChar char="•"/>
+            </a:pPr>
             <a:r>
               <a:rPr lang="de-DE" dirty="0">
                 <a:solidFill>
                   <a:schemeClr val="tx1"/>
                 </a:solidFill>
               </a:rPr>
-              <a:t>Bildpunktoperationen (Modifikation einzelner Pixel.                  Beispiel: </a:t>
-            </a:r>
-            <a:r>
-              <a:rPr lang="de-DE" dirty="0" err="1">
-                <a:solidFill>
-                  <a:schemeClr val="tx1"/>
-                </a:solidFill>
-              </a:rPr>
-              <a:t>Thresholding</a:t>
-            </a:r>
-            <a:r>
-              <a:rPr lang="de-DE" dirty="0">
-                <a:solidFill>
-                  <a:schemeClr val="tx1"/>
-                </a:solidFill>
-              </a:rPr>
-              <a:t>/</a:t>
-            </a:r>
-            <a:r>
-              <a:rPr lang="de-DE" dirty="0" err="1">
-                <a:solidFill>
-                  <a:schemeClr val="tx1"/>
-                </a:solidFill>
-              </a:rPr>
-              <a:t>Binarisierung</a:t>
-            </a:r>
-            <a:r>
-              <a:rPr lang="de-DE" dirty="0">
-                <a:solidFill>
-                  <a:schemeClr val="tx1"/>
-                </a:solidFill>
-              </a:rPr>
-              <a:t>)</a:t>
-            </a:r>
-          </a:p>
-          <a:p>
-            <a:pPr lvl="1"/>
-            <a:r>
-              <a:rPr lang="de-DE" dirty="0">
-                <a:solidFill>
-                  <a:schemeClr val="tx1"/>
-                </a:solidFill>
-              </a:rPr>
-              <a:t>Lokale Operationen (Modifikation von Pixel in Abhängigkeit von Umgebung. Beispiel: Median, Faltung)</a:t>
-            </a:r>
-          </a:p>
-          <a:p>
-            <a:pPr lvl="1"/>
-            <a:r>
-              <a:rPr lang="de-DE" dirty="0">
-                <a:solidFill>
-                  <a:schemeClr val="tx1"/>
-                </a:solidFill>
-              </a:rPr>
-              <a:t>Globale Operationen(Verändert einzelne Pixel in Abhängigkeit vom gesamten Bild. Beispiel: Tiefpass/Hochpass, Grauwert)</a:t>
+              <a:t>Dadurch aussagekräftigere Daten erzeugen</a:t>
             </a:r>
           </a:p>
         </p:txBody>
@@ -8673,7 +8481,7 @@
     </p:spTree>
     <p:extLst>
       <p:ext uri="{BB962C8B-B14F-4D97-AF65-F5344CB8AC3E}">
-        <p14:creationId xmlns:p14="http://schemas.microsoft.com/office/powerpoint/2010/main" val="2171913118"/>
+        <p14:creationId xmlns:p14="http://schemas.microsoft.com/office/powerpoint/2010/main" val="4062703688"/>
       </p:ext>
     </p:extLst>
   </p:cSld>
@@ -8708,7 +8516,7 @@
           <p:cNvPr id="2" name="Title 6">
             <a:extLst>
               <a:ext uri="{FF2B5EF4-FFF2-40B4-BE49-F238E27FC236}">
-                <a16:creationId xmlns:a16="http://schemas.microsoft.com/office/drawing/2014/main" xmlns="" id="{04F78A0C-BF40-4E0B-9FA4-AAAA57E3C4EF}"/>
+                <a16:creationId xmlns="" xmlns:a16="http://schemas.microsoft.com/office/drawing/2014/main" id="{04F78A0C-BF40-4E0B-9FA4-AAAA57E3C4EF}"/>
               </a:ext>
             </a:extLst>
           </p:cNvPr>
@@ -8739,7 +8547,225 @@
           <p:cNvPr id="3" name="Content Placeholder 7">
             <a:extLst>
               <a:ext uri="{FF2B5EF4-FFF2-40B4-BE49-F238E27FC236}">
-                <a16:creationId xmlns:a16="http://schemas.microsoft.com/office/drawing/2014/main" xmlns="" id="{3A52400E-A01D-4CCF-8280-EBE32B011F8E}"/>
+                <a16:creationId xmlns="" xmlns:a16="http://schemas.microsoft.com/office/drawing/2014/main" id="{3A52400E-A01D-4CCF-8280-EBE32B011F8E}"/>
+              </a:ext>
+            </a:extLst>
+          </p:cNvPr>
+          <p:cNvSpPr txBox="1">
+            <a:spLocks noGrp="1"/>
+          </p:cNvSpPr>
+          <p:nvPr>
+            <p:ph idx="1"/>
+          </p:nvPr>
+        </p:nvSpPr>
+        <p:spPr>
+          <a:xfrm>
+            <a:off x="3869268" y="174811"/>
+            <a:ext cx="7315200" cy="5984748"/>
+          </a:xfrm>
+        </p:spPr>
+        <p:txBody>
+          <a:bodyPr>
+            <a:normAutofit/>
+          </a:bodyPr>
+          <a:lstStyle/>
+          <a:p>
+            <a:pPr marL="0" lvl="0" indent="0">
+              <a:lnSpc>
+                <a:spcPct val="200000"/>
+              </a:lnSpc>
+              <a:buNone/>
+            </a:pPr>
+            <a:r>
+              <a:rPr lang="de-DE" sz="2800" dirty="0">
+                <a:solidFill>
+                  <a:schemeClr val="tx1"/>
+                </a:solidFill>
+              </a:rPr>
+              <a:t>Recherche:</a:t>
+            </a:r>
+          </a:p>
+          <a:p>
+            <a:pPr lvl="0"/>
+            <a:r>
+              <a:rPr lang="de-DE" dirty="0">
+                <a:solidFill>
+                  <a:schemeClr val="tx1"/>
+                </a:solidFill>
+              </a:rPr>
+              <a:t>Hauptaufgaben der Bildvorverarbeitung sind Kontrastverbesserung und Rauschminderung.</a:t>
+            </a:r>
+          </a:p>
+          <a:p>
+            <a:pPr lvl="0"/>
+            <a:r>
+              <a:rPr lang="de-DE" dirty="0">
+                <a:solidFill>
+                  <a:schemeClr val="tx1"/>
+                </a:solidFill>
+              </a:rPr>
+              <a:t>Kanten werden sichtbarer</a:t>
+            </a:r>
+          </a:p>
+          <a:p>
+            <a:pPr lvl="0"/>
+            <a:r>
+              <a:rPr lang="de-DE" dirty="0">
+                <a:solidFill>
+                  <a:schemeClr val="tx1"/>
+                </a:solidFill>
+              </a:rPr>
+              <a:t>Objekte (in diesem Fall Dichtewolken) eindeutiger zu erkennen</a:t>
+            </a:r>
+          </a:p>
+          <a:p>
+            <a:pPr lvl="0"/>
+            <a:r>
+              <a:rPr lang="de-DE" dirty="0">
+                <a:solidFill>
+                  <a:schemeClr val="tx1"/>
+                </a:solidFill>
+              </a:rPr>
+              <a:t>3 Kategorien: </a:t>
+            </a:r>
+          </a:p>
+          <a:p>
+            <a:pPr lvl="1"/>
+            <a:r>
+              <a:rPr lang="de-DE" dirty="0">
+                <a:solidFill>
+                  <a:schemeClr val="tx1"/>
+                </a:solidFill>
+              </a:rPr>
+              <a:t>Bildpunktoperationen (Modifikation einzelner Pixel.                  Beispiel: </a:t>
+            </a:r>
+            <a:r>
+              <a:rPr lang="de-DE" dirty="0" err="1">
+                <a:solidFill>
+                  <a:schemeClr val="tx1"/>
+                </a:solidFill>
+              </a:rPr>
+              <a:t>Thresholding</a:t>
+            </a:r>
+            <a:r>
+              <a:rPr lang="de-DE" dirty="0">
+                <a:solidFill>
+                  <a:schemeClr val="tx1"/>
+                </a:solidFill>
+              </a:rPr>
+              <a:t>/</a:t>
+            </a:r>
+            <a:r>
+              <a:rPr lang="de-DE" dirty="0" err="1">
+                <a:solidFill>
+                  <a:schemeClr val="tx1"/>
+                </a:solidFill>
+              </a:rPr>
+              <a:t>Binarisierung</a:t>
+            </a:r>
+            <a:r>
+              <a:rPr lang="de-DE" dirty="0">
+                <a:solidFill>
+                  <a:schemeClr val="tx1"/>
+                </a:solidFill>
+              </a:rPr>
+              <a:t>)</a:t>
+            </a:r>
+          </a:p>
+          <a:p>
+            <a:pPr lvl="1"/>
+            <a:r>
+              <a:rPr lang="de-DE" dirty="0">
+                <a:solidFill>
+                  <a:schemeClr val="tx1"/>
+                </a:solidFill>
+              </a:rPr>
+              <a:t>Lokale Operationen (Modifikation von Pixel in Abhängigkeit von Umgebung. Beispiel: Median, Faltung)</a:t>
+            </a:r>
+          </a:p>
+          <a:p>
+            <a:pPr lvl="1"/>
+            <a:r>
+              <a:rPr lang="de-DE" dirty="0">
+                <a:solidFill>
+                  <a:schemeClr val="tx1"/>
+                </a:solidFill>
+              </a:rPr>
+              <a:t>Globale Operationen(Verändert einzelne Pixel in Abhängigkeit vom gesamten Bild. Beispiel: Tiefpass/Hochpass, Grauwert)</a:t>
+            </a:r>
+          </a:p>
+        </p:txBody>
+      </p:sp>
+    </p:spTree>
+    <p:extLst>
+      <p:ext uri="{BB962C8B-B14F-4D97-AF65-F5344CB8AC3E}">
+        <p14:creationId xmlns:p14="http://schemas.microsoft.com/office/powerpoint/2010/main" val="2171913118"/>
+      </p:ext>
+    </p:extLst>
+  </p:cSld>
+  <p:clrMapOvr>
+    <a:masterClrMapping/>
+  </p:clrMapOvr>
+  <p:transition spd="slow">
+    <p:push dir="u"/>
+  </p:transition>
+</p:sld>
+</file>
+
+<file path=ppt/slides/slide24.xml><?xml version="1.0" encoding="utf-8"?>
+<p:sld xmlns:a="http://schemas.openxmlformats.org/drawingml/2006/main" xmlns:r="http://schemas.openxmlformats.org/officeDocument/2006/relationships" xmlns:p="http://schemas.openxmlformats.org/presentationml/2006/main">
+  <p:cSld>
+    <p:spTree>
+      <p:nvGrpSpPr>
+        <p:cNvPr id="1" name=""/>
+        <p:cNvGrpSpPr/>
+        <p:nvPr/>
+      </p:nvGrpSpPr>
+      <p:grpSpPr>
+        <a:xfrm>
+          <a:off x="0" y="0"/>
+          <a:ext cx="0" cy="0"/>
+          <a:chOff x="0" y="0"/>
+          <a:chExt cx="0" cy="0"/>
+        </a:xfrm>
+      </p:grpSpPr>
+      <p:sp>
+        <p:nvSpPr>
+          <p:cNvPr id="2" name="Title 6">
+            <a:extLst>
+              <a:ext uri="{FF2B5EF4-FFF2-40B4-BE49-F238E27FC236}">
+                <a16:creationId xmlns="" xmlns:a16="http://schemas.microsoft.com/office/drawing/2014/main" id="{04F78A0C-BF40-4E0B-9FA4-AAAA57E3C4EF}"/>
+              </a:ext>
+            </a:extLst>
+          </p:cNvPr>
+          <p:cNvSpPr txBox="1">
+            <a:spLocks noGrp="1"/>
+          </p:cNvSpPr>
+          <p:nvPr>
+            <p:ph type="title"/>
+          </p:nvPr>
+        </p:nvSpPr>
+        <p:spPr/>
+        <p:txBody>
+          <a:bodyPr>
+            <a:normAutofit/>
+          </a:bodyPr>
+          <a:lstStyle/>
+          <a:p>
+            <a:pPr lvl="0" algn="ctr"/>
+            <a:r>
+              <a:rPr lang="en-GB" sz="2800" dirty="0"/>
+              <a:t>Filter</a:t>
+            </a:r>
+          </a:p>
+        </p:txBody>
+      </p:sp>
+      <p:sp>
+        <p:nvSpPr>
+          <p:cNvPr id="3" name="Content Placeholder 7">
+            <a:extLst>
+              <a:ext uri="{FF2B5EF4-FFF2-40B4-BE49-F238E27FC236}">
+                <a16:creationId xmlns="" xmlns:a16="http://schemas.microsoft.com/office/drawing/2014/main" id="{3A52400E-A01D-4CCF-8280-EBE32B011F8E}"/>
               </a:ext>
             </a:extLst>
           </p:cNvPr>
@@ -8822,7 +8848,7 @@
           <p:cNvPr id="5" name="Grafik 4">
             <a:extLst>
               <a:ext uri="{FF2B5EF4-FFF2-40B4-BE49-F238E27FC236}">
-                <a16:creationId xmlns:a16="http://schemas.microsoft.com/office/drawing/2014/main" xmlns="" id="{9158E394-B9D0-40D3-90A3-6028CB8BF521}"/>
+                <a16:creationId xmlns="" xmlns:a16="http://schemas.microsoft.com/office/drawing/2014/main" id="{9158E394-B9D0-40D3-90A3-6028CB8BF521}"/>
               </a:ext>
             </a:extLst>
           </p:cNvPr>
@@ -8858,7 +8884,7 @@
           <p:cNvPr id="7" name="Grafik 6">
             <a:extLst>
               <a:ext uri="{FF2B5EF4-FFF2-40B4-BE49-F238E27FC236}">
-                <a16:creationId xmlns:a16="http://schemas.microsoft.com/office/drawing/2014/main" xmlns="" id="{5D1DE3F1-CEC4-4687-BE54-024A26A8D359}"/>
+                <a16:creationId xmlns="" xmlns:a16="http://schemas.microsoft.com/office/drawing/2014/main" id="{5D1DE3F1-CEC4-4687-BE54-024A26A8D359}"/>
               </a:ext>
             </a:extLst>
           </p:cNvPr>
@@ -8894,7 +8920,7 @@
           <p:cNvPr id="8" name="Content Placeholder 7">
             <a:extLst>
               <a:ext uri="{FF2B5EF4-FFF2-40B4-BE49-F238E27FC236}">
-                <a16:creationId xmlns:a16="http://schemas.microsoft.com/office/drawing/2014/main" xmlns="" id="{019B7248-98CF-483C-81B4-A21AC792B591}"/>
+                <a16:creationId xmlns="" xmlns:a16="http://schemas.microsoft.com/office/drawing/2014/main" id="{019B7248-98CF-483C-81B4-A21AC792B591}"/>
               </a:ext>
             </a:extLst>
           </p:cNvPr>
@@ -9195,319 +9221,6 @@
 </p:sld>
 </file>
 
-<file path=ppt/slides/slide24.xml><?xml version="1.0" encoding="utf-8"?>
-<p:sld xmlns:a="http://schemas.openxmlformats.org/drawingml/2006/main" xmlns:r="http://schemas.openxmlformats.org/officeDocument/2006/relationships" xmlns:p="http://schemas.openxmlformats.org/presentationml/2006/main">
-  <p:cSld>
-    <p:spTree>
-      <p:nvGrpSpPr>
-        <p:cNvPr id="1" name=""/>
-        <p:cNvGrpSpPr/>
-        <p:nvPr/>
-      </p:nvGrpSpPr>
-      <p:grpSpPr>
-        <a:xfrm>
-          <a:off x="0" y="0"/>
-          <a:ext cx="0" cy="0"/>
-          <a:chOff x="0" y="0"/>
-          <a:chExt cx="0" cy="0"/>
-        </a:xfrm>
-      </p:grpSpPr>
-      <p:sp>
-        <p:nvSpPr>
-          <p:cNvPr id="2" name="Title 6">
-            <a:extLst>
-              <a:ext uri="{FF2B5EF4-FFF2-40B4-BE49-F238E27FC236}">
-                <a16:creationId xmlns="" xmlns:a16="http://schemas.microsoft.com/office/drawing/2014/main" id="{04F78A0C-BF40-4E0B-9FA4-AAAA57E3C4EF}"/>
-              </a:ext>
-            </a:extLst>
-          </p:cNvPr>
-          <p:cNvSpPr txBox="1">
-            <a:spLocks noGrp="1"/>
-          </p:cNvSpPr>
-          <p:nvPr>
-            <p:ph type="title"/>
-          </p:nvPr>
-        </p:nvSpPr>
-        <p:spPr/>
-        <p:txBody>
-          <a:bodyPr>
-            <a:normAutofit/>
-          </a:bodyPr>
-          <a:lstStyle/>
-          <a:p>
-            <a:pPr lvl="0" algn="ctr"/>
-            <a:r>
-              <a:rPr lang="en-GB" sz="4500" dirty="0" smtClean="0"/>
-              <a:t>16,5%</a:t>
-            </a:r>
-            <a:endParaRPr lang="en-GB" sz="4500" dirty="0"/>
-          </a:p>
-        </p:txBody>
-      </p:sp>
-      <p:sp>
-        <p:nvSpPr>
-          <p:cNvPr id="3" name="Content Placeholder 7">
-            <a:extLst>
-              <a:ext uri="{FF2B5EF4-FFF2-40B4-BE49-F238E27FC236}">
-                <a16:creationId xmlns="" xmlns:a16="http://schemas.microsoft.com/office/drawing/2014/main" id="{3A52400E-A01D-4CCF-8280-EBE32B011F8E}"/>
-              </a:ext>
-            </a:extLst>
-          </p:cNvPr>
-          <p:cNvSpPr txBox="1">
-            <a:spLocks noGrp="1"/>
-          </p:cNvSpPr>
-          <p:nvPr>
-            <p:ph idx="1"/>
-          </p:nvPr>
-        </p:nvSpPr>
-        <p:spPr>
-          <a:xfrm>
-            <a:off x="3869268" y="174811"/>
-            <a:ext cx="7315200" cy="5984748"/>
-          </a:xfrm>
-        </p:spPr>
-        <p:txBody>
-          <a:bodyPr>
-            <a:normAutofit fontScale="92500" lnSpcReduction="10000"/>
-          </a:bodyPr>
-          <a:lstStyle/>
-          <a:p>
-            <a:pPr marL="0" lvl="0" indent="0">
-              <a:lnSpc>
-                <a:spcPct val="200000"/>
-              </a:lnSpc>
-              <a:buNone/>
-            </a:pPr>
-            <a:r>
-              <a:rPr lang="de-DE" sz="2800" dirty="0">
-                <a:solidFill>
-                  <a:schemeClr val="tx1"/>
-                </a:solidFill>
-              </a:rPr>
-              <a:t>Selbsteinschätzung:</a:t>
-            </a:r>
-          </a:p>
-          <a:p>
-            <a:pPr lvl="0"/>
-            <a:r>
-              <a:rPr lang="de-DE" dirty="0" smtClean="0">
-                <a:solidFill>
-                  <a:schemeClr val="tx1"/>
-                </a:solidFill>
-              </a:rPr>
-              <a:t>Recherche über die Filter der Datenvorverarbeitung</a:t>
-            </a:r>
-            <a:endParaRPr lang="de-DE" dirty="0">
-              <a:solidFill>
-                <a:schemeClr val="tx1"/>
-              </a:solidFill>
-            </a:endParaRPr>
-          </a:p>
-          <a:p>
-            <a:pPr lvl="0"/>
-            <a:r>
-              <a:rPr lang="de-DE" dirty="0" smtClean="0">
-                <a:solidFill>
-                  <a:schemeClr val="tx1"/>
-                </a:solidFill>
-              </a:rPr>
-              <a:t>Implementierung der Filter</a:t>
-            </a:r>
-          </a:p>
-          <a:p>
-            <a:pPr lvl="0"/>
-            <a:r>
-              <a:rPr lang="de-DE" dirty="0" smtClean="0">
-                <a:solidFill>
-                  <a:schemeClr val="tx1"/>
-                </a:solidFill>
-              </a:rPr>
-              <a:t>Erstellen einer Dokumentation für die Skripte</a:t>
-            </a:r>
-            <a:endParaRPr lang="de-DE" dirty="0">
-              <a:solidFill>
-                <a:schemeClr val="tx1"/>
-              </a:solidFill>
-            </a:endParaRPr>
-          </a:p>
-          <a:p>
-            <a:pPr lvl="0"/>
-            <a:r>
-              <a:rPr lang="de-DE" dirty="0" smtClean="0">
-                <a:solidFill>
-                  <a:schemeClr val="tx1"/>
-                </a:solidFill>
-              </a:rPr>
-              <a:t>Verteilung der Personen bei der Automatisierung der Simulation</a:t>
-            </a:r>
-            <a:endParaRPr lang="de-DE" dirty="0">
-              <a:solidFill>
-                <a:schemeClr val="tx1"/>
-              </a:solidFill>
-            </a:endParaRPr>
-          </a:p>
-          <a:p>
-            <a:pPr lvl="0"/>
-            <a:r>
-              <a:rPr lang="de-DE" dirty="0" smtClean="0">
-                <a:solidFill>
-                  <a:schemeClr val="tx1"/>
-                </a:solidFill>
-              </a:rPr>
-              <a:t>Testen der Software</a:t>
-            </a:r>
-            <a:endParaRPr lang="de-DE" dirty="0">
-              <a:solidFill>
-                <a:schemeClr val="tx1"/>
-              </a:solidFill>
-            </a:endParaRPr>
-          </a:p>
-          <a:p>
-            <a:pPr lvl="0"/>
-            <a:r>
-              <a:rPr lang="de-DE" dirty="0" smtClean="0">
-                <a:solidFill>
-                  <a:schemeClr val="tx1"/>
-                </a:solidFill>
-              </a:rPr>
-              <a:t>Datengenerierung und Datenbeauftragte</a:t>
-            </a:r>
-          </a:p>
-          <a:p>
-            <a:pPr lvl="0"/>
-            <a:r>
-              <a:rPr lang="de-DE" dirty="0" smtClean="0">
-                <a:solidFill>
-                  <a:schemeClr val="tx1"/>
-                </a:solidFill>
-              </a:rPr>
-              <a:t>Erstellen eines Technischen Berichts</a:t>
-            </a:r>
-          </a:p>
-          <a:p>
-            <a:pPr lvl="0"/>
-            <a:r>
-              <a:rPr lang="de-DE" dirty="0" smtClean="0">
-                <a:solidFill>
-                  <a:schemeClr val="tx1"/>
-                </a:solidFill>
-              </a:rPr>
-              <a:t>Aufbereitung der Daten nach Vorgaben des Fraunhofer Instituts</a:t>
-            </a:r>
-            <a:endParaRPr lang="de-DE" dirty="0" smtClean="0">
-              <a:solidFill>
-                <a:srgbClr val="FF0000"/>
-              </a:solidFill>
-            </a:endParaRPr>
-          </a:p>
-          <a:p>
-            <a:pPr lvl="0"/>
-            <a:r>
-              <a:rPr lang="de-DE" b="1" dirty="0" smtClean="0">
-                <a:solidFill>
-                  <a:schemeClr val="tx1"/>
-                </a:solidFill>
-              </a:rPr>
-              <a:t>Modellieren realistischer, variantenreicher Szenarien </a:t>
-            </a:r>
-          </a:p>
-          <a:p>
-            <a:pPr lvl="0"/>
-            <a:r>
-              <a:rPr lang="de-DE" dirty="0" smtClean="0">
-                <a:solidFill>
-                  <a:schemeClr val="tx1"/>
-                </a:solidFill>
-              </a:rPr>
-              <a:t>Simulieren realistischer, variantenreicher Szenarien</a:t>
-            </a:r>
-          </a:p>
-          <a:p>
-            <a:pPr lvl="0"/>
-            <a:r>
-              <a:rPr lang="de-DE" dirty="0" smtClean="0">
-                <a:solidFill>
-                  <a:schemeClr val="tx1"/>
-                </a:solidFill>
-              </a:rPr>
-              <a:t>Aktualisieren des Trello Projektes/</a:t>
-            </a:r>
-            <a:r>
-              <a:rPr lang="de-DE" dirty="0" err="1" smtClean="0">
-                <a:solidFill>
-                  <a:schemeClr val="tx1"/>
-                </a:solidFill>
-              </a:rPr>
-              <a:t>Repos</a:t>
-            </a:r>
-            <a:r>
-              <a:rPr lang="de-DE" dirty="0" smtClean="0">
-                <a:solidFill>
-                  <a:schemeClr val="tx1"/>
-                </a:solidFill>
-              </a:rPr>
-              <a:t>/Organisation der Treffen</a:t>
-            </a:r>
-          </a:p>
-          <a:p>
-            <a:pPr lvl="0"/>
-            <a:r>
-              <a:rPr lang="de-DE" dirty="0" smtClean="0">
-                <a:solidFill>
-                  <a:schemeClr val="tx1"/>
-                </a:solidFill>
-              </a:rPr>
-              <a:t>Erstellung einer Demo</a:t>
-            </a:r>
-          </a:p>
-          <a:p>
-            <a:r>
-              <a:rPr lang="de-DE" dirty="0" err="1" smtClean="0">
-                <a:solidFill>
-                  <a:schemeClr val="tx1"/>
-                </a:solidFill>
-              </a:rPr>
-              <a:t>Scrum</a:t>
-            </a:r>
-            <a:r>
-              <a:rPr lang="de-DE" dirty="0" smtClean="0">
-                <a:solidFill>
-                  <a:schemeClr val="tx1"/>
-                </a:solidFill>
-              </a:rPr>
-              <a:t> Master</a:t>
-            </a:r>
-            <a:endParaRPr lang="de-DE" dirty="0">
-              <a:solidFill>
-                <a:schemeClr val="tx1"/>
-              </a:solidFill>
-            </a:endParaRPr>
-          </a:p>
-        </p:txBody>
-      </p:sp>
-    </p:spTree>
-    <p:extLst>
-      <p:ext uri="{BB962C8B-B14F-4D97-AF65-F5344CB8AC3E}">
-        <p14:creationId xmlns:p14="http://schemas.microsoft.com/office/powerpoint/2010/main" val="136411726"/>
-      </p:ext>
-    </p:extLst>
-  </p:cSld>
-  <p:clrMapOvr>
-    <a:masterClrMapping/>
-  </p:clrMapOvr>
-  <p:transition spd="slow">
-    <p:push dir="u"/>
-  </p:transition>
-  <p:timing>
-    <p:tnLst>
-      <p:par>
-        <p:cTn id="1" dur="indefinite" restart="never" nodeType="tmRoot"/>
-      </p:par>
-    </p:tnLst>
-  </p:timing>
-</p:sld>
-</file>
-
 <file path=ppt/slides/slide25.xml><?xml version="1.0" encoding="utf-8"?>
 <p:sld xmlns:a="http://schemas.openxmlformats.org/drawingml/2006/main" xmlns:r="http://schemas.openxmlformats.org/officeDocument/2006/relationships" xmlns:p="http://schemas.openxmlformats.org/presentationml/2006/main">
   <p:cSld>
@@ -9527,36 +9240,273 @@
       </p:grpSpPr>
       <p:sp>
         <p:nvSpPr>
-          <p:cNvPr id="2" name="Titel 1"/>
-          <p:cNvSpPr>
-            <a:spLocks noGrp="1"/>
-          </p:cNvSpPr>
-          <p:nvPr>
-            <p:ph type="ctrTitle"/>
+          <p:cNvPr id="2" name="Title 6">
+            <a:extLst>
+              <a:ext uri="{FF2B5EF4-FFF2-40B4-BE49-F238E27FC236}">
+                <a16:creationId xmlns:a16="http://schemas.microsoft.com/office/drawing/2014/main" xmlns="" id="{04F78A0C-BF40-4E0B-9FA4-AAAA57E3C4EF}"/>
+              </a:ext>
+            </a:extLst>
+          </p:cNvPr>
+          <p:cNvSpPr txBox="1">
+            <a:spLocks noGrp="1"/>
+          </p:cNvSpPr>
+          <p:nvPr>
+            <p:ph type="title"/>
           </p:nvPr>
         </p:nvSpPr>
         <p:spPr/>
         <p:txBody>
           <a:bodyPr>
-            <a:noAutofit/>
+            <a:normAutofit/>
           </a:bodyPr>
           <a:lstStyle/>
           <a:p>
-            <a:pPr algn="l"/>
-            <a:r>
-              <a:rPr lang="de-DE" sz="7000" dirty="0" smtClean="0">
-                <a:solidFill>
-                  <a:schemeClr val="bg1"/>
-                </a:solidFill>
-                <a:cs typeface="Times New Roman" panose="02020603050405020304" pitchFamily="18" charset="0"/>
-              </a:rPr>
-              <a:t>Anita</a:t>
-            </a:r>
-            <a:endParaRPr lang="de-DE" sz="7000" dirty="0">
+            <a:pPr lvl="0" algn="ctr"/>
+            <a:r>
+              <a:rPr lang="en-GB" sz="4500" dirty="0" smtClean="0"/>
+              <a:t>16,5%</a:t>
+            </a:r>
+            <a:endParaRPr lang="en-GB" sz="4500" dirty="0"/>
+          </a:p>
+        </p:txBody>
+      </p:sp>
+      <p:sp>
+        <p:nvSpPr>
+          <p:cNvPr id="3" name="Content Placeholder 7">
+            <a:extLst>
+              <a:ext uri="{FF2B5EF4-FFF2-40B4-BE49-F238E27FC236}">
+                <a16:creationId xmlns:a16="http://schemas.microsoft.com/office/drawing/2014/main" xmlns="" id="{3A52400E-A01D-4CCF-8280-EBE32B011F8E}"/>
+              </a:ext>
+            </a:extLst>
+          </p:cNvPr>
+          <p:cNvSpPr txBox="1">
+            <a:spLocks noGrp="1"/>
+          </p:cNvSpPr>
+          <p:nvPr>
+            <p:ph idx="1"/>
+          </p:nvPr>
+        </p:nvSpPr>
+        <p:spPr>
+          <a:xfrm>
+            <a:off x="3869268" y="174811"/>
+            <a:ext cx="7315200" cy="5984748"/>
+          </a:xfrm>
+        </p:spPr>
+        <p:txBody>
+          <a:bodyPr>
+            <a:normAutofit fontScale="92500" lnSpcReduction="10000"/>
+          </a:bodyPr>
+          <a:lstStyle/>
+          <a:p>
+            <a:pPr marL="0" lvl="0" indent="0">
+              <a:lnSpc>
+                <a:spcPct val="200000"/>
+              </a:lnSpc>
+              <a:buNone/>
+            </a:pPr>
+            <a:r>
+              <a:rPr lang="de-DE" sz="2800" dirty="0">
+                <a:solidFill>
+                  <a:schemeClr val="tx1"/>
+                </a:solidFill>
+              </a:rPr>
+              <a:t>Selbsteinschätzung:</a:t>
+            </a:r>
+          </a:p>
+          <a:p>
+            <a:pPr lvl="0"/>
+            <a:r>
+              <a:rPr lang="de-DE" dirty="0" smtClean="0">
+                <a:solidFill>
+                  <a:schemeClr val="tx1"/>
+                </a:solidFill>
+              </a:rPr>
+              <a:t>Recherche über die Filter der Datenvorverarbeitung</a:t>
+            </a:r>
+            <a:endParaRPr lang="de-DE" dirty="0">
               <a:solidFill>
-                <a:schemeClr val="bg1"/>
+                <a:schemeClr val="tx1"/>
               </a:solidFill>
-              <a:cs typeface="Times New Roman" panose="02020603050405020304" pitchFamily="18" charset="0"/>
+            </a:endParaRPr>
+          </a:p>
+          <a:p>
+            <a:pPr lvl="0"/>
+            <a:r>
+              <a:rPr lang="de-DE" dirty="0" smtClean="0">
+                <a:solidFill>
+                  <a:schemeClr val="tx1"/>
+                </a:solidFill>
+              </a:rPr>
+              <a:t>Implementierung der Filter</a:t>
+            </a:r>
+          </a:p>
+          <a:p>
+            <a:pPr lvl="0"/>
+            <a:r>
+              <a:rPr lang="de-DE" dirty="0" smtClean="0">
+                <a:solidFill>
+                  <a:schemeClr val="tx1"/>
+                </a:solidFill>
+              </a:rPr>
+              <a:t>Erstellen einer Dokumentation für die Skripte</a:t>
+            </a:r>
+            <a:endParaRPr lang="de-DE" dirty="0">
+              <a:solidFill>
+                <a:schemeClr val="tx1"/>
+              </a:solidFill>
+            </a:endParaRPr>
+          </a:p>
+          <a:p>
+            <a:pPr lvl="0"/>
+            <a:r>
+              <a:rPr lang="de-DE" dirty="0" smtClean="0">
+                <a:solidFill>
+                  <a:schemeClr val="tx1"/>
+                </a:solidFill>
+              </a:rPr>
+              <a:t>Verteilung der Personen bei der Automatisierung der Simulation</a:t>
+            </a:r>
+            <a:endParaRPr lang="de-DE" dirty="0">
+              <a:solidFill>
+                <a:schemeClr val="tx1"/>
+              </a:solidFill>
+            </a:endParaRPr>
+          </a:p>
+          <a:p>
+            <a:pPr lvl="0"/>
+            <a:r>
+              <a:rPr lang="de-DE" dirty="0" smtClean="0">
+                <a:solidFill>
+                  <a:schemeClr val="tx1"/>
+                </a:solidFill>
+              </a:rPr>
+              <a:t>Testen der Software</a:t>
+            </a:r>
+            <a:endParaRPr lang="de-DE" dirty="0">
+              <a:solidFill>
+                <a:schemeClr val="tx1"/>
+              </a:solidFill>
+            </a:endParaRPr>
+          </a:p>
+          <a:p>
+            <a:pPr lvl="0"/>
+            <a:r>
+              <a:rPr lang="de-DE" dirty="0" smtClean="0">
+                <a:solidFill>
+                  <a:schemeClr val="tx1"/>
+                </a:solidFill>
+              </a:rPr>
+              <a:t>Datengenerierung und Datenbeauftragte</a:t>
+            </a:r>
+          </a:p>
+          <a:p>
+            <a:pPr lvl="0"/>
+            <a:r>
+              <a:rPr lang="de-DE" dirty="0" smtClean="0">
+                <a:solidFill>
+                  <a:schemeClr val="tx1"/>
+                </a:solidFill>
+              </a:rPr>
+              <a:t>Erstellen eines Technischen Berichts</a:t>
+            </a:r>
+          </a:p>
+          <a:p>
+            <a:pPr lvl="0"/>
+            <a:r>
+              <a:rPr lang="de-DE" dirty="0" smtClean="0">
+                <a:solidFill>
+                  <a:schemeClr val="tx1"/>
+                </a:solidFill>
+              </a:rPr>
+              <a:t>Aufbereitung der Daten nach Vorgaben des Fraunhofer Instituts</a:t>
+            </a:r>
+            <a:endParaRPr lang="de-DE" dirty="0" smtClean="0">
+              <a:solidFill>
+                <a:srgbClr val="FF0000"/>
+              </a:solidFill>
+            </a:endParaRPr>
+          </a:p>
+          <a:p>
+            <a:pPr lvl="0"/>
+            <a:r>
+              <a:rPr lang="de-DE" b="1" dirty="0" smtClean="0">
+                <a:solidFill>
+                  <a:schemeClr val="tx1"/>
+                </a:solidFill>
+              </a:rPr>
+              <a:t>Modellieren realistischer, variantenreicher Szenarien </a:t>
+            </a:r>
+          </a:p>
+          <a:p>
+            <a:pPr lvl="0"/>
+            <a:r>
+              <a:rPr lang="de-DE" dirty="0" smtClean="0">
+                <a:solidFill>
+                  <a:schemeClr val="tx1"/>
+                </a:solidFill>
+              </a:rPr>
+              <a:t>Simulieren realistischer, variantenreicher Szenarien</a:t>
+            </a:r>
+          </a:p>
+          <a:p>
+            <a:pPr lvl="0"/>
+            <a:r>
+              <a:rPr lang="de-DE" dirty="0" smtClean="0">
+                <a:solidFill>
+                  <a:schemeClr val="tx1"/>
+                </a:solidFill>
+              </a:rPr>
+              <a:t>Aktualisieren des Trello Projektes/</a:t>
+            </a:r>
+            <a:r>
+              <a:rPr lang="de-DE" dirty="0" err="1" smtClean="0">
+                <a:solidFill>
+                  <a:schemeClr val="tx1"/>
+                </a:solidFill>
+              </a:rPr>
+              <a:t>Repos</a:t>
+            </a:r>
+            <a:r>
+              <a:rPr lang="de-DE" dirty="0" smtClean="0">
+                <a:solidFill>
+                  <a:schemeClr val="tx1"/>
+                </a:solidFill>
+              </a:rPr>
+              <a:t>/Organisation der Treffen</a:t>
+            </a:r>
+          </a:p>
+          <a:p>
+            <a:pPr lvl="0"/>
+            <a:r>
+              <a:rPr lang="de-DE" dirty="0" smtClean="0">
+                <a:solidFill>
+                  <a:schemeClr val="tx1"/>
+                </a:solidFill>
+              </a:rPr>
+              <a:t>Erstellung einer Demo</a:t>
+            </a:r>
+          </a:p>
+          <a:p>
+            <a:r>
+              <a:rPr lang="de-DE" dirty="0" err="1" smtClean="0">
+                <a:solidFill>
+                  <a:schemeClr val="tx1"/>
+                </a:solidFill>
+              </a:rPr>
+              <a:t>Scrum</a:t>
+            </a:r>
+            <a:r>
+              <a:rPr lang="de-DE" dirty="0" smtClean="0">
+                <a:solidFill>
+                  <a:schemeClr val="tx1"/>
+                </a:solidFill>
+              </a:rPr>
+              <a:t> Master</a:t>
+            </a:r>
+            <a:endParaRPr lang="de-DE" dirty="0">
+              <a:solidFill>
+                <a:schemeClr val="tx1"/>
+              </a:solidFill>
             </a:endParaRPr>
           </a:p>
         </p:txBody>
@@ -9564,7 +9514,7 @@
     </p:spTree>
     <p:extLst>
       <p:ext uri="{BB962C8B-B14F-4D97-AF65-F5344CB8AC3E}">
-        <p14:creationId xmlns:p14="http://schemas.microsoft.com/office/powerpoint/2010/main" val="1888450948"/>
+        <p14:creationId xmlns:p14="http://schemas.microsoft.com/office/powerpoint/2010/main" val="136411726"/>
       </p:ext>
     </p:extLst>
   </p:cSld>
@@ -9608,6 +9558,82 @@
             <a:spLocks noGrp="1"/>
           </p:cNvSpPr>
           <p:nvPr>
+            <p:ph type="ctrTitle"/>
+          </p:nvPr>
+        </p:nvSpPr>
+        <p:spPr/>
+        <p:txBody>
+          <a:bodyPr>
+            <a:noAutofit/>
+          </a:bodyPr>
+          <a:lstStyle/>
+          <a:p>
+            <a:pPr algn="l"/>
+            <a:r>
+              <a:rPr lang="de-DE" sz="7000" dirty="0" smtClean="0">
+                <a:solidFill>
+                  <a:schemeClr val="bg1"/>
+                </a:solidFill>
+                <a:cs typeface="Times New Roman" panose="02020603050405020304" pitchFamily="18" charset="0"/>
+              </a:rPr>
+              <a:t>Anita</a:t>
+            </a:r>
+            <a:endParaRPr lang="de-DE" sz="7000" dirty="0">
+              <a:solidFill>
+                <a:schemeClr val="bg1"/>
+              </a:solidFill>
+              <a:cs typeface="Times New Roman" panose="02020603050405020304" pitchFamily="18" charset="0"/>
+            </a:endParaRPr>
+          </a:p>
+        </p:txBody>
+      </p:sp>
+    </p:spTree>
+    <p:extLst>
+      <p:ext uri="{BB962C8B-B14F-4D97-AF65-F5344CB8AC3E}">
+        <p14:creationId xmlns:p14="http://schemas.microsoft.com/office/powerpoint/2010/main" val="1888450948"/>
+      </p:ext>
+    </p:extLst>
+  </p:cSld>
+  <p:clrMapOvr>
+    <a:masterClrMapping/>
+  </p:clrMapOvr>
+  <p:transition spd="slow">
+    <p:push dir="u"/>
+  </p:transition>
+  <p:timing>
+    <p:tnLst>
+      <p:par>
+        <p:cTn id="1" dur="indefinite" restart="never" nodeType="tmRoot"/>
+      </p:par>
+    </p:tnLst>
+  </p:timing>
+</p:sld>
+</file>
+
+<file path=ppt/slides/slide27.xml><?xml version="1.0" encoding="utf-8"?>
+<p:sld xmlns:a="http://schemas.openxmlformats.org/drawingml/2006/main" xmlns:r="http://schemas.openxmlformats.org/officeDocument/2006/relationships" xmlns:p="http://schemas.openxmlformats.org/presentationml/2006/main">
+  <p:cSld>
+    <p:spTree>
+      <p:nvGrpSpPr>
+        <p:cNvPr id="1" name=""/>
+        <p:cNvGrpSpPr/>
+        <p:nvPr/>
+      </p:nvGrpSpPr>
+      <p:grpSpPr>
+        <a:xfrm>
+          <a:off x="0" y="0"/>
+          <a:ext cx="0" cy="0"/>
+          <a:chOff x="0" y="0"/>
+          <a:chExt cx="0" cy="0"/>
+        </a:xfrm>
+      </p:grpSpPr>
+      <p:sp>
+        <p:nvSpPr>
+          <p:cNvPr id="2" name="Titel 1"/>
+          <p:cNvSpPr>
+            <a:spLocks noGrp="1"/>
+          </p:cNvSpPr>
+          <p:nvPr>
             <p:ph type="title"/>
           </p:nvPr>
         </p:nvSpPr>
@@ -9625,8 +9651,8 @@
           </a:p>
         </p:txBody>
       </p:sp>
-      <mc:AlternateContent xmlns:mc="http://schemas.openxmlformats.org/markup-compatibility/2006">
-        <mc:Choice xmlns:a14="http://schemas.microsoft.com/office/drawing/2010/main" Requires="a14">
+      <mc:AlternateContent xmlns:mc="http://schemas.openxmlformats.org/markup-compatibility/2006" xmlns:a14="http://schemas.microsoft.com/office/drawing/2010/main">
+        <mc:Choice Requires="a14">
           <p:sp>
             <p:nvSpPr>
               <p:cNvPr id="3" name="Inhaltsplatzhalter 2"/>
@@ -9650,11 +9676,7 @@
               <a:p>
                 <a:r>
                   <a:rPr lang="de-DE" dirty="0" smtClean="0"/>
-                  <a:t>Implementierung PCA Filter dur</a:t>
-                </a:r>
-                <a:r>
-                  <a:rPr lang="de-DE" dirty="0" smtClean="0"/>
-                  <a:t>ch SVD</a:t>
+                  <a:t>Implementierung PCA Filter durch SVD</a:t>
                 </a:r>
               </a:p>
               <a:p>
@@ -9706,7 +9728,7 @@
                       <m:sSupPr>
                         <m:ctrlPr>
                           <a:rPr lang="de-DE" i="1">
-                            <a:latin typeface="Cambria Math" panose="02040503050406030204" pitchFamily="18" charset="0"/>
+                            <a:latin typeface="Cambria Math" charset="0"/>
                           </a:rPr>
                         </m:ctrlPr>
                       </m:sSupPr>
@@ -9747,7 +9769,7 @@
             </p:txBody>
           </p:sp>
         </mc:Choice>
-        <mc:Fallback>
+        <mc:Fallback xmlns="">
           <p:sp>
             <p:nvSpPr>
               <p:cNvPr id="3" name="Inhaltsplatzhalter 2"/>
@@ -9794,7 +9816,7 @@
 </p:sld>
 </file>
 
-<file path=ppt/slides/slide27.xml><?xml version="1.0" encoding="utf-8"?>
+<file path=ppt/slides/slide28.xml><?xml version="1.0" encoding="utf-8"?>
 <p:sld xmlns:a="http://schemas.openxmlformats.org/drawingml/2006/main" xmlns:r="http://schemas.openxmlformats.org/officeDocument/2006/relationships" xmlns:p="http://schemas.openxmlformats.org/presentationml/2006/main">
   <p:cSld>
     <p:spTree>
@@ -9963,7 +9985,7 @@
 </p:sld>
 </file>
 
-<file path=ppt/slides/slide28.xml><?xml version="1.0" encoding="utf-8"?>
+<file path=ppt/slides/slide29.xml><?xml version="1.0" encoding="utf-8"?>
 <p:sld xmlns:a="http://schemas.openxmlformats.org/drawingml/2006/main" xmlns:r="http://schemas.openxmlformats.org/officeDocument/2006/relationships" xmlns:p="http://schemas.openxmlformats.org/presentationml/2006/main">
   <p:cSld>
     <p:spTree>
@@ -10004,8 +10026,8 @@
           </a:p>
         </p:txBody>
       </p:sp>
-      <mc:AlternateContent xmlns:mc="http://schemas.openxmlformats.org/markup-compatibility/2006">
-        <mc:Choice xmlns:a14="http://schemas.microsoft.com/office/drawing/2010/main" Requires="a14">
+      <mc:AlternateContent xmlns:mc="http://schemas.openxmlformats.org/markup-compatibility/2006" xmlns:a14="http://schemas.microsoft.com/office/drawing/2010/main">
+        <mc:Choice Requires="a14">
           <p:sp>
             <p:nvSpPr>
               <p:cNvPr id="3" name="Inhaltsplatzhalter 2"/>
@@ -10037,36 +10059,50 @@
                 <a14:m>
                   <m:oMath xmlns:m="http://schemas.openxmlformats.org/officeDocument/2006/math">
                     <m:r>
-                      <a:rPr lang="de-DE" i="1"/>
+                      <a:rPr lang="de-DE" i="1">
+                        <a:latin typeface="Cambria Math" charset="0"/>
+                      </a:rPr>
                       <m:t>𝑀</m:t>
                     </m:r>
                     <m:r>
-                      <a:rPr lang="de-DE" i="1"/>
+                      <a:rPr lang="de-DE" i="1">
+                        <a:latin typeface="Cambria Math" charset="0"/>
+                      </a:rPr>
                       <m:t>∈ </m:t>
                     </m:r>
                     <m:sSup>
                       <m:sSupPr>
                         <m:ctrlPr>
-                          <a:rPr lang="de-DE" i="1"/>
+                          <a:rPr lang="de-DE" i="1">
+                            <a:latin typeface="Cambria Math" charset="0"/>
+                          </a:rPr>
                         </m:ctrlPr>
                       </m:sSupPr>
                       <m:e>
                         <m:r>
-                          <a:rPr lang="de-DE" i="1"/>
+                          <a:rPr lang="de-DE" i="1">
+                            <a:latin typeface="Cambria Math" charset="0"/>
+                          </a:rPr>
                           <m:t>ℝ</m:t>
                         </m:r>
                       </m:e>
                       <m:sup>
                         <m:r>
-                          <a:rPr lang="de-DE" i="1"/>
+                          <a:rPr lang="de-DE" i="1">
+                            <a:latin typeface="Cambria Math" charset="0"/>
+                          </a:rPr>
                           <m:t>𝑚</m:t>
                         </m:r>
                         <m:r>
-                          <a:rPr lang="de-DE" i="1"/>
+                          <a:rPr lang="de-DE" i="1">
+                            <a:latin typeface="Cambria Math" charset="0"/>
+                          </a:rPr>
                           <m:t>×</m:t>
                         </m:r>
                         <m:r>
-                          <a:rPr lang="de-DE" i="1"/>
+                          <a:rPr lang="de-DE" i="1">
+                            <a:latin typeface="Cambria Math" charset="0"/>
+                          </a:rPr>
                           <m:t>𝑛</m:t>
                         </m:r>
                       </m:sup>
@@ -10087,36 +10123,50 @@
                 <a14:m>
                   <m:oMath xmlns:m="http://schemas.openxmlformats.org/officeDocument/2006/math">
                     <m:r>
-                      <a:rPr lang="de-DE" i="1"/>
+                      <a:rPr lang="de-DE" i="1">
+                        <a:latin typeface="Cambria Math" charset="0"/>
+                      </a:rPr>
                       <m:t>𝑢</m:t>
                     </m:r>
                     <m:r>
-                      <a:rPr lang="de-DE" i="1"/>
+                      <a:rPr lang="de-DE" i="1">
+                        <a:latin typeface="Cambria Math" charset="0"/>
+                      </a:rPr>
                       <m:t>∈</m:t>
                     </m:r>
                     <m:sSup>
                       <m:sSupPr>
                         <m:ctrlPr>
-                          <a:rPr lang="de-DE" i="1"/>
+                          <a:rPr lang="de-DE" i="1">
+                            <a:latin typeface="Cambria Math" charset="0"/>
+                          </a:rPr>
                         </m:ctrlPr>
                       </m:sSupPr>
                       <m:e>
                         <m:r>
-                          <a:rPr lang="de-DE" i="1"/>
+                          <a:rPr lang="de-DE" i="1">
+                            <a:latin typeface="Cambria Math" charset="0"/>
+                          </a:rPr>
                           <m:t>ℝ</m:t>
                         </m:r>
                       </m:e>
                       <m:sup>
                         <m:r>
-                          <a:rPr lang="de-DE" i="1"/>
+                          <a:rPr lang="de-DE" i="1">
+                            <a:latin typeface="Cambria Math" charset="0"/>
+                          </a:rPr>
                           <m:t>𝑚</m:t>
                         </m:r>
                         <m:r>
-                          <a:rPr lang="de-DE" i="1"/>
+                          <a:rPr lang="de-DE" i="1">
+                            <a:latin typeface="Cambria Math" charset="0"/>
+                          </a:rPr>
                           <m:t>×</m:t>
                         </m:r>
                         <m:r>
-                          <a:rPr lang="de-DE" i="1"/>
+                          <a:rPr lang="de-DE" i="1">
+                            <a:latin typeface="Cambria Math" charset="0"/>
+                          </a:rPr>
                           <m:t>𝑟</m:t>
                         </m:r>
                       </m:sup>
@@ -10132,49 +10182,67 @@
                     <m:sSup>
                       <m:sSupPr>
                         <m:ctrlPr>
-                          <a:rPr lang="de-DE" i="1"/>
+                          <a:rPr lang="de-DE" i="1">
+                            <a:latin typeface="Cambria Math" charset="0"/>
+                          </a:rPr>
                         </m:ctrlPr>
                       </m:sSupPr>
                       <m:e>
                         <m:r>
-                          <a:rPr lang="de-DE" i="1"/>
+                          <a:rPr lang="de-DE" i="1">
+                            <a:latin typeface="Cambria Math" charset="0"/>
+                          </a:rPr>
                           <m:t>𝑣</m:t>
                         </m:r>
                       </m:e>
                       <m:sup>
                         <m:r>
-                          <a:rPr lang="de-DE" i="1"/>
+                          <a:rPr lang="de-DE" i="1">
+                            <a:latin typeface="Cambria Math" charset="0"/>
+                          </a:rPr>
                           <m:t>𝑇</m:t>
                         </m:r>
                       </m:sup>
                     </m:sSup>
                     <m:r>
-                      <a:rPr lang="de-DE" i="1"/>
+                      <a:rPr lang="de-DE" i="1">
+                        <a:latin typeface="Cambria Math" charset="0"/>
+                      </a:rPr>
                       <m:t>∈</m:t>
                     </m:r>
                     <m:sSup>
                       <m:sSupPr>
                         <m:ctrlPr>
-                          <a:rPr lang="de-DE" i="1"/>
+                          <a:rPr lang="de-DE" i="1">
+                            <a:latin typeface="Cambria Math" charset="0"/>
+                          </a:rPr>
                         </m:ctrlPr>
                       </m:sSupPr>
                       <m:e>
                         <m:r>
-                          <a:rPr lang="de-DE" i="1"/>
+                          <a:rPr lang="de-DE" i="1">
+                            <a:latin typeface="Cambria Math" charset="0"/>
+                          </a:rPr>
                           <m:t>ℝ</m:t>
                         </m:r>
                       </m:e>
                       <m:sup>
                         <m:r>
-                          <a:rPr lang="de-DE" i="1"/>
+                          <a:rPr lang="de-DE" i="1">
+                            <a:latin typeface="Cambria Math" charset="0"/>
+                          </a:rPr>
                           <m:t>𝑟</m:t>
                         </m:r>
                         <m:r>
-                          <a:rPr lang="de-DE" i="1"/>
+                          <a:rPr lang="de-DE" i="1">
+                            <a:latin typeface="Cambria Math" charset="0"/>
+                          </a:rPr>
                           <m:t>×</m:t>
                         </m:r>
                         <m:r>
-                          <a:rPr lang="de-DE" i="1"/>
+                          <a:rPr lang="de-DE" i="1">
+                            <a:latin typeface="Cambria Math" charset="0"/>
+                          </a:rPr>
                           <m:t>𝑛</m:t>
                         </m:r>
                       </m:sup>
@@ -10196,24 +10264,32 @@
                 <a14:m>
                   <m:oMath xmlns:m="http://schemas.openxmlformats.org/officeDocument/2006/math">
                     <m:r>
-                      <a:rPr lang="de-DE" i="1"/>
+                      <a:rPr lang="de-DE" i="1">
+                        <a:latin typeface="Cambria Math" charset="0"/>
+                      </a:rPr>
                       <m:t>∈ </m:t>
                     </m:r>
                     <m:sSup>
                       <m:sSupPr>
                         <m:ctrlPr>
-                          <a:rPr lang="de-DE" i="1"/>
+                          <a:rPr lang="de-DE" i="1">
+                            <a:latin typeface="Cambria Math" charset="0"/>
+                          </a:rPr>
                         </m:ctrlPr>
                       </m:sSupPr>
                       <m:e>
                         <m:r>
-                          <a:rPr lang="de-DE" i="1"/>
+                          <a:rPr lang="de-DE" i="1">
+                            <a:latin typeface="Cambria Math" charset="0"/>
+                          </a:rPr>
                           <m:t>ℝ</m:t>
                         </m:r>
                       </m:e>
                       <m:sup>
                         <m:r>
-                          <a:rPr lang="de-DE" i="1"/>
+                          <a:rPr lang="de-DE" i="1">
+                            <a:latin typeface="Cambria Math" charset="0"/>
+                          </a:rPr>
                           <m:t>𝑟</m:t>
                         </m:r>
                       </m:sup>
@@ -10225,22 +10301,14 @@
               <a:p>
                 <a:r>
                   <a:rPr lang="de-DE" dirty="0" smtClean="0"/>
-                  <a:t>Bei 188 Beispielen mit einer Matrix der Größe 100 x </a:t>
-                </a:r>
-                <a:r>
-                  <a:rPr lang="de-DE" dirty="0" smtClean="0"/>
-                  <a:t>120 </a:t>
-                </a:r>
-                <a:r>
-                  <a:rPr lang="de-DE" dirty="0" smtClean="0"/>
-                  <a:t>und einem Erhalt von 99% der Originalinformation war r maximal 14. Damit würde man von 12000 auf höchstens 3094 Punkte kommen.</a:t>
+                  <a:t>Bei 188 Beispielen mit einer Matrix der Größe 100 x 120 und einem Erhalt von 99% der Originalinformation war r maximal 14. Damit würde man von 12000 auf höchstens 3094 Punkte kommen.</a:t>
                 </a:r>
                 <a:endParaRPr lang="de-DE" dirty="0"/>
               </a:p>
             </p:txBody>
           </p:sp>
         </mc:Choice>
-        <mc:Fallback>
+        <mc:Fallback xmlns="">
           <p:sp>
             <p:nvSpPr>
               <p:cNvPr id="3" name="Inhaltsplatzhalter 2"/>
@@ -10278,99 +10346,6 @@
     <p:extLst>
       <p:ext uri="{BB962C8B-B14F-4D97-AF65-F5344CB8AC3E}">
         <p14:creationId xmlns:p14="http://schemas.microsoft.com/office/powerpoint/2010/main" val="798162687"/>
-      </p:ext>
-    </p:extLst>
-  </p:cSld>
-  <p:clrMapOvr>
-    <a:masterClrMapping/>
-  </p:clrMapOvr>
-</p:sld>
-</file>
-
-<file path=ppt/slides/slide29.xml><?xml version="1.0" encoding="utf-8"?>
-<p:sld xmlns:a="http://schemas.openxmlformats.org/drawingml/2006/main" xmlns:r="http://schemas.openxmlformats.org/officeDocument/2006/relationships" xmlns:p="http://schemas.openxmlformats.org/presentationml/2006/main">
-  <p:cSld>
-    <p:spTree>
-      <p:nvGrpSpPr>
-        <p:cNvPr id="1" name=""/>
-        <p:cNvGrpSpPr/>
-        <p:nvPr/>
-      </p:nvGrpSpPr>
-      <p:grpSpPr>
-        <a:xfrm>
-          <a:off x="0" y="0"/>
-          <a:ext cx="0" cy="0"/>
-          <a:chOff x="0" y="0"/>
-          <a:chExt cx="0" cy="0"/>
-        </a:xfrm>
-      </p:grpSpPr>
-      <p:sp>
-        <p:nvSpPr>
-          <p:cNvPr id="2" name="Titel 1"/>
-          <p:cNvSpPr>
-            <a:spLocks noGrp="1"/>
-          </p:cNvSpPr>
-          <p:nvPr>
-            <p:ph type="title"/>
-          </p:nvPr>
-        </p:nvSpPr>
-        <p:spPr/>
-        <p:txBody>
-          <a:bodyPr/>
-          <a:lstStyle/>
-          <a:p>
-            <a:pPr algn="ctr"/>
-            <a:r>
-              <a:rPr lang="de-DE" dirty="0" smtClean="0"/>
-              <a:t>Testen der PCA</a:t>
-            </a:r>
-            <a:endParaRPr lang="de-DE" dirty="0"/>
-          </a:p>
-        </p:txBody>
-      </p:sp>
-      <p:sp>
-        <p:nvSpPr>
-          <p:cNvPr id="3" name="Inhaltsplatzhalter 2"/>
-          <p:cNvSpPr>
-            <a:spLocks noGrp="1"/>
-          </p:cNvSpPr>
-          <p:nvPr>
-            <p:ph idx="1"/>
-          </p:nvPr>
-        </p:nvSpPr>
-        <p:spPr/>
-        <p:txBody>
-          <a:bodyPr/>
-          <a:lstStyle/>
-          <a:p>
-            <a:r>
-              <a:rPr lang="de-DE" dirty="0" smtClean="0"/>
-              <a:t>Durch optischen Vergleich nach wiederzusammensetzen der Matrix</a:t>
-            </a:r>
-          </a:p>
-          <a:p>
-            <a:r>
-              <a:rPr lang="de-DE" dirty="0" smtClean="0"/>
-              <a:t>Durch mittlere quadratische Abweichung zwischen der original und der reduzierten Matrix</a:t>
-            </a:r>
-          </a:p>
-          <a:p>
-            <a:r>
-              <a:rPr lang="de-DE" dirty="0" smtClean="0"/>
-              <a:t>Durchführung für verschiedene prozentuale Anteile an der </a:t>
-            </a:r>
-            <a:r>
-              <a:rPr lang="de-DE" dirty="0" err="1" smtClean="0"/>
-              <a:t>Orginalinformation</a:t>
-            </a:r>
-            <a:endParaRPr lang="de-DE" dirty="0"/>
-          </a:p>
-        </p:txBody>
-      </p:sp>
-    </p:spTree>
-    <p:extLst>
-      <p:ext uri="{BB962C8B-B14F-4D97-AF65-F5344CB8AC3E}">
-        <p14:creationId xmlns:p14="http://schemas.microsoft.com/office/powerpoint/2010/main" val="1756816201"/>
       </p:ext>
     </p:extLst>
   </p:cSld>
@@ -10649,7 +10624,7 @@
             <a:pPr algn="ctr"/>
             <a:r>
               <a:rPr lang="de-DE" dirty="0" smtClean="0"/>
-              <a:t>Sonstiges</a:t>
+              <a:t>Testen der PCA</a:t>
             </a:r>
             <a:endParaRPr lang="de-DE" dirty="0"/>
           </a:p>
@@ -10672,29 +10647,23 @@
           <a:p>
             <a:r>
               <a:rPr lang="de-DE" dirty="0" smtClean="0"/>
-              <a:t>Mit Pflege der </a:t>
+              <a:t>Durch optischen Vergleich nach wiederzusammensetzen der Matrix</a:t>
+            </a:r>
+          </a:p>
+          <a:p>
+            <a:r>
+              <a:rPr lang="de-DE" dirty="0" smtClean="0"/>
+              <a:t>Durch mittlere quadratische Abweichung zwischen der original und der reduzierten Matrix</a:t>
+            </a:r>
+          </a:p>
+          <a:p>
+            <a:r>
+              <a:rPr lang="de-DE" dirty="0" smtClean="0"/>
+              <a:t>Durchführung für verschiedene prozentuale Anteile an der </a:t>
             </a:r>
             <a:r>
               <a:rPr lang="de-DE" dirty="0" err="1" smtClean="0"/>
-              <a:t>Trello</a:t>
-            </a:r>
-            <a:r>
-              <a:rPr lang="de-DE" dirty="0" smtClean="0"/>
-              <a:t>/Kanban Wand</a:t>
-            </a:r>
-          </a:p>
-          <a:p>
-            <a:r>
-              <a:rPr lang="de-DE" dirty="0" smtClean="0"/>
-              <a:t>Kontaktaufnahme </a:t>
-            </a:r>
-            <a:r>
-              <a:rPr lang="de-DE" dirty="0" err="1" smtClean="0"/>
-              <a:t>Frauenhofer</a:t>
-            </a:r>
-            <a:r>
-              <a:rPr lang="de-DE" dirty="0" smtClean="0"/>
-              <a:t> Institut für weitere Informationen</a:t>
+              <a:t>Orginalinformation</a:t>
             </a:r>
             <a:endParaRPr lang="de-DE" dirty="0"/>
           </a:p>
@@ -10703,7 +10672,7 @@
     </p:spTree>
     <p:extLst>
       <p:ext uri="{BB962C8B-B14F-4D97-AF65-F5344CB8AC3E}">
-        <p14:creationId xmlns:p14="http://schemas.microsoft.com/office/powerpoint/2010/main" val="4702168"/>
+        <p14:creationId xmlns:p14="http://schemas.microsoft.com/office/powerpoint/2010/main" val="1756816201"/>
       </p:ext>
     </p:extLst>
   </p:cSld>
@@ -10732,14 +10701,8 @@
       </p:grpSpPr>
       <p:sp>
         <p:nvSpPr>
-          <p:cNvPr id="2" name="Title 6">
-            <a:extLst>
-              <a:ext uri="{FF2B5EF4-FFF2-40B4-BE49-F238E27FC236}">
-                <a16:creationId xmlns="" xmlns:a16="http://schemas.microsoft.com/office/drawing/2014/main" id="{04F78A0C-BF40-4E0B-9FA4-AAAA57E3C4EF}"/>
-              </a:ext>
-            </a:extLst>
-          </p:cNvPr>
-          <p:cNvSpPr txBox="1">
+          <p:cNvPr id="2" name="Titel 1"/>
+          <p:cNvSpPr>
             <a:spLocks noGrp="1"/>
           </p:cNvSpPr>
           <p:nvPr>
@@ -10748,297 +10711,73 @@
         </p:nvSpPr>
         <p:spPr/>
         <p:txBody>
-          <a:bodyPr>
-            <a:normAutofit/>
-          </a:bodyPr>
+          <a:bodyPr/>
           <a:lstStyle/>
           <a:p>
-            <a:pPr lvl="0" algn="ctr"/>
-            <a:r>
-              <a:rPr lang="en-GB" sz="4500" dirty="0" smtClean="0"/>
-              <a:t>16,5%</a:t>
-            </a:r>
-            <a:endParaRPr lang="en-GB" sz="4500" dirty="0"/>
-          </a:p>
-        </p:txBody>
-      </p:sp>
-      <p:sp>
-        <p:nvSpPr>
-          <p:cNvPr id="3" name="Content Placeholder 7">
-            <a:extLst>
-              <a:ext uri="{FF2B5EF4-FFF2-40B4-BE49-F238E27FC236}">
-                <a16:creationId xmlns="" xmlns:a16="http://schemas.microsoft.com/office/drawing/2014/main" id="{3A52400E-A01D-4CCF-8280-EBE32B011F8E}"/>
-              </a:ext>
-            </a:extLst>
-          </p:cNvPr>
-          <p:cNvSpPr txBox="1">
+            <a:pPr algn="ctr"/>
+            <a:r>
+              <a:rPr lang="de-DE" dirty="0" smtClean="0"/>
+              <a:t>Sonstiges</a:t>
+            </a:r>
+            <a:endParaRPr lang="de-DE" dirty="0"/>
+          </a:p>
+        </p:txBody>
+      </p:sp>
+      <p:sp>
+        <p:nvSpPr>
+          <p:cNvPr id="3" name="Inhaltsplatzhalter 2"/>
+          <p:cNvSpPr>
             <a:spLocks noGrp="1"/>
           </p:cNvSpPr>
           <p:nvPr>
             <p:ph idx="1"/>
           </p:nvPr>
         </p:nvSpPr>
-        <p:spPr>
-          <a:xfrm>
-            <a:off x="3869268" y="174811"/>
-            <a:ext cx="7315200" cy="5984748"/>
-          </a:xfrm>
-        </p:spPr>
-        <p:txBody>
-          <a:bodyPr>
-            <a:normAutofit fontScale="92500" lnSpcReduction="10000"/>
-          </a:bodyPr>
+        <p:spPr/>
+        <p:txBody>
+          <a:bodyPr/>
           <a:lstStyle/>
           <a:p>
-            <a:pPr marL="0" lvl="0" indent="0">
-              <a:lnSpc>
-                <a:spcPct val="200000"/>
-              </a:lnSpc>
-              <a:buNone/>
-            </a:pPr>
-            <a:r>
-              <a:rPr lang="de-DE" sz="2800" dirty="0">
-                <a:solidFill>
-                  <a:schemeClr val="tx1"/>
-                </a:solidFill>
-              </a:rPr>
-              <a:t>Selbsteinschätzung:</a:t>
-            </a:r>
-          </a:p>
-          <a:p>
-            <a:pPr lvl="0"/>
-            <a:r>
-              <a:rPr lang="de-DE" b="1" dirty="0" smtClean="0">
-                <a:solidFill>
-                  <a:schemeClr val="tx1"/>
-                </a:solidFill>
-              </a:rPr>
-              <a:t>Recherche über die Filter der Datenvorverarbeitung</a:t>
-            </a:r>
-            <a:endParaRPr lang="de-DE" b="1" dirty="0">
-              <a:solidFill>
-                <a:schemeClr val="tx1"/>
-              </a:solidFill>
-            </a:endParaRPr>
-          </a:p>
-          <a:p>
-            <a:pPr lvl="0"/>
-            <a:r>
-              <a:rPr lang="de-DE" b="1" dirty="0" smtClean="0">
-                <a:solidFill>
-                  <a:schemeClr val="tx1"/>
-                </a:solidFill>
-              </a:rPr>
-              <a:t>Implementierung der Filter</a:t>
-            </a:r>
-          </a:p>
-          <a:p>
-            <a:pPr lvl="0"/>
-            <a:r>
-              <a:rPr lang="de-DE" dirty="0" smtClean="0">
-                <a:solidFill>
-                  <a:schemeClr val="tx1"/>
-                </a:solidFill>
-              </a:rPr>
-              <a:t>Erstellen einer Dokumentation für die Skripte</a:t>
-            </a:r>
-            <a:endParaRPr lang="de-DE" dirty="0">
-              <a:solidFill>
-                <a:schemeClr val="tx1"/>
-              </a:solidFill>
-            </a:endParaRPr>
-          </a:p>
-          <a:p>
-            <a:pPr lvl="0"/>
-            <a:r>
-              <a:rPr lang="de-DE" dirty="0" smtClean="0">
-                <a:solidFill>
-                  <a:schemeClr val="tx1"/>
-                </a:solidFill>
-              </a:rPr>
-              <a:t>Verteilung der Personen bei der Automatisierung der Simulation</a:t>
-            </a:r>
-            <a:endParaRPr lang="de-DE" dirty="0">
-              <a:solidFill>
-                <a:schemeClr val="tx1"/>
-              </a:solidFill>
-            </a:endParaRPr>
-          </a:p>
-          <a:p>
-            <a:pPr lvl="0"/>
-            <a:r>
-              <a:rPr lang="de-DE" dirty="0" smtClean="0">
-                <a:solidFill>
-                  <a:schemeClr val="tx1"/>
-                </a:solidFill>
-              </a:rPr>
-              <a:t>Testen der Software</a:t>
-            </a:r>
-            <a:endParaRPr lang="de-DE" dirty="0">
-              <a:solidFill>
-                <a:schemeClr val="tx1"/>
-              </a:solidFill>
-            </a:endParaRPr>
-          </a:p>
-          <a:p>
-            <a:pPr lvl="0"/>
-            <a:r>
-              <a:rPr lang="de-DE" dirty="0" smtClean="0">
-                <a:solidFill>
-                  <a:schemeClr val="tx1"/>
-                </a:solidFill>
-              </a:rPr>
-              <a:t>Datengenerierung und Datenbeauftragte</a:t>
-            </a:r>
-          </a:p>
-          <a:p>
-            <a:pPr lvl="0"/>
-            <a:r>
-              <a:rPr lang="de-DE" dirty="0" smtClean="0">
-                <a:solidFill>
-                  <a:schemeClr val="tx1"/>
-                </a:solidFill>
-              </a:rPr>
-              <a:t>Erstellen eines Technischen Berichts</a:t>
-            </a:r>
-          </a:p>
-          <a:p>
-            <a:pPr lvl="0"/>
-            <a:r>
-              <a:rPr lang="de-DE" dirty="0" smtClean="0">
-                <a:solidFill>
-                  <a:schemeClr val="tx1"/>
-                </a:solidFill>
-              </a:rPr>
-              <a:t>Aufbereitung der Daten nach Vorgaben des Fraunhofer Instituts</a:t>
-            </a:r>
-            <a:endParaRPr lang="de-DE" dirty="0" smtClean="0">
-              <a:solidFill>
-                <a:srgbClr val="FF0000"/>
-              </a:solidFill>
-            </a:endParaRPr>
-          </a:p>
-          <a:p>
-            <a:pPr lvl="0"/>
-            <a:r>
-              <a:rPr lang="de-DE" dirty="0" smtClean="0">
-                <a:solidFill>
-                  <a:schemeClr val="tx1"/>
-                </a:solidFill>
-              </a:rPr>
-              <a:t>Modellieren realistischer, variantenreicher Szenarien </a:t>
-            </a:r>
-          </a:p>
-          <a:p>
-            <a:pPr lvl="0"/>
-            <a:r>
-              <a:rPr lang="de-DE" dirty="0" smtClean="0">
-                <a:solidFill>
-                  <a:schemeClr val="tx1"/>
-                </a:solidFill>
-              </a:rPr>
-              <a:t>Simulieren realistischer, variantenreicher Szenarien</a:t>
-            </a:r>
-          </a:p>
-          <a:p>
-            <a:pPr lvl="0"/>
-            <a:r>
-              <a:rPr lang="de-DE" dirty="0" smtClean="0">
-                <a:solidFill>
-                  <a:schemeClr val="tx1"/>
-                </a:solidFill>
-              </a:rPr>
-              <a:t>Aktualisieren des </a:t>
-            </a:r>
-            <a:r>
-              <a:rPr lang="de-DE" b="1" dirty="0" smtClean="0">
-                <a:solidFill>
-                  <a:schemeClr val="tx1"/>
-                </a:solidFill>
-              </a:rPr>
-              <a:t>Trello Projektes</a:t>
-            </a:r>
-            <a:r>
-              <a:rPr lang="de-DE" dirty="0" smtClean="0">
-                <a:solidFill>
-                  <a:schemeClr val="tx1"/>
-                </a:solidFill>
-              </a:rPr>
-              <a:t>/</a:t>
-            </a:r>
-            <a:r>
-              <a:rPr lang="de-DE" dirty="0" err="1" smtClean="0">
-                <a:solidFill>
-                  <a:schemeClr val="tx1"/>
-                </a:solidFill>
-              </a:rPr>
-              <a:t>Repos</a:t>
-            </a:r>
-            <a:r>
-              <a:rPr lang="de-DE" dirty="0" smtClean="0">
-                <a:solidFill>
-                  <a:schemeClr val="tx1"/>
-                </a:solidFill>
-              </a:rPr>
-              <a:t>/Organisation der Treffen</a:t>
-            </a:r>
-          </a:p>
-          <a:p>
-            <a:pPr lvl="0"/>
-            <a:r>
-              <a:rPr lang="de-DE" dirty="0" smtClean="0">
-                <a:solidFill>
-                  <a:schemeClr val="tx1"/>
-                </a:solidFill>
-              </a:rPr>
-              <a:t>Erstellung einer Demo</a:t>
-            </a:r>
-          </a:p>
-          <a:p>
-            <a:r>
-              <a:rPr lang="de-DE" dirty="0" err="1" smtClean="0">
-                <a:solidFill>
-                  <a:schemeClr val="tx1"/>
-                </a:solidFill>
-              </a:rPr>
-              <a:t>Scrum</a:t>
-            </a:r>
-            <a:r>
-              <a:rPr lang="de-DE" dirty="0" smtClean="0">
-                <a:solidFill>
-                  <a:schemeClr val="tx1"/>
-                </a:solidFill>
-              </a:rPr>
-              <a:t> Master</a:t>
-            </a:r>
-            <a:endParaRPr lang="de-DE" dirty="0">
-              <a:solidFill>
-                <a:schemeClr val="tx1"/>
-              </a:solidFill>
-            </a:endParaRPr>
+            <a:r>
+              <a:rPr lang="de-DE" dirty="0" smtClean="0"/>
+              <a:t>Mit Pflege der </a:t>
+            </a:r>
+            <a:r>
+              <a:rPr lang="de-DE" dirty="0" err="1" smtClean="0"/>
+              <a:t>Trello</a:t>
+            </a:r>
+            <a:r>
+              <a:rPr lang="de-DE" dirty="0" smtClean="0"/>
+              <a:t>/Kanban Wand</a:t>
+            </a:r>
+          </a:p>
+          <a:p>
+            <a:r>
+              <a:rPr lang="de-DE" dirty="0" smtClean="0"/>
+              <a:t>Kontaktaufnahme </a:t>
+            </a:r>
+            <a:r>
+              <a:rPr lang="de-DE" dirty="0" err="1" smtClean="0"/>
+              <a:t>Frauenhofer</a:t>
+            </a:r>
+            <a:r>
+              <a:rPr lang="de-DE" dirty="0" smtClean="0"/>
+              <a:t> Institut für weitere Informationen</a:t>
+            </a:r>
+            <a:endParaRPr lang="de-DE" dirty="0"/>
           </a:p>
         </p:txBody>
       </p:sp>
     </p:spTree>
     <p:extLst>
       <p:ext uri="{BB962C8B-B14F-4D97-AF65-F5344CB8AC3E}">
-        <p14:creationId xmlns:p14="http://schemas.microsoft.com/office/powerpoint/2010/main" val="3625859517"/>
+        <p14:creationId xmlns:p14="http://schemas.microsoft.com/office/powerpoint/2010/main" val="4702168"/>
       </p:ext>
     </p:extLst>
   </p:cSld>
   <p:clrMapOvr>
     <a:masterClrMapping/>
   </p:clrMapOvr>
-  <p:transition spd="slow">
-    <p:push dir="u"/>
-  </p:transition>
-  <p:timing>
-    <p:tnLst>
-      <p:par>
-        <p:cTn id="1" dur="indefinite" restart="never" nodeType="tmRoot"/>
-      </p:par>
-    </p:tnLst>
-  </p:timing>
 </p:sld>
 </file>
 
@@ -11061,36 +10800,289 @@
       </p:grpSpPr>
       <p:sp>
         <p:nvSpPr>
-          <p:cNvPr id="2" name="Titel 1"/>
-          <p:cNvSpPr>
-            <a:spLocks noGrp="1"/>
-          </p:cNvSpPr>
-          <p:nvPr>
-            <p:ph type="ctrTitle"/>
+          <p:cNvPr id="2" name="Title 6">
+            <a:extLst>
+              <a:ext uri="{FF2B5EF4-FFF2-40B4-BE49-F238E27FC236}">
+                <a16:creationId xmlns:a16="http://schemas.microsoft.com/office/drawing/2014/main" xmlns="" id="{04F78A0C-BF40-4E0B-9FA4-AAAA57E3C4EF}"/>
+              </a:ext>
+            </a:extLst>
+          </p:cNvPr>
+          <p:cNvSpPr txBox="1">
+            <a:spLocks noGrp="1"/>
+          </p:cNvSpPr>
+          <p:nvPr>
+            <p:ph type="title"/>
           </p:nvPr>
         </p:nvSpPr>
         <p:spPr/>
         <p:txBody>
           <a:bodyPr>
-            <a:noAutofit/>
+            <a:normAutofit/>
           </a:bodyPr>
           <a:lstStyle/>
           <a:p>
-            <a:pPr algn="l"/>
-            <a:r>
-              <a:rPr lang="de-DE" sz="7000" dirty="0" smtClean="0">
-                <a:solidFill>
-                  <a:schemeClr val="bg1"/>
-                </a:solidFill>
-                <a:cs typeface="Times New Roman" panose="02020603050405020304" pitchFamily="18" charset="0"/>
-              </a:rPr>
-              <a:t>Rebecca</a:t>
-            </a:r>
-            <a:endParaRPr lang="de-DE" sz="7000" dirty="0">
+            <a:pPr lvl="0" algn="ctr"/>
+            <a:r>
+              <a:rPr lang="en-GB" sz="4500" dirty="0" smtClean="0"/>
+              <a:t>16,5%</a:t>
+            </a:r>
+            <a:endParaRPr lang="en-GB" sz="4500" dirty="0"/>
+          </a:p>
+        </p:txBody>
+      </p:sp>
+      <p:sp>
+        <p:nvSpPr>
+          <p:cNvPr id="3" name="Content Placeholder 7">
+            <a:extLst>
+              <a:ext uri="{FF2B5EF4-FFF2-40B4-BE49-F238E27FC236}">
+                <a16:creationId xmlns:a16="http://schemas.microsoft.com/office/drawing/2014/main" xmlns="" id="{3A52400E-A01D-4CCF-8280-EBE32B011F8E}"/>
+              </a:ext>
+            </a:extLst>
+          </p:cNvPr>
+          <p:cNvSpPr txBox="1">
+            <a:spLocks noGrp="1"/>
+          </p:cNvSpPr>
+          <p:nvPr>
+            <p:ph idx="1"/>
+          </p:nvPr>
+        </p:nvSpPr>
+        <p:spPr>
+          <a:xfrm>
+            <a:off x="3869268" y="174811"/>
+            <a:ext cx="7315200" cy="5984748"/>
+          </a:xfrm>
+        </p:spPr>
+        <p:txBody>
+          <a:bodyPr>
+            <a:normAutofit fontScale="92500" lnSpcReduction="10000"/>
+          </a:bodyPr>
+          <a:lstStyle/>
+          <a:p>
+            <a:pPr marL="0" lvl="0" indent="0">
+              <a:lnSpc>
+                <a:spcPct val="200000"/>
+              </a:lnSpc>
+              <a:buNone/>
+            </a:pPr>
+            <a:r>
+              <a:rPr lang="de-DE" sz="2800" dirty="0">
+                <a:solidFill>
+                  <a:schemeClr val="tx1"/>
+                </a:solidFill>
+              </a:rPr>
+              <a:t>Selbsteinschätzung:</a:t>
+            </a:r>
+          </a:p>
+          <a:p>
+            <a:pPr lvl="0"/>
+            <a:r>
+              <a:rPr lang="de-DE" b="1" dirty="0" smtClean="0">
+                <a:solidFill>
+                  <a:schemeClr val="tx1"/>
+                </a:solidFill>
+              </a:rPr>
+              <a:t>Recherche über die Filter der Datenvorverarbeitung</a:t>
+            </a:r>
+            <a:endParaRPr lang="de-DE" b="1" dirty="0">
               <a:solidFill>
-                <a:schemeClr val="bg1"/>
+                <a:schemeClr val="tx1"/>
               </a:solidFill>
-              <a:cs typeface="Times New Roman" panose="02020603050405020304" pitchFamily="18" charset="0"/>
+            </a:endParaRPr>
+          </a:p>
+          <a:p>
+            <a:pPr lvl="0"/>
+            <a:r>
+              <a:rPr lang="de-DE" b="1" dirty="0" smtClean="0">
+                <a:solidFill>
+                  <a:schemeClr val="tx1"/>
+                </a:solidFill>
+              </a:rPr>
+              <a:t>Implementierung der Filter</a:t>
+            </a:r>
+          </a:p>
+          <a:p>
+            <a:pPr lvl="0"/>
+            <a:r>
+              <a:rPr lang="de-DE" dirty="0" smtClean="0">
+                <a:solidFill>
+                  <a:schemeClr val="tx1"/>
+                </a:solidFill>
+              </a:rPr>
+              <a:t>Erstellen einer Dokumentation für die Skripte</a:t>
+            </a:r>
+            <a:endParaRPr lang="de-DE" dirty="0">
+              <a:solidFill>
+                <a:schemeClr val="tx1"/>
+              </a:solidFill>
+            </a:endParaRPr>
+          </a:p>
+          <a:p>
+            <a:pPr lvl="0"/>
+            <a:r>
+              <a:rPr lang="de-DE" dirty="0" smtClean="0">
+                <a:solidFill>
+                  <a:schemeClr val="tx1"/>
+                </a:solidFill>
+              </a:rPr>
+              <a:t>Verteilung der Personen bei der Automatisierung der Simulation</a:t>
+            </a:r>
+            <a:endParaRPr lang="de-DE" dirty="0">
+              <a:solidFill>
+                <a:schemeClr val="tx1"/>
+              </a:solidFill>
+            </a:endParaRPr>
+          </a:p>
+          <a:p>
+            <a:pPr lvl="0"/>
+            <a:r>
+              <a:rPr lang="de-DE" dirty="0" smtClean="0">
+                <a:solidFill>
+                  <a:schemeClr val="tx1"/>
+                </a:solidFill>
+              </a:rPr>
+              <a:t>Testen der Software</a:t>
+            </a:r>
+            <a:endParaRPr lang="de-DE" dirty="0">
+              <a:solidFill>
+                <a:schemeClr val="tx1"/>
+              </a:solidFill>
+            </a:endParaRPr>
+          </a:p>
+          <a:p>
+            <a:pPr lvl="0"/>
+            <a:r>
+              <a:rPr lang="de-DE" dirty="0" smtClean="0">
+                <a:solidFill>
+                  <a:schemeClr val="tx1"/>
+                </a:solidFill>
+              </a:rPr>
+              <a:t>Datengenerierung und Datenbeauftragte</a:t>
+            </a:r>
+          </a:p>
+          <a:p>
+            <a:pPr lvl="0"/>
+            <a:r>
+              <a:rPr lang="de-DE" dirty="0" smtClean="0">
+                <a:solidFill>
+                  <a:schemeClr val="tx1"/>
+                </a:solidFill>
+              </a:rPr>
+              <a:t>Erstellen eines Technischen Berichts</a:t>
+            </a:r>
+          </a:p>
+          <a:p>
+            <a:pPr lvl="0"/>
+            <a:r>
+              <a:rPr lang="de-DE" dirty="0" smtClean="0">
+                <a:solidFill>
+                  <a:schemeClr val="tx1"/>
+                </a:solidFill>
+              </a:rPr>
+              <a:t>Aufbereitung der Daten nach Vorgaben des Fraunhofer Instituts</a:t>
+            </a:r>
+            <a:endParaRPr lang="de-DE" dirty="0" smtClean="0">
+              <a:solidFill>
+                <a:srgbClr val="FF0000"/>
+              </a:solidFill>
+            </a:endParaRPr>
+          </a:p>
+          <a:p>
+            <a:pPr lvl="0"/>
+            <a:r>
+              <a:rPr lang="de-DE" dirty="0" smtClean="0">
+                <a:solidFill>
+                  <a:schemeClr val="tx1"/>
+                </a:solidFill>
+              </a:rPr>
+              <a:t>Modellieren realistischer, variantenreicher Szenarien </a:t>
+            </a:r>
+          </a:p>
+          <a:p>
+            <a:pPr lvl="0"/>
+            <a:r>
+              <a:rPr lang="de-DE" dirty="0" smtClean="0">
+                <a:solidFill>
+                  <a:schemeClr val="tx1"/>
+                </a:solidFill>
+              </a:rPr>
+              <a:t>Simulieren realistischer, variantenreicher Szenarien</a:t>
+            </a:r>
+          </a:p>
+          <a:p>
+            <a:pPr lvl="0"/>
+            <a:r>
+              <a:rPr lang="de-DE" dirty="0" smtClean="0">
+                <a:solidFill>
+                  <a:schemeClr val="tx1"/>
+                </a:solidFill>
+              </a:rPr>
+              <a:t>Aktualisieren des </a:t>
+            </a:r>
+            <a:r>
+              <a:rPr lang="de-DE" b="1" dirty="0" smtClean="0">
+                <a:solidFill>
+                  <a:schemeClr val="tx1"/>
+                </a:solidFill>
+              </a:rPr>
+              <a:t>Trello Projektes</a:t>
+            </a:r>
+            <a:r>
+              <a:rPr lang="de-DE" dirty="0" smtClean="0">
+                <a:solidFill>
+                  <a:schemeClr val="tx1"/>
+                </a:solidFill>
+              </a:rPr>
+              <a:t>/</a:t>
+            </a:r>
+            <a:r>
+              <a:rPr lang="de-DE" dirty="0" err="1" smtClean="0">
+                <a:solidFill>
+                  <a:schemeClr val="tx1"/>
+                </a:solidFill>
+              </a:rPr>
+              <a:t>Repos</a:t>
+            </a:r>
+            <a:r>
+              <a:rPr lang="de-DE" dirty="0" smtClean="0">
+                <a:solidFill>
+                  <a:schemeClr val="tx1"/>
+                </a:solidFill>
+              </a:rPr>
+              <a:t>/Organisation der Treffen</a:t>
+            </a:r>
+          </a:p>
+          <a:p>
+            <a:pPr lvl="0"/>
+            <a:r>
+              <a:rPr lang="de-DE" dirty="0" smtClean="0">
+                <a:solidFill>
+                  <a:schemeClr val="tx1"/>
+                </a:solidFill>
+              </a:rPr>
+              <a:t>Erstellung einer Demo</a:t>
+            </a:r>
+          </a:p>
+          <a:p>
+            <a:r>
+              <a:rPr lang="de-DE" dirty="0" err="1" smtClean="0">
+                <a:solidFill>
+                  <a:schemeClr val="tx1"/>
+                </a:solidFill>
+              </a:rPr>
+              <a:t>Scrum</a:t>
+            </a:r>
+            <a:r>
+              <a:rPr lang="de-DE" dirty="0" smtClean="0">
+                <a:solidFill>
+                  <a:schemeClr val="tx1"/>
+                </a:solidFill>
+              </a:rPr>
+              <a:t> Master</a:t>
+            </a:r>
+            <a:endParaRPr lang="de-DE" dirty="0">
+              <a:solidFill>
+                <a:schemeClr val="tx1"/>
+              </a:solidFill>
             </a:endParaRPr>
           </a:p>
         </p:txBody>
@@ -11098,7 +11090,7 @@
     </p:spTree>
     <p:extLst>
       <p:ext uri="{BB962C8B-B14F-4D97-AF65-F5344CB8AC3E}">
-        <p14:creationId xmlns:p14="http://schemas.microsoft.com/office/powerpoint/2010/main" val="2661106770"/>
+        <p14:creationId xmlns:p14="http://schemas.microsoft.com/office/powerpoint/2010/main" val="3625859517"/>
       </p:ext>
     </p:extLst>
   </p:cSld>
@@ -11137,105 +11129,60 @@
       </p:grpSpPr>
       <p:sp>
         <p:nvSpPr>
-          <p:cNvPr id="2" name="Titel 1">
-            <a:extLst>
-              <a:ext uri="{FF2B5EF4-FFF2-40B4-BE49-F238E27FC236}">
-                <a16:creationId xmlns:a16="http://schemas.microsoft.com/office/drawing/2014/main" xmlns="" id="{7C466F08-D41F-B44B-878A-0F6156E05756}"/>
-              </a:ext>
-            </a:extLst>
-          </p:cNvPr>
+          <p:cNvPr id="2" name="Titel 1"/>
           <p:cNvSpPr>
             <a:spLocks noGrp="1"/>
           </p:cNvSpPr>
           <p:nvPr>
-            <p:ph type="title"/>
+            <p:ph type="ctrTitle"/>
           </p:nvPr>
         </p:nvSpPr>
         <p:spPr/>
         <p:txBody>
-          <a:bodyPr/>
+          <a:bodyPr>
+            <a:noAutofit/>
+          </a:bodyPr>
           <a:lstStyle/>
           <a:p>
-            <a:r>
-              <a:rPr lang="de-DE"/>
-              <a:t>Aufgaben Sprint 2</a:t>
-            </a:r>
-          </a:p>
-        </p:txBody>
-      </p:sp>
-      <p:sp>
-        <p:nvSpPr>
-          <p:cNvPr id="3" name="Inhaltsplatzhalter 2">
-            <a:extLst>
-              <a:ext uri="{FF2B5EF4-FFF2-40B4-BE49-F238E27FC236}">
-                <a16:creationId xmlns:a16="http://schemas.microsoft.com/office/drawing/2014/main" xmlns="" id="{3652AF28-3647-BC42-BE24-88ACBF436C67}"/>
-              </a:ext>
-            </a:extLst>
-          </p:cNvPr>
-          <p:cNvSpPr>
-            <a:spLocks noGrp="1"/>
-          </p:cNvSpPr>
-          <p:nvPr>
-            <p:ph idx="1"/>
-          </p:nvPr>
-        </p:nvSpPr>
-        <p:spPr>
-          <a:xfrm>
-            <a:off x="3869268" y="864108"/>
-            <a:ext cx="7315200" cy="5120640"/>
-          </a:xfrm>
-        </p:spPr>
-        <p:txBody>
-          <a:bodyPr/>
-          <a:lstStyle/>
-          <a:p>
-            <a:r>
-              <a:rPr lang="de-DE"/>
-              <a:t>Datenbeauftragte</a:t>
-            </a:r>
-          </a:p>
-          <a:p>
-            <a:pPr lvl="1"/>
-            <a:r>
-              <a:rPr lang="de-DE"/>
-              <a:t>Besprechung mit den Maschin Learning Gruppen</a:t>
-            </a:r>
-          </a:p>
-          <a:p>
-            <a:pPr lvl="1"/>
-            <a:r>
-              <a:rPr lang="de-DE"/>
-              <a:t>Erstellen der Dichte und Trajektorien Daten</a:t>
-            </a:r>
-          </a:p>
-          <a:p>
-            <a:r>
-              <a:rPr lang="de-DE"/>
-              <a:t>Kontiniuierliche Simulationsdaten</a:t>
-            </a:r>
-          </a:p>
-          <a:p>
-            <a:r>
-              <a:rPr lang="de-DE"/>
-              <a:t>Neues Trajectorien Format</a:t>
-            </a:r>
-          </a:p>
-          <a:p>
-            <a:pPr lvl="1"/>
-            <a:endParaRPr lang="de-DE"/>
+            <a:pPr algn="l"/>
+            <a:r>
+              <a:rPr lang="de-DE" sz="7000" dirty="0" smtClean="0">
+                <a:solidFill>
+                  <a:schemeClr val="bg1"/>
+                </a:solidFill>
+                <a:cs typeface="Times New Roman" panose="02020603050405020304" pitchFamily="18" charset="0"/>
+              </a:rPr>
+              <a:t>Rebecca</a:t>
+            </a:r>
+            <a:endParaRPr lang="de-DE" sz="7000" dirty="0">
+              <a:solidFill>
+                <a:schemeClr val="bg1"/>
+              </a:solidFill>
+              <a:cs typeface="Times New Roman" panose="02020603050405020304" pitchFamily="18" charset="0"/>
+            </a:endParaRPr>
           </a:p>
         </p:txBody>
       </p:sp>
     </p:spTree>
     <p:extLst>
       <p:ext uri="{BB962C8B-B14F-4D97-AF65-F5344CB8AC3E}">
-        <p14:creationId xmlns:p14="http://schemas.microsoft.com/office/powerpoint/2010/main" val="3341924957"/>
+        <p14:creationId xmlns:p14="http://schemas.microsoft.com/office/powerpoint/2010/main" val="2661106770"/>
       </p:ext>
     </p:extLst>
   </p:cSld>
   <p:clrMapOvr>
     <a:masterClrMapping/>
   </p:clrMapOvr>
+  <p:transition spd="slow">
+    <p:push dir="u"/>
+  </p:transition>
+  <p:timing>
+    <p:tnLst>
+      <p:par>
+        <p:cTn id="1" dur="indefinite" restart="never" nodeType="tmRoot"/>
+      </p:par>
+    </p:tnLst>
+  </p:timing>
 </p:sld>
 </file>
 
@@ -11261,7 +11208,7 @@
           <p:cNvPr id="2" name="Titel 1">
             <a:extLst>
               <a:ext uri="{FF2B5EF4-FFF2-40B4-BE49-F238E27FC236}">
-                <a16:creationId xmlns:a16="http://schemas.microsoft.com/office/drawing/2014/main" xmlns="" id="{5550C5C1-77F3-5640-BC82-0B04B277E2EC}"/>
+                <a16:creationId xmlns="" xmlns:a16="http://schemas.microsoft.com/office/drawing/2014/main" id="{7C466F08-D41F-B44B-878A-0F6156E05756}"/>
               </a:ext>
             </a:extLst>
           </p:cNvPr>
@@ -11279,7 +11226,7 @@
           <a:p>
             <a:r>
               <a:rPr lang="de-DE"/>
-              <a:t>Daten</a:t>
+              <a:t>Aufgaben Sprint 2</a:t>
             </a:r>
           </a:p>
         </p:txBody>
@@ -11289,7 +11236,7 @@
           <p:cNvPr id="3" name="Inhaltsplatzhalter 2">
             <a:extLst>
               <a:ext uri="{FF2B5EF4-FFF2-40B4-BE49-F238E27FC236}">
-                <a16:creationId xmlns:a16="http://schemas.microsoft.com/office/drawing/2014/main" xmlns="" id="{C114DB1C-4BDC-994A-8978-6E886BDF613A}"/>
+                <a16:creationId xmlns="" xmlns:a16="http://schemas.microsoft.com/office/drawing/2014/main" id="{3652AF28-3647-BC42-BE24-88ACBF436C67}"/>
               </a:ext>
             </a:extLst>
           </p:cNvPr>
@@ -11300,123 +11247,57 @@
             <p:ph idx="1"/>
           </p:nvPr>
         </p:nvSpPr>
-        <p:spPr/>
+        <p:spPr>
+          <a:xfrm>
+            <a:off x="3869268" y="864108"/>
+            <a:ext cx="7315200" cy="5120640"/>
+          </a:xfrm>
+        </p:spPr>
         <p:txBody>
           <a:bodyPr/>
           <a:lstStyle/>
           <a:p>
-            <a:pPr marL="0" indent="0">
-              <a:buNone/>
-            </a:pPr>
-            <a:r>
-              <a:rPr lang="de-DE" dirty="0"/>
-              <a:t>Aufgaben als </a:t>
-            </a:r>
-            <a:r>
-              <a:rPr lang="de-DE" dirty="0" smtClean="0"/>
-              <a:t>Datenbeauftragte:</a:t>
-            </a:r>
-            <a:endParaRPr lang="de-DE" dirty="0"/>
-          </a:p>
-          <a:p>
-            <a:r>
-              <a:rPr lang="de-DE" dirty="0"/>
-              <a:t>Besprechung mit </a:t>
-            </a:r>
-            <a:r>
-              <a:rPr lang="de-DE" dirty="0" err="1"/>
-              <a:t>Maschin</a:t>
-            </a:r>
-            <a:r>
-              <a:rPr lang="de-DE" dirty="0"/>
-              <a:t> Learning Gruppen</a:t>
+            <a:r>
+              <a:rPr lang="de-DE"/>
+              <a:t>Datenbeauftragte</a:t>
             </a:r>
           </a:p>
           <a:p>
             <a:pPr lvl="1"/>
             <a:r>
-              <a:rPr lang="de-DE" dirty="0"/>
-              <a:t>Welche Daten? </a:t>
+              <a:rPr lang="de-DE"/>
+              <a:t>Besprechung mit den Maschin Learning Gruppen</a:t>
             </a:r>
           </a:p>
           <a:p>
             <a:pPr lvl="1"/>
             <a:r>
-              <a:rPr lang="de-DE" dirty="0"/>
-              <a:t>Welche Parameter?  Framerate, Resolution, Zeitausschnitt </a:t>
-            </a:r>
-            <a:r>
-              <a:rPr lang="de-DE" dirty="0" err="1"/>
-              <a:t>ect</a:t>
-            </a:r>
-            <a:r>
-              <a:rPr lang="de-DE" dirty="0"/>
-              <a:t>.</a:t>
+              <a:rPr lang="de-DE"/>
+              <a:t>Erstellen der Dichte und Trajektorien Daten</a:t>
+            </a:r>
+          </a:p>
+          <a:p>
+            <a:r>
+              <a:rPr lang="de-DE"/>
+              <a:t>Kontiniuierliche Simulationsdaten</a:t>
+            </a:r>
+          </a:p>
+          <a:p>
+            <a:r>
+              <a:rPr lang="de-DE"/>
+              <a:t>Neues Trajectorien Format</a:t>
             </a:r>
           </a:p>
           <a:p>
             <a:pPr lvl="1"/>
-            <a:r>
-              <a:rPr lang="de-DE" dirty="0"/>
-              <a:t>Welche Kamera </a:t>
-            </a:r>
-            <a:r>
-              <a:rPr lang="de-DE" dirty="0" err="1"/>
-              <a:t>Possitionen</a:t>
-            </a:r>
-            <a:r>
-              <a:rPr lang="de-DE" dirty="0"/>
-              <a:t>? Variation der Kamera Größe</a:t>
-            </a:r>
-          </a:p>
-          <a:p>
-            <a:r>
-              <a:rPr lang="de-DE" dirty="0"/>
-              <a:t>Generieren der Daten aus den Output Files von Vadere</a:t>
-            </a:r>
-          </a:p>
-          <a:p>
-            <a:r>
-              <a:rPr lang="de-DE" dirty="0"/>
-              <a:t>Dokumentation der Daten</a:t>
-            </a:r>
-          </a:p>
-          <a:p>
-            <a:pPr lvl="1"/>
-            <a:r>
-              <a:rPr lang="de-DE" dirty="0"/>
-              <a:t>attributes.txt</a:t>
-            </a:r>
-          </a:p>
-          <a:p>
-            <a:pPr lvl="1"/>
-            <a:r>
-              <a:rPr lang="de-DE" dirty="0" err="1"/>
-              <a:t>Excle</a:t>
-            </a:r>
-            <a:r>
-              <a:rPr lang="de-DE" dirty="0"/>
-              <a:t> </a:t>
-            </a:r>
-          </a:p>
-          <a:p>
-            <a:pPr lvl="1"/>
-            <a:endParaRPr lang="de-DE" dirty="0"/>
-          </a:p>
-          <a:p>
-            <a:pPr lvl="1"/>
-            <a:endParaRPr lang="de-DE" dirty="0"/>
-          </a:p>
-          <a:p>
-            <a:pPr lvl="1"/>
-            <a:endParaRPr lang="de-DE" dirty="0"/>
+            <a:endParaRPr lang="de-DE"/>
           </a:p>
         </p:txBody>
       </p:sp>
     </p:spTree>
     <p:extLst>
       <p:ext uri="{BB962C8B-B14F-4D97-AF65-F5344CB8AC3E}">
-        <p14:creationId xmlns:p14="http://schemas.microsoft.com/office/powerpoint/2010/main" val="1353358236"/>
+        <p14:creationId xmlns:p14="http://schemas.microsoft.com/office/powerpoint/2010/main" val="3341924957"/>
       </p:ext>
     </p:extLst>
   </p:cSld>
@@ -11448,7 +11329,7 @@
           <p:cNvPr id="2" name="Titel 1">
             <a:extLst>
               <a:ext uri="{FF2B5EF4-FFF2-40B4-BE49-F238E27FC236}">
-                <a16:creationId xmlns:a16="http://schemas.microsoft.com/office/drawing/2014/main" xmlns="" id="{07E07690-01B7-F746-A7E6-8FB0DD43EBBC}"/>
+                <a16:creationId xmlns="" xmlns:a16="http://schemas.microsoft.com/office/drawing/2014/main" id="{5550C5C1-77F3-5640-BC82-0B04B277E2EC}"/>
               </a:ext>
             </a:extLst>
           </p:cNvPr>
@@ -11466,7 +11347,7 @@
           <a:p>
             <a:r>
               <a:rPr lang="de-DE"/>
-              <a:t>Trajectories</a:t>
+              <a:t>Daten</a:t>
             </a:r>
           </a:p>
         </p:txBody>
@@ -11476,7 +11357,7 @@
           <p:cNvPr id="3" name="Inhaltsplatzhalter 2">
             <a:extLst>
               <a:ext uri="{FF2B5EF4-FFF2-40B4-BE49-F238E27FC236}">
-                <a16:creationId xmlns:a16="http://schemas.microsoft.com/office/drawing/2014/main" xmlns="" id="{F341579B-468C-034A-AF55-E85B57B64D58}"/>
+                <a16:creationId xmlns="" xmlns:a16="http://schemas.microsoft.com/office/drawing/2014/main" id="{C114DB1C-4BDC-994A-8978-6E886BDF613A}"/>
               </a:ext>
             </a:extLst>
           </p:cNvPr>
@@ -11496,65 +11377,114 @@
               <a:buNone/>
             </a:pPr>
             <a:r>
-              <a:rPr lang="de-DE"/>
-              <a:t>Neues Format für Trajektorien:</a:t>
-            </a:r>
-          </a:p>
-          <a:p>
-            <a:r>
-              <a:rPr lang="de-DE"/>
-              <a:t>Problem: altes Format der Trajektorien enthielt den Wert -1 falls die Person nicht mehr im Kamera Ausschnit ist. NN konnte damit nicht richtig lernen.</a:t>
-            </a:r>
-          </a:p>
-          <a:p>
-            <a:r>
-              <a:rPr lang="de-DE"/>
-              <a:t>Vorschlag der Maschin Learning Gruppen: Zeit unabhangige Trajektorien Daten</a:t>
-            </a:r>
-          </a:p>
-          <a:p>
-            <a:r>
-              <a:rPr lang="de-DE"/>
-              <a:t>Neues Format:</a:t>
+              <a:rPr lang="de-DE" dirty="0"/>
+              <a:t>Aufgaben als </a:t>
+            </a:r>
+            <a:r>
+              <a:rPr lang="de-DE" dirty="0" smtClean="0"/>
+              <a:t>Datenbeauftragte:</a:t>
+            </a:r>
+            <a:endParaRPr lang="de-DE" dirty="0"/>
+          </a:p>
+          <a:p>
+            <a:r>
+              <a:rPr lang="de-DE" dirty="0"/>
+              <a:t>Besprechung mit </a:t>
+            </a:r>
+            <a:r>
+              <a:rPr lang="de-DE" dirty="0" err="1"/>
+              <a:t>Maschin</a:t>
+            </a:r>
+            <a:r>
+              <a:rPr lang="de-DE" dirty="0"/>
+              <a:t> Learning Gruppen</a:t>
             </a:r>
           </a:p>
           <a:p>
             <a:pPr lvl="1"/>
             <a:r>
-              <a:rPr lang="de-DE"/>
-              <a:t>Unterteilung in Intervalle an hand größren Schrittes aller Personen</a:t>
+              <a:rPr lang="de-DE" dirty="0"/>
+              <a:t>Welche Daten? </a:t>
             </a:r>
           </a:p>
           <a:p>
             <a:pPr lvl="1"/>
             <a:r>
-              <a:rPr lang="de-DE"/>
-              <a:t>Pro Intervall immer nur ein Schritt behalten</a:t>
+              <a:rPr lang="de-DE" dirty="0"/>
+              <a:t>Welche Parameter?  Framerate, Resolution, Zeitausschnitt </a:t>
+            </a:r>
+            <a:r>
+              <a:rPr lang="de-DE" dirty="0" err="1"/>
+              <a:t>ect</a:t>
+            </a:r>
+            <a:r>
+              <a:rPr lang="de-DE" dirty="0"/>
+              <a:t>.</a:t>
             </a:r>
           </a:p>
           <a:p>
             <a:pPr lvl="1"/>
             <a:r>
-              <a:rPr lang="de-DE"/>
-              <a:t>Ergebniss: Alle trajektorien haben die gleiche Anzahl an Schritten</a:t>
-            </a:r>
-          </a:p>
-          <a:p>
-            <a:endParaRPr lang="de-DE"/>
+              <a:rPr lang="de-DE" dirty="0"/>
+              <a:t>Welche Kamera </a:t>
+            </a:r>
+            <a:r>
+              <a:rPr lang="de-DE" dirty="0" err="1"/>
+              <a:t>Possitionen</a:t>
+            </a:r>
+            <a:r>
+              <a:rPr lang="de-DE" dirty="0"/>
+              <a:t>? Variation der Kamera Größe</a:t>
+            </a:r>
+          </a:p>
+          <a:p>
+            <a:r>
+              <a:rPr lang="de-DE" dirty="0"/>
+              <a:t>Generieren der Daten aus den Output Files von Vadere</a:t>
+            </a:r>
+          </a:p>
+          <a:p>
+            <a:r>
+              <a:rPr lang="de-DE" dirty="0"/>
+              <a:t>Dokumentation der Daten</a:t>
+            </a:r>
           </a:p>
           <a:p>
             <a:pPr lvl="1"/>
-            <a:endParaRPr lang="de-DE"/>
-          </a:p>
-          <a:p>
-            <a:endParaRPr lang="de-DE"/>
+            <a:r>
+              <a:rPr lang="de-DE" dirty="0"/>
+              <a:t>attributes.txt</a:t>
+            </a:r>
+          </a:p>
+          <a:p>
+            <a:pPr lvl="1"/>
+            <a:r>
+              <a:rPr lang="de-DE" dirty="0" err="1"/>
+              <a:t>Excle</a:t>
+            </a:r>
+            <a:r>
+              <a:rPr lang="de-DE" dirty="0"/>
+              <a:t> </a:t>
+            </a:r>
+          </a:p>
+          <a:p>
+            <a:pPr lvl="1"/>
+            <a:endParaRPr lang="de-DE" dirty="0"/>
+          </a:p>
+          <a:p>
+            <a:pPr lvl="1"/>
+            <a:endParaRPr lang="de-DE" dirty="0"/>
+          </a:p>
+          <a:p>
+            <a:pPr lvl="1"/>
+            <a:endParaRPr lang="de-DE" dirty="0"/>
           </a:p>
         </p:txBody>
       </p:sp>
     </p:spTree>
     <p:extLst>
       <p:ext uri="{BB962C8B-B14F-4D97-AF65-F5344CB8AC3E}">
-        <p14:creationId xmlns:p14="http://schemas.microsoft.com/office/powerpoint/2010/main" val="1039519784"/>
+        <p14:creationId xmlns:p14="http://schemas.microsoft.com/office/powerpoint/2010/main" val="1353358236"/>
       </p:ext>
     </p:extLst>
   </p:cSld>
@@ -11583,14 +11513,14 @@
       </p:grpSpPr>
       <p:sp>
         <p:nvSpPr>
-          <p:cNvPr id="2" name="Title 6">
+          <p:cNvPr id="2" name="Titel 1">
             <a:extLst>
               <a:ext uri="{FF2B5EF4-FFF2-40B4-BE49-F238E27FC236}">
-                <a16:creationId xmlns="" xmlns:a16="http://schemas.microsoft.com/office/drawing/2014/main" id="{04F78A0C-BF40-4E0B-9FA4-AAAA57E3C4EF}"/>
+                <a16:creationId xmlns="" xmlns:a16="http://schemas.microsoft.com/office/drawing/2014/main" id="{07E07690-01B7-F746-A7E6-8FB0DD43EBBC}"/>
               </a:ext>
             </a:extLst>
           </p:cNvPr>
-          <p:cNvSpPr txBox="1">
+          <p:cNvSpPr>
             <a:spLocks noGrp="1"/>
           </p:cNvSpPr>
           <p:nvPr>
@@ -11599,281 +11529,106 @@
         </p:nvSpPr>
         <p:spPr/>
         <p:txBody>
-          <a:bodyPr>
-            <a:normAutofit/>
-          </a:bodyPr>
+          <a:bodyPr/>
           <a:lstStyle/>
           <a:p>
-            <a:pPr lvl="0" algn="ctr"/>
-            <a:r>
-              <a:rPr lang="en-GB" sz="4500" dirty="0" smtClean="0"/>
-              <a:t>16,5%</a:t>
-            </a:r>
-            <a:endParaRPr lang="en-GB" sz="4500" dirty="0"/>
-          </a:p>
-        </p:txBody>
-      </p:sp>
-      <p:sp>
-        <p:nvSpPr>
-          <p:cNvPr id="3" name="Content Placeholder 7">
+            <a:r>
+              <a:rPr lang="de-DE"/>
+              <a:t>Trajectories</a:t>
+            </a:r>
+          </a:p>
+        </p:txBody>
+      </p:sp>
+      <p:sp>
+        <p:nvSpPr>
+          <p:cNvPr id="3" name="Inhaltsplatzhalter 2">
             <a:extLst>
               <a:ext uri="{FF2B5EF4-FFF2-40B4-BE49-F238E27FC236}">
-                <a16:creationId xmlns="" xmlns:a16="http://schemas.microsoft.com/office/drawing/2014/main" id="{3A52400E-A01D-4CCF-8280-EBE32B011F8E}"/>
+                <a16:creationId xmlns="" xmlns:a16="http://schemas.microsoft.com/office/drawing/2014/main" id="{F341579B-468C-034A-AF55-E85B57B64D58}"/>
               </a:ext>
             </a:extLst>
           </p:cNvPr>
-          <p:cNvSpPr txBox="1">
+          <p:cNvSpPr>
             <a:spLocks noGrp="1"/>
           </p:cNvSpPr>
           <p:nvPr>
             <p:ph idx="1"/>
           </p:nvPr>
         </p:nvSpPr>
-        <p:spPr>
-          <a:xfrm>
-            <a:off x="3869268" y="174811"/>
-            <a:ext cx="7315200" cy="5984748"/>
-          </a:xfrm>
-        </p:spPr>
-        <p:txBody>
-          <a:bodyPr>
-            <a:normAutofit fontScale="92500" lnSpcReduction="10000"/>
-          </a:bodyPr>
+        <p:spPr/>
+        <p:txBody>
+          <a:bodyPr/>
           <a:lstStyle/>
           <a:p>
-            <a:pPr marL="0" lvl="0" indent="0">
-              <a:lnSpc>
-                <a:spcPct val="200000"/>
-              </a:lnSpc>
+            <a:pPr marL="0" indent="0">
               <a:buNone/>
             </a:pPr>
             <a:r>
-              <a:rPr lang="de-DE" sz="2800" dirty="0">
-                <a:solidFill>
-                  <a:schemeClr val="tx1"/>
-                </a:solidFill>
-              </a:rPr>
-              <a:t>Selbsteinschätzung:</a:t>
-            </a:r>
-          </a:p>
-          <a:p>
-            <a:pPr lvl="0"/>
-            <a:r>
-              <a:rPr lang="de-DE" dirty="0" smtClean="0">
-                <a:solidFill>
-                  <a:schemeClr val="tx1"/>
-                </a:solidFill>
-              </a:rPr>
-              <a:t>Recherche über die Filter der Datenvorverarbeitung</a:t>
-            </a:r>
-            <a:endParaRPr lang="de-DE" dirty="0">
-              <a:solidFill>
-                <a:schemeClr val="tx1"/>
-              </a:solidFill>
-            </a:endParaRPr>
-          </a:p>
-          <a:p>
-            <a:pPr lvl="0"/>
-            <a:r>
-              <a:rPr lang="de-DE" dirty="0" smtClean="0">
-                <a:solidFill>
-                  <a:schemeClr val="tx1"/>
-                </a:solidFill>
-              </a:rPr>
-              <a:t>Implementierung der Filter</a:t>
-            </a:r>
-          </a:p>
-          <a:p>
-            <a:pPr lvl="0"/>
-            <a:r>
-              <a:rPr lang="de-DE" dirty="0" smtClean="0">
-                <a:solidFill>
-                  <a:schemeClr val="tx1"/>
-                </a:solidFill>
-              </a:rPr>
-              <a:t>Erstellen einer Dokumentation für die Skripte</a:t>
-            </a:r>
-            <a:endParaRPr lang="de-DE" dirty="0">
-              <a:solidFill>
-                <a:schemeClr val="tx1"/>
-              </a:solidFill>
-            </a:endParaRPr>
-          </a:p>
-          <a:p>
-            <a:pPr lvl="0"/>
-            <a:r>
-              <a:rPr lang="de-DE" dirty="0" smtClean="0">
-                <a:solidFill>
-                  <a:schemeClr val="tx1"/>
-                </a:solidFill>
-              </a:rPr>
-              <a:t>Verteilung der Personen bei der Automatisierung der Simulation</a:t>
-            </a:r>
-            <a:endParaRPr lang="de-DE" dirty="0">
-              <a:solidFill>
-                <a:schemeClr val="tx1"/>
-              </a:solidFill>
-            </a:endParaRPr>
-          </a:p>
-          <a:p>
-            <a:pPr lvl="0"/>
-            <a:r>
-              <a:rPr lang="de-DE" dirty="0" smtClean="0">
-                <a:solidFill>
-                  <a:schemeClr val="tx1"/>
-                </a:solidFill>
-              </a:rPr>
-              <a:t>Testen der Software</a:t>
-            </a:r>
-            <a:endParaRPr lang="de-DE" dirty="0">
-              <a:solidFill>
-                <a:schemeClr val="tx1"/>
-              </a:solidFill>
-            </a:endParaRPr>
-          </a:p>
-          <a:p>
-            <a:pPr lvl="0"/>
-            <a:r>
-              <a:rPr lang="de-DE" b="1" dirty="0" smtClean="0">
-                <a:solidFill>
-                  <a:schemeClr val="tx1"/>
-                </a:solidFill>
-              </a:rPr>
-              <a:t>Datengenerierung und Datenbeauftragte</a:t>
-            </a:r>
-          </a:p>
-          <a:p>
-            <a:pPr lvl="0"/>
-            <a:r>
-              <a:rPr lang="de-DE" dirty="0" smtClean="0">
-                <a:solidFill>
-                  <a:schemeClr val="tx1"/>
-                </a:solidFill>
-              </a:rPr>
-              <a:t>Erstellen eines Technischen Berichts</a:t>
-            </a:r>
-          </a:p>
-          <a:p>
-            <a:pPr lvl="0"/>
-            <a:r>
-              <a:rPr lang="de-DE" dirty="0" smtClean="0">
-                <a:solidFill>
-                  <a:schemeClr val="tx1"/>
-                </a:solidFill>
-              </a:rPr>
-              <a:t>Aufbereitung der Daten nach Vorgaben des Fraunhofer Instituts</a:t>
-            </a:r>
-            <a:endParaRPr lang="de-DE" dirty="0" smtClean="0">
-              <a:solidFill>
-                <a:srgbClr val="FF0000"/>
-              </a:solidFill>
-            </a:endParaRPr>
-          </a:p>
-          <a:p>
-            <a:pPr lvl="0"/>
-            <a:r>
-              <a:rPr lang="de-DE" b="1" dirty="0" smtClean="0">
-                <a:solidFill>
-                  <a:schemeClr val="tx1"/>
-                </a:solidFill>
-              </a:rPr>
-              <a:t>Modellieren realistischer, variantenreicher Szenarien </a:t>
-            </a:r>
-          </a:p>
-          <a:p>
-            <a:pPr lvl="0"/>
-            <a:r>
-              <a:rPr lang="de-DE" dirty="0" smtClean="0">
-                <a:solidFill>
-                  <a:schemeClr val="tx1"/>
-                </a:solidFill>
-              </a:rPr>
-              <a:t>Simulieren realistischer, variantenreicher Szenarien</a:t>
-            </a:r>
-          </a:p>
-          <a:p>
-            <a:pPr lvl="0"/>
-            <a:r>
-              <a:rPr lang="de-DE" b="1" dirty="0" smtClean="0">
-                <a:solidFill>
-                  <a:schemeClr val="tx1"/>
-                </a:solidFill>
-              </a:rPr>
-              <a:t>Aktualisieren des Trello Projektes/</a:t>
-            </a:r>
-            <a:r>
-              <a:rPr lang="de-DE" b="1" dirty="0" err="1" smtClean="0">
-                <a:solidFill>
-                  <a:schemeClr val="tx1"/>
-                </a:solidFill>
-              </a:rPr>
-              <a:t>Repos</a:t>
-            </a:r>
-            <a:r>
-              <a:rPr lang="de-DE" b="1" dirty="0" smtClean="0">
-                <a:solidFill>
-                  <a:schemeClr val="tx1"/>
-                </a:solidFill>
-              </a:rPr>
-              <a:t>/Organisation der Treffen</a:t>
-            </a:r>
-          </a:p>
-          <a:p>
-            <a:pPr lvl="0"/>
-            <a:r>
-              <a:rPr lang="de-DE" dirty="0" smtClean="0">
-                <a:solidFill>
-                  <a:schemeClr val="tx1"/>
-                </a:solidFill>
-              </a:rPr>
-              <a:t>Erstellung einer Demo</a:t>
-            </a:r>
-          </a:p>
-          <a:p>
-            <a:r>
-              <a:rPr lang="de-DE" dirty="0" err="1" smtClean="0">
-                <a:solidFill>
-                  <a:schemeClr val="tx1"/>
-                </a:solidFill>
-              </a:rPr>
-              <a:t>Scrum</a:t>
-            </a:r>
-            <a:r>
-              <a:rPr lang="de-DE" dirty="0" smtClean="0">
-                <a:solidFill>
-                  <a:schemeClr val="tx1"/>
-                </a:solidFill>
-              </a:rPr>
-              <a:t> Master</a:t>
-            </a:r>
-            <a:endParaRPr lang="de-DE" dirty="0">
-              <a:solidFill>
-                <a:schemeClr val="tx1"/>
-              </a:solidFill>
-            </a:endParaRPr>
+              <a:rPr lang="de-DE"/>
+              <a:t>Neues Format für Trajektorien:</a:t>
+            </a:r>
+          </a:p>
+          <a:p>
+            <a:r>
+              <a:rPr lang="de-DE"/>
+              <a:t>Problem: altes Format der Trajektorien enthielt den Wert -1 falls die Person nicht mehr im Kamera Ausschnit ist. NN konnte damit nicht richtig lernen.</a:t>
+            </a:r>
+          </a:p>
+          <a:p>
+            <a:r>
+              <a:rPr lang="de-DE"/>
+              <a:t>Vorschlag der Maschin Learning Gruppen: Zeit unabhangige Trajektorien Daten</a:t>
+            </a:r>
+          </a:p>
+          <a:p>
+            <a:r>
+              <a:rPr lang="de-DE"/>
+              <a:t>Neues Format:</a:t>
+            </a:r>
+          </a:p>
+          <a:p>
+            <a:pPr lvl="1"/>
+            <a:r>
+              <a:rPr lang="de-DE"/>
+              <a:t>Unterteilung in Intervalle an hand größren Schrittes aller Personen</a:t>
+            </a:r>
+          </a:p>
+          <a:p>
+            <a:pPr lvl="1"/>
+            <a:r>
+              <a:rPr lang="de-DE"/>
+              <a:t>Pro Intervall immer nur ein Schritt behalten</a:t>
+            </a:r>
+          </a:p>
+          <a:p>
+            <a:pPr lvl="1"/>
+            <a:r>
+              <a:rPr lang="de-DE"/>
+              <a:t>Ergebniss: Alle trajektorien haben die gleiche Anzahl an Schritten</a:t>
+            </a:r>
+          </a:p>
+          <a:p>
+            <a:endParaRPr lang="de-DE"/>
+          </a:p>
+          <a:p>
+            <a:pPr lvl="1"/>
+            <a:endParaRPr lang="de-DE"/>
+          </a:p>
+          <a:p>
+            <a:endParaRPr lang="de-DE"/>
           </a:p>
         </p:txBody>
       </p:sp>
     </p:spTree>
     <p:extLst>
       <p:ext uri="{BB962C8B-B14F-4D97-AF65-F5344CB8AC3E}">
-        <p14:creationId xmlns:p14="http://schemas.microsoft.com/office/powerpoint/2010/main" val="698467150"/>
+        <p14:creationId xmlns:p14="http://schemas.microsoft.com/office/powerpoint/2010/main" val="1039519784"/>
       </p:ext>
     </p:extLst>
   </p:cSld>
   <p:clrMapOvr>
     <a:masterClrMapping/>
   </p:clrMapOvr>
-  <p:transition spd="slow">
-    <p:push dir="u"/>
-  </p:transition>
-  <p:timing>
-    <p:tnLst>
-      <p:par>
-        <p:cTn id="1" dur="indefinite" restart="never" nodeType="tmRoot"/>
-      </p:par>
-    </p:tnLst>
-  </p:timing>
 </p:sld>
 </file>
 
@@ -11896,36 +11651,273 @@
       </p:grpSpPr>
       <p:sp>
         <p:nvSpPr>
-          <p:cNvPr id="2" name="Titel 1"/>
-          <p:cNvSpPr>
-            <a:spLocks noGrp="1"/>
-          </p:cNvSpPr>
-          <p:nvPr>
-            <p:ph type="ctrTitle"/>
+          <p:cNvPr id="2" name="Title 6">
+            <a:extLst>
+              <a:ext uri="{FF2B5EF4-FFF2-40B4-BE49-F238E27FC236}">
+                <a16:creationId xmlns:a16="http://schemas.microsoft.com/office/drawing/2014/main" xmlns="" id="{04F78A0C-BF40-4E0B-9FA4-AAAA57E3C4EF}"/>
+              </a:ext>
+            </a:extLst>
+          </p:cNvPr>
+          <p:cNvSpPr txBox="1">
+            <a:spLocks noGrp="1"/>
+          </p:cNvSpPr>
+          <p:nvPr>
+            <p:ph type="title"/>
           </p:nvPr>
         </p:nvSpPr>
         <p:spPr/>
         <p:txBody>
           <a:bodyPr>
-            <a:noAutofit/>
+            <a:normAutofit/>
           </a:bodyPr>
           <a:lstStyle/>
           <a:p>
-            <a:pPr algn="l"/>
-            <a:r>
-              <a:rPr lang="de-DE" sz="7000" dirty="0" smtClean="0">
-                <a:solidFill>
-                  <a:schemeClr val="bg1"/>
-                </a:solidFill>
-                <a:cs typeface="Times New Roman" panose="02020603050405020304" pitchFamily="18" charset="0"/>
-              </a:rPr>
-              <a:t>Lisa</a:t>
-            </a:r>
-            <a:endParaRPr lang="de-DE" sz="7000" dirty="0">
+            <a:pPr lvl="0" algn="ctr"/>
+            <a:r>
+              <a:rPr lang="en-GB" sz="4500" dirty="0" smtClean="0"/>
+              <a:t>16,5%</a:t>
+            </a:r>
+            <a:endParaRPr lang="en-GB" sz="4500" dirty="0"/>
+          </a:p>
+        </p:txBody>
+      </p:sp>
+      <p:sp>
+        <p:nvSpPr>
+          <p:cNvPr id="3" name="Content Placeholder 7">
+            <a:extLst>
+              <a:ext uri="{FF2B5EF4-FFF2-40B4-BE49-F238E27FC236}">
+                <a16:creationId xmlns:a16="http://schemas.microsoft.com/office/drawing/2014/main" xmlns="" id="{3A52400E-A01D-4CCF-8280-EBE32B011F8E}"/>
+              </a:ext>
+            </a:extLst>
+          </p:cNvPr>
+          <p:cNvSpPr txBox="1">
+            <a:spLocks noGrp="1"/>
+          </p:cNvSpPr>
+          <p:nvPr>
+            <p:ph idx="1"/>
+          </p:nvPr>
+        </p:nvSpPr>
+        <p:spPr>
+          <a:xfrm>
+            <a:off x="3869268" y="174811"/>
+            <a:ext cx="7315200" cy="5984748"/>
+          </a:xfrm>
+        </p:spPr>
+        <p:txBody>
+          <a:bodyPr>
+            <a:normAutofit fontScale="92500" lnSpcReduction="10000"/>
+          </a:bodyPr>
+          <a:lstStyle/>
+          <a:p>
+            <a:pPr marL="0" lvl="0" indent="0">
+              <a:lnSpc>
+                <a:spcPct val="200000"/>
+              </a:lnSpc>
+              <a:buNone/>
+            </a:pPr>
+            <a:r>
+              <a:rPr lang="de-DE" sz="2800" dirty="0">
+                <a:solidFill>
+                  <a:schemeClr val="tx1"/>
+                </a:solidFill>
+              </a:rPr>
+              <a:t>Selbsteinschätzung:</a:t>
+            </a:r>
+          </a:p>
+          <a:p>
+            <a:pPr lvl="0"/>
+            <a:r>
+              <a:rPr lang="de-DE" dirty="0" smtClean="0">
+                <a:solidFill>
+                  <a:schemeClr val="tx1"/>
+                </a:solidFill>
+              </a:rPr>
+              <a:t>Recherche über die Filter der Datenvorverarbeitung</a:t>
+            </a:r>
+            <a:endParaRPr lang="de-DE" dirty="0">
               <a:solidFill>
-                <a:schemeClr val="bg1"/>
+                <a:schemeClr val="tx1"/>
               </a:solidFill>
-              <a:cs typeface="Times New Roman" panose="02020603050405020304" pitchFamily="18" charset="0"/>
+            </a:endParaRPr>
+          </a:p>
+          <a:p>
+            <a:pPr lvl="0"/>
+            <a:r>
+              <a:rPr lang="de-DE" dirty="0" smtClean="0">
+                <a:solidFill>
+                  <a:schemeClr val="tx1"/>
+                </a:solidFill>
+              </a:rPr>
+              <a:t>Implementierung der Filter</a:t>
+            </a:r>
+          </a:p>
+          <a:p>
+            <a:pPr lvl="0"/>
+            <a:r>
+              <a:rPr lang="de-DE" dirty="0" smtClean="0">
+                <a:solidFill>
+                  <a:schemeClr val="tx1"/>
+                </a:solidFill>
+              </a:rPr>
+              <a:t>Erstellen einer Dokumentation für die Skripte</a:t>
+            </a:r>
+            <a:endParaRPr lang="de-DE" dirty="0">
+              <a:solidFill>
+                <a:schemeClr val="tx1"/>
+              </a:solidFill>
+            </a:endParaRPr>
+          </a:p>
+          <a:p>
+            <a:pPr lvl="0"/>
+            <a:r>
+              <a:rPr lang="de-DE" dirty="0" smtClean="0">
+                <a:solidFill>
+                  <a:schemeClr val="tx1"/>
+                </a:solidFill>
+              </a:rPr>
+              <a:t>Verteilung der Personen bei der Automatisierung der Simulation</a:t>
+            </a:r>
+            <a:endParaRPr lang="de-DE" dirty="0">
+              <a:solidFill>
+                <a:schemeClr val="tx1"/>
+              </a:solidFill>
+            </a:endParaRPr>
+          </a:p>
+          <a:p>
+            <a:pPr lvl="0"/>
+            <a:r>
+              <a:rPr lang="de-DE" dirty="0" smtClean="0">
+                <a:solidFill>
+                  <a:schemeClr val="tx1"/>
+                </a:solidFill>
+              </a:rPr>
+              <a:t>Testen der Software</a:t>
+            </a:r>
+            <a:endParaRPr lang="de-DE" dirty="0">
+              <a:solidFill>
+                <a:schemeClr val="tx1"/>
+              </a:solidFill>
+            </a:endParaRPr>
+          </a:p>
+          <a:p>
+            <a:pPr lvl="0"/>
+            <a:r>
+              <a:rPr lang="de-DE" b="1" dirty="0" smtClean="0">
+                <a:solidFill>
+                  <a:schemeClr val="tx1"/>
+                </a:solidFill>
+              </a:rPr>
+              <a:t>Datengenerierung und Datenbeauftragte</a:t>
+            </a:r>
+          </a:p>
+          <a:p>
+            <a:pPr lvl="0"/>
+            <a:r>
+              <a:rPr lang="de-DE" dirty="0" smtClean="0">
+                <a:solidFill>
+                  <a:schemeClr val="tx1"/>
+                </a:solidFill>
+              </a:rPr>
+              <a:t>Erstellen eines Technischen Berichts</a:t>
+            </a:r>
+          </a:p>
+          <a:p>
+            <a:pPr lvl="0"/>
+            <a:r>
+              <a:rPr lang="de-DE" dirty="0" smtClean="0">
+                <a:solidFill>
+                  <a:schemeClr val="tx1"/>
+                </a:solidFill>
+              </a:rPr>
+              <a:t>Aufbereitung der Daten nach Vorgaben des Fraunhofer Instituts</a:t>
+            </a:r>
+            <a:endParaRPr lang="de-DE" dirty="0" smtClean="0">
+              <a:solidFill>
+                <a:srgbClr val="FF0000"/>
+              </a:solidFill>
+            </a:endParaRPr>
+          </a:p>
+          <a:p>
+            <a:pPr lvl="0"/>
+            <a:r>
+              <a:rPr lang="de-DE" b="1" dirty="0" smtClean="0">
+                <a:solidFill>
+                  <a:schemeClr val="tx1"/>
+                </a:solidFill>
+              </a:rPr>
+              <a:t>Modellieren realistischer, variantenreicher Szenarien </a:t>
+            </a:r>
+          </a:p>
+          <a:p>
+            <a:pPr lvl="0"/>
+            <a:r>
+              <a:rPr lang="de-DE" dirty="0" smtClean="0">
+                <a:solidFill>
+                  <a:schemeClr val="tx1"/>
+                </a:solidFill>
+              </a:rPr>
+              <a:t>Simulieren realistischer, variantenreicher Szenarien</a:t>
+            </a:r>
+          </a:p>
+          <a:p>
+            <a:pPr lvl="0"/>
+            <a:r>
+              <a:rPr lang="de-DE" b="1" dirty="0" smtClean="0">
+                <a:solidFill>
+                  <a:schemeClr val="tx1"/>
+                </a:solidFill>
+              </a:rPr>
+              <a:t>Aktualisieren des Trello Projektes/</a:t>
+            </a:r>
+            <a:r>
+              <a:rPr lang="de-DE" b="1" dirty="0" err="1" smtClean="0">
+                <a:solidFill>
+                  <a:schemeClr val="tx1"/>
+                </a:solidFill>
+              </a:rPr>
+              <a:t>Repos</a:t>
+            </a:r>
+            <a:r>
+              <a:rPr lang="de-DE" b="1" dirty="0" smtClean="0">
+                <a:solidFill>
+                  <a:schemeClr val="tx1"/>
+                </a:solidFill>
+              </a:rPr>
+              <a:t>/Organisation der Treffen</a:t>
+            </a:r>
+          </a:p>
+          <a:p>
+            <a:pPr lvl="0"/>
+            <a:r>
+              <a:rPr lang="de-DE" dirty="0" smtClean="0">
+                <a:solidFill>
+                  <a:schemeClr val="tx1"/>
+                </a:solidFill>
+              </a:rPr>
+              <a:t>Erstellung einer Demo</a:t>
+            </a:r>
+          </a:p>
+          <a:p>
+            <a:r>
+              <a:rPr lang="de-DE" dirty="0" err="1" smtClean="0">
+                <a:solidFill>
+                  <a:schemeClr val="tx1"/>
+                </a:solidFill>
+              </a:rPr>
+              <a:t>Scrum</a:t>
+            </a:r>
+            <a:r>
+              <a:rPr lang="de-DE" dirty="0" smtClean="0">
+                <a:solidFill>
+                  <a:schemeClr val="tx1"/>
+                </a:solidFill>
+              </a:rPr>
+              <a:t> Master</a:t>
+            </a:r>
+            <a:endParaRPr lang="de-DE" dirty="0">
+              <a:solidFill>
+                <a:schemeClr val="tx1"/>
+              </a:solidFill>
             </a:endParaRPr>
           </a:p>
         </p:txBody>
@@ -11933,7 +11925,7 @@
     </p:spTree>
     <p:extLst>
       <p:ext uri="{BB962C8B-B14F-4D97-AF65-F5344CB8AC3E}">
-        <p14:creationId xmlns:p14="http://schemas.microsoft.com/office/powerpoint/2010/main" val="624400286"/>
+        <p14:creationId xmlns:p14="http://schemas.microsoft.com/office/powerpoint/2010/main" val="698467150"/>
       </p:ext>
     </p:extLst>
   </p:cSld>
@@ -11972,181 +11964,36 @@
       </p:grpSpPr>
       <p:sp>
         <p:nvSpPr>
-          <p:cNvPr id="2" name="Title 6">
-            <a:extLst>
-              <a:ext uri="{FF2B5EF4-FFF2-40B4-BE49-F238E27FC236}">
-                <a16:creationId xmlns="" xmlns:a16="http://schemas.microsoft.com/office/drawing/2014/main" id="{04F78A0C-BF40-4E0B-9FA4-AAAA57E3C4EF}"/>
-              </a:ext>
-            </a:extLst>
-          </p:cNvPr>
-          <p:cNvSpPr txBox="1">
-            <a:spLocks noGrp="1"/>
-          </p:cNvSpPr>
-          <p:nvPr>
-            <p:ph type="title"/>
+          <p:cNvPr id="2" name="Titel 1"/>
+          <p:cNvSpPr>
+            <a:spLocks noGrp="1"/>
+          </p:cNvSpPr>
+          <p:nvPr>
+            <p:ph type="ctrTitle"/>
           </p:nvPr>
         </p:nvSpPr>
         <p:spPr/>
         <p:txBody>
           <a:bodyPr>
-            <a:normAutofit/>
+            <a:noAutofit/>
           </a:bodyPr>
           <a:lstStyle/>
           <a:p>
-            <a:pPr lvl="0" algn="ctr"/>
-            <a:r>
-              <a:rPr lang="en-GB" sz="2800" dirty="0" err="1" smtClean="0"/>
-              <a:t>Meine</a:t>
-            </a:r>
-            <a:r>
-              <a:rPr lang="en-GB" sz="2800" dirty="0" smtClean="0"/>
-              <a:t> </a:t>
-            </a:r>
-            <a:r>
-              <a:rPr lang="en-GB" sz="2800" dirty="0" err="1" smtClean="0"/>
-              <a:t>Aufgaben</a:t>
-            </a:r>
-            <a:endParaRPr lang="en-GB" sz="2800" dirty="0"/>
-          </a:p>
-        </p:txBody>
-      </p:sp>
-      <p:sp>
-        <p:nvSpPr>
-          <p:cNvPr id="3" name="Content Placeholder 7">
-            <a:extLst>
-              <a:ext uri="{FF2B5EF4-FFF2-40B4-BE49-F238E27FC236}">
-                <a16:creationId xmlns="" xmlns:a16="http://schemas.microsoft.com/office/drawing/2014/main" id="{3A52400E-A01D-4CCF-8280-EBE32B011F8E}"/>
-              </a:ext>
-            </a:extLst>
-          </p:cNvPr>
-          <p:cNvSpPr txBox="1">
-            <a:spLocks noGrp="1"/>
-          </p:cNvSpPr>
-          <p:nvPr>
-            <p:ph idx="1"/>
-          </p:nvPr>
-        </p:nvSpPr>
-        <p:spPr>
-          <a:xfrm>
-            <a:off x="3869268" y="174811"/>
-            <a:ext cx="7315200" cy="5984748"/>
-          </a:xfrm>
-        </p:spPr>
-        <p:txBody>
-          <a:bodyPr>
-            <a:normAutofit/>
-          </a:bodyPr>
-          <a:lstStyle/>
-          <a:p>
-            <a:pPr marL="0" lvl="0" indent="0">
-              <a:lnSpc>
-                <a:spcPct val="200000"/>
-              </a:lnSpc>
-              <a:buNone/>
-            </a:pPr>
-            <a:r>
-              <a:rPr lang="de-DE" sz="2800" dirty="0" smtClean="0">
-                <a:solidFill>
-                  <a:schemeClr val="tx1"/>
-                </a:solidFill>
-              </a:rPr>
-              <a:t>Meine Aufgaben:</a:t>
-            </a:r>
-          </a:p>
-          <a:p>
-            <a:pPr>
-              <a:lnSpc>
-                <a:spcPct val="200000"/>
-              </a:lnSpc>
-            </a:pPr>
-            <a:r>
-              <a:rPr lang="de-DE" dirty="0" err="1" smtClean="0">
-                <a:solidFill>
-                  <a:schemeClr val="tx1"/>
-                </a:solidFill>
-              </a:rPr>
-              <a:t>Scrum</a:t>
-            </a:r>
-            <a:r>
-              <a:rPr lang="de-DE" dirty="0" smtClean="0">
-                <a:solidFill>
-                  <a:schemeClr val="tx1"/>
-                </a:solidFill>
-              </a:rPr>
-              <a:t> Master/Organisation der Treffen</a:t>
-            </a:r>
-          </a:p>
-          <a:p>
-            <a:pPr>
-              <a:lnSpc>
-                <a:spcPct val="200000"/>
-              </a:lnSpc>
-            </a:pPr>
-            <a:r>
-              <a:rPr lang="de-DE" dirty="0" smtClean="0">
-                <a:solidFill>
-                  <a:schemeClr val="tx1"/>
-                </a:solidFill>
-              </a:rPr>
-              <a:t>Schreiben des Technischen Berichts</a:t>
-            </a:r>
-          </a:p>
-          <a:p>
-            <a:pPr>
-              <a:lnSpc>
-                <a:spcPct val="200000"/>
-              </a:lnSpc>
-            </a:pPr>
-            <a:r>
-              <a:rPr lang="de-DE" dirty="0" smtClean="0">
-                <a:solidFill>
-                  <a:schemeClr val="tx1"/>
-                </a:solidFill>
-              </a:rPr>
-              <a:t>Erstellen von Demonstrationen</a:t>
-            </a:r>
-          </a:p>
-          <a:p>
-            <a:pPr>
-              <a:lnSpc>
-                <a:spcPct val="200000"/>
-              </a:lnSpc>
-            </a:pPr>
-            <a:r>
-              <a:rPr lang="de-DE" dirty="0" smtClean="0">
-                <a:solidFill>
-                  <a:schemeClr val="tx1"/>
-                </a:solidFill>
-              </a:rPr>
-              <a:t>Erstellen von Szenarien</a:t>
-            </a:r>
-          </a:p>
-          <a:p>
-            <a:pPr>
-              <a:lnSpc>
-                <a:spcPct val="200000"/>
-              </a:lnSpc>
-            </a:pPr>
-            <a:r>
-              <a:rPr lang="de-DE" dirty="0" smtClean="0">
-                <a:solidFill>
-                  <a:schemeClr val="tx1"/>
-                </a:solidFill>
-              </a:rPr>
-              <a:t>Testen</a:t>
-            </a:r>
-          </a:p>
-          <a:p>
-            <a:pPr marL="0" lvl="0" indent="0">
-              <a:lnSpc>
-                <a:spcPct val="200000"/>
-              </a:lnSpc>
-              <a:buNone/>
-            </a:pPr>
-            <a:endParaRPr lang="de-DE" sz="2800" dirty="0" smtClean="0">
+            <a:pPr algn="l"/>
+            <a:r>
+              <a:rPr lang="de-DE" sz="7000" dirty="0" smtClean="0">
+                <a:solidFill>
+                  <a:schemeClr val="bg1"/>
+                </a:solidFill>
+                <a:cs typeface="Times New Roman" panose="02020603050405020304" pitchFamily="18" charset="0"/>
+              </a:rPr>
+              <a:t>Lisa</a:t>
+            </a:r>
+            <a:endParaRPr lang="de-DE" sz="7000" dirty="0">
               <a:solidFill>
-                <a:schemeClr val="tx1"/>
+                <a:schemeClr val="bg1"/>
               </a:solidFill>
+              <a:cs typeface="Times New Roman" panose="02020603050405020304" pitchFamily="18" charset="0"/>
             </a:endParaRPr>
           </a:p>
         </p:txBody>
@@ -12154,7 +12001,7 @@
     </p:spTree>
     <p:extLst>
       <p:ext uri="{BB962C8B-B14F-4D97-AF65-F5344CB8AC3E}">
-        <p14:creationId xmlns:p14="http://schemas.microsoft.com/office/powerpoint/2010/main" val="3038644699"/>
+        <p14:creationId xmlns:p14="http://schemas.microsoft.com/office/powerpoint/2010/main" val="624400286"/>
       </p:ext>
     </p:extLst>
   </p:cSld>
@@ -12196,7 +12043,7 @@
           <p:cNvPr id="2" name="Title 6">
             <a:extLst>
               <a:ext uri="{FF2B5EF4-FFF2-40B4-BE49-F238E27FC236}">
-                <a16:creationId xmlns="" xmlns:a16="http://schemas.microsoft.com/office/drawing/2014/main" id="{04F78A0C-BF40-4E0B-9FA4-AAAA57E3C4EF}"/>
+                <a16:creationId xmlns:a16="http://schemas.microsoft.com/office/drawing/2014/main" xmlns="" id="{04F78A0C-BF40-4E0B-9FA4-AAAA57E3C4EF}"/>
               </a:ext>
             </a:extLst>
           </p:cNvPr>
@@ -12236,7 +12083,581 @@
           <p:cNvPr id="3" name="Content Placeholder 7">
             <a:extLst>
               <a:ext uri="{FF2B5EF4-FFF2-40B4-BE49-F238E27FC236}">
-                <a16:creationId xmlns="" xmlns:a16="http://schemas.microsoft.com/office/drawing/2014/main" id="{3A52400E-A01D-4CCF-8280-EBE32B011F8E}"/>
+                <a16:creationId xmlns:a16="http://schemas.microsoft.com/office/drawing/2014/main" xmlns="" id="{3A52400E-A01D-4CCF-8280-EBE32B011F8E}"/>
+              </a:ext>
+            </a:extLst>
+          </p:cNvPr>
+          <p:cNvSpPr txBox="1">
+            <a:spLocks noGrp="1"/>
+          </p:cNvSpPr>
+          <p:nvPr>
+            <p:ph idx="1"/>
+          </p:nvPr>
+        </p:nvSpPr>
+        <p:spPr>
+          <a:xfrm>
+            <a:off x="3869268" y="174811"/>
+            <a:ext cx="7315200" cy="5984748"/>
+          </a:xfrm>
+        </p:spPr>
+        <p:txBody>
+          <a:bodyPr>
+            <a:normAutofit/>
+          </a:bodyPr>
+          <a:lstStyle/>
+          <a:p>
+            <a:pPr marL="0" lvl="0" indent="0">
+              <a:lnSpc>
+                <a:spcPct val="200000"/>
+              </a:lnSpc>
+              <a:buNone/>
+            </a:pPr>
+            <a:r>
+              <a:rPr lang="de-DE" sz="2800" dirty="0" smtClean="0">
+                <a:solidFill>
+                  <a:schemeClr val="tx1"/>
+                </a:solidFill>
+              </a:rPr>
+              <a:t>Meine Aufgaben:</a:t>
+            </a:r>
+          </a:p>
+          <a:p>
+            <a:pPr>
+              <a:lnSpc>
+                <a:spcPct val="200000"/>
+              </a:lnSpc>
+            </a:pPr>
+            <a:r>
+              <a:rPr lang="de-DE" dirty="0" err="1" smtClean="0">
+                <a:solidFill>
+                  <a:schemeClr val="tx1"/>
+                </a:solidFill>
+              </a:rPr>
+              <a:t>Scrum</a:t>
+            </a:r>
+            <a:r>
+              <a:rPr lang="de-DE" dirty="0" smtClean="0">
+                <a:solidFill>
+                  <a:schemeClr val="tx1"/>
+                </a:solidFill>
+              </a:rPr>
+              <a:t> Master/Organisation der Treffen</a:t>
+            </a:r>
+          </a:p>
+          <a:p>
+            <a:pPr>
+              <a:lnSpc>
+                <a:spcPct val="200000"/>
+              </a:lnSpc>
+            </a:pPr>
+            <a:r>
+              <a:rPr lang="de-DE" dirty="0" smtClean="0">
+                <a:solidFill>
+                  <a:schemeClr val="tx1"/>
+                </a:solidFill>
+              </a:rPr>
+              <a:t>Schreiben des Technischen Berichts</a:t>
+            </a:r>
+          </a:p>
+          <a:p>
+            <a:pPr>
+              <a:lnSpc>
+                <a:spcPct val="200000"/>
+              </a:lnSpc>
+            </a:pPr>
+            <a:r>
+              <a:rPr lang="de-DE" dirty="0" smtClean="0">
+                <a:solidFill>
+                  <a:schemeClr val="tx1"/>
+                </a:solidFill>
+              </a:rPr>
+              <a:t>Erstellen von Demonstrationen</a:t>
+            </a:r>
+          </a:p>
+          <a:p>
+            <a:pPr>
+              <a:lnSpc>
+                <a:spcPct val="200000"/>
+              </a:lnSpc>
+            </a:pPr>
+            <a:r>
+              <a:rPr lang="de-DE" dirty="0" smtClean="0">
+                <a:solidFill>
+                  <a:schemeClr val="tx1"/>
+                </a:solidFill>
+              </a:rPr>
+              <a:t>Erstellen von Szenarien</a:t>
+            </a:r>
+          </a:p>
+          <a:p>
+            <a:pPr>
+              <a:lnSpc>
+                <a:spcPct val="200000"/>
+              </a:lnSpc>
+            </a:pPr>
+            <a:r>
+              <a:rPr lang="de-DE" dirty="0" smtClean="0">
+                <a:solidFill>
+                  <a:schemeClr val="tx1"/>
+                </a:solidFill>
+              </a:rPr>
+              <a:t>Testen</a:t>
+            </a:r>
+          </a:p>
+          <a:p>
+            <a:pPr marL="0" lvl="0" indent="0">
+              <a:lnSpc>
+                <a:spcPct val="200000"/>
+              </a:lnSpc>
+              <a:buNone/>
+            </a:pPr>
+            <a:endParaRPr lang="de-DE" sz="2800" dirty="0" smtClean="0">
+              <a:solidFill>
+                <a:schemeClr val="tx1"/>
+              </a:solidFill>
+            </a:endParaRPr>
+          </a:p>
+        </p:txBody>
+      </p:sp>
+    </p:spTree>
+    <p:extLst>
+      <p:ext uri="{BB962C8B-B14F-4D97-AF65-F5344CB8AC3E}">
+        <p14:creationId xmlns:p14="http://schemas.microsoft.com/office/powerpoint/2010/main" val="3038644699"/>
+      </p:ext>
+    </p:extLst>
+  </p:cSld>
+  <p:clrMapOvr>
+    <a:masterClrMapping/>
+  </p:clrMapOvr>
+  <p:transition spd="slow">
+    <p:push dir="u"/>
+  </p:transition>
+  <p:timing>
+    <p:tnLst>
+      <p:par>
+        <p:cTn id="1" dur="indefinite" restart="never" nodeType="tmRoot"/>
+      </p:par>
+    </p:tnLst>
+  </p:timing>
+</p:sld>
+</file>
+
+<file path=ppt/slides/slide4.xml><?xml version="1.0" encoding="utf-8"?>
+<p:sld xmlns:a="http://schemas.openxmlformats.org/drawingml/2006/main" xmlns:r="http://schemas.openxmlformats.org/officeDocument/2006/relationships" xmlns:p="http://schemas.openxmlformats.org/presentationml/2006/main">
+  <p:cSld>
+    <p:spTree>
+      <p:nvGrpSpPr>
+        <p:cNvPr id="1" name=""/>
+        <p:cNvGrpSpPr/>
+        <p:nvPr/>
+      </p:nvGrpSpPr>
+      <p:grpSpPr>
+        <a:xfrm>
+          <a:off x="0" y="0"/>
+          <a:ext cx="0" cy="0"/>
+          <a:chOff x="0" y="0"/>
+          <a:chExt cx="0" cy="0"/>
+        </a:xfrm>
+      </p:grpSpPr>
+      <p:sp>
+        <p:nvSpPr>
+          <p:cNvPr id="2" name="Titel 1"/>
+          <p:cNvSpPr>
+            <a:spLocks noGrp="1"/>
+          </p:cNvSpPr>
+          <p:nvPr>
+            <p:ph type="title"/>
+          </p:nvPr>
+        </p:nvSpPr>
+        <p:spPr/>
+        <p:txBody>
+          <a:bodyPr>
+            <a:noAutofit/>
+          </a:bodyPr>
+          <a:lstStyle/>
+          <a:p>
+            <a:r>
+              <a:rPr lang="de-DE" sz="4800" dirty="0"/>
+              <a:t>Ziele Sprint </a:t>
+            </a:r>
+            <a:r>
+              <a:rPr lang="de-DE" sz="4800" dirty="0" smtClean="0"/>
+              <a:t>2</a:t>
+            </a:r>
+            <a:endParaRPr lang="de-DE" sz="4800" dirty="0">
+              <a:solidFill>
+                <a:schemeClr val="tx1"/>
+              </a:solidFill>
+              <a:latin typeface="Times New Roman" panose="02020603050405020304" pitchFamily="18" charset="0"/>
+              <a:cs typeface="Times New Roman" panose="02020603050405020304" pitchFamily="18" charset="0"/>
+            </a:endParaRPr>
+          </a:p>
+        </p:txBody>
+      </p:sp>
+      <p:sp>
+        <p:nvSpPr>
+          <p:cNvPr id="3" name="Content Placeholder 2">
+            <a:extLst>
+              <a:ext uri="{FF2B5EF4-FFF2-40B4-BE49-F238E27FC236}">
+                <a16:creationId xmlns:a16="http://schemas.microsoft.com/office/drawing/2014/main" xmlns="" id="{5D4B6457-3E37-4879-A8CB-262CE10EA13A}"/>
+              </a:ext>
+            </a:extLst>
+          </p:cNvPr>
+          <p:cNvSpPr>
+            <a:spLocks noGrp="1"/>
+          </p:cNvSpPr>
+          <p:nvPr>
+            <p:ph idx="1"/>
+          </p:nvPr>
+        </p:nvSpPr>
+        <p:spPr>
+          <a:xfrm>
+            <a:off x="3869268" y="864108"/>
+            <a:ext cx="7315200" cy="4196164"/>
+          </a:xfrm>
+        </p:spPr>
+        <p:txBody>
+          <a:bodyPr anchor="ctr"/>
+          <a:lstStyle/>
+          <a:p>
+            <a:pPr marL="0" indent="0">
+              <a:spcAft>
+                <a:spcPts val="1200"/>
+              </a:spcAft>
+              <a:buNone/>
+            </a:pPr>
+            <a:r>
+              <a:rPr lang="de-DE" sz="3200" b="1" dirty="0">
+                <a:solidFill>
+                  <a:schemeClr val="tx1"/>
+                </a:solidFill>
+              </a:rPr>
+              <a:t>Vorgegebene Ziele des </a:t>
+            </a:r>
+            <a:r>
+              <a:rPr lang="de-DE" sz="3200" b="1" dirty="0" smtClean="0">
+                <a:solidFill>
+                  <a:schemeClr val="tx1"/>
+                </a:solidFill>
+              </a:rPr>
+              <a:t>zweiten Sprints</a:t>
+            </a:r>
+            <a:endParaRPr lang="de-DE" b="1" dirty="0">
+              <a:solidFill>
+                <a:schemeClr val="tx1"/>
+              </a:solidFill>
+            </a:endParaRPr>
+          </a:p>
+          <a:p>
+            <a:endParaRPr lang="de-DE" dirty="0" smtClean="0">
+              <a:solidFill>
+                <a:schemeClr val="tx1"/>
+              </a:solidFill>
+            </a:endParaRPr>
+          </a:p>
+          <a:p>
+            <a:r>
+              <a:rPr lang="de-DE" dirty="0" smtClean="0">
+                <a:solidFill>
+                  <a:schemeClr val="tx1"/>
+                </a:solidFill>
+              </a:rPr>
+              <a:t>Erstellen eines Technischen Berichts</a:t>
+            </a:r>
+          </a:p>
+          <a:p>
+            <a:r>
+              <a:rPr lang="en-GB" dirty="0" smtClean="0">
+                <a:solidFill>
+                  <a:schemeClr val="tx1"/>
+                </a:solidFill>
+              </a:rPr>
+              <a:t>Modellieren und </a:t>
+            </a:r>
+            <a:r>
+              <a:rPr lang="en-GB" dirty="0" err="1" smtClean="0">
+                <a:solidFill>
+                  <a:schemeClr val="tx1"/>
+                </a:solidFill>
+              </a:rPr>
+              <a:t>simulieren</a:t>
+            </a:r>
+            <a:r>
+              <a:rPr lang="en-GB" dirty="0" smtClean="0">
+                <a:solidFill>
+                  <a:schemeClr val="tx1"/>
+                </a:solidFill>
+              </a:rPr>
+              <a:t> </a:t>
+            </a:r>
+            <a:r>
+              <a:rPr lang="en-GB" dirty="0" err="1" smtClean="0">
+                <a:solidFill>
+                  <a:schemeClr val="tx1"/>
+                </a:solidFill>
+              </a:rPr>
+              <a:t>realistischer</a:t>
+            </a:r>
+            <a:r>
+              <a:rPr lang="en-GB" dirty="0" smtClean="0">
+                <a:solidFill>
+                  <a:schemeClr val="tx1"/>
+                </a:solidFill>
+              </a:rPr>
+              <a:t> und </a:t>
+            </a:r>
+            <a:r>
+              <a:rPr lang="en-GB" dirty="0" err="1" smtClean="0">
+                <a:solidFill>
+                  <a:schemeClr val="tx1"/>
+                </a:solidFill>
+              </a:rPr>
+              <a:t>variantenreicher</a:t>
+            </a:r>
+            <a:r>
+              <a:rPr lang="en-GB" dirty="0" smtClean="0">
+                <a:solidFill>
+                  <a:schemeClr val="tx1"/>
+                </a:solidFill>
+              </a:rPr>
+              <a:t> </a:t>
+            </a:r>
+            <a:r>
+              <a:rPr lang="en-GB" dirty="0" err="1" smtClean="0">
+                <a:solidFill>
+                  <a:schemeClr val="tx1"/>
+                </a:solidFill>
+              </a:rPr>
+              <a:t>Szenarien</a:t>
+            </a:r>
+            <a:endParaRPr lang="en-GB" dirty="0" smtClean="0">
+              <a:solidFill>
+                <a:schemeClr val="tx1"/>
+              </a:solidFill>
+            </a:endParaRPr>
+          </a:p>
+          <a:p>
+            <a:r>
+              <a:rPr lang="en-GB" dirty="0" err="1" smtClean="0">
+                <a:solidFill>
+                  <a:schemeClr val="tx1"/>
+                </a:solidFill>
+              </a:rPr>
+              <a:t>Aufbereitung</a:t>
+            </a:r>
+            <a:r>
+              <a:rPr lang="en-GB" dirty="0" smtClean="0">
+                <a:solidFill>
+                  <a:schemeClr val="tx1"/>
+                </a:solidFill>
+              </a:rPr>
+              <a:t> des </a:t>
+            </a:r>
+            <a:r>
+              <a:rPr lang="en-GB" dirty="0" err="1" smtClean="0">
+                <a:solidFill>
+                  <a:schemeClr val="tx1"/>
+                </a:solidFill>
+              </a:rPr>
+              <a:t>Datenformats</a:t>
+            </a:r>
+            <a:r>
+              <a:rPr lang="en-GB" dirty="0" smtClean="0">
+                <a:solidFill>
+                  <a:schemeClr val="tx1"/>
+                </a:solidFill>
+              </a:rPr>
+              <a:t> </a:t>
+            </a:r>
+            <a:r>
+              <a:rPr lang="en-GB" dirty="0" err="1" smtClean="0">
+                <a:solidFill>
+                  <a:schemeClr val="tx1"/>
+                </a:solidFill>
+              </a:rPr>
+              <a:t>entsprechend</a:t>
+            </a:r>
+            <a:r>
+              <a:rPr lang="en-GB" dirty="0" smtClean="0">
+                <a:solidFill>
+                  <a:schemeClr val="tx1"/>
+                </a:solidFill>
+              </a:rPr>
+              <a:t> den </a:t>
+            </a:r>
+            <a:r>
+              <a:rPr lang="en-GB" dirty="0" err="1" smtClean="0">
+                <a:solidFill>
+                  <a:schemeClr val="tx1"/>
+                </a:solidFill>
+              </a:rPr>
+              <a:t>Angaben</a:t>
+            </a:r>
+            <a:r>
+              <a:rPr lang="en-GB" dirty="0" smtClean="0">
+                <a:solidFill>
+                  <a:schemeClr val="tx1"/>
+                </a:solidFill>
+              </a:rPr>
+              <a:t> des </a:t>
+            </a:r>
+            <a:r>
+              <a:rPr lang="en-GB" dirty="0" err="1" smtClean="0">
+                <a:solidFill>
+                  <a:schemeClr val="tx1"/>
+                </a:solidFill>
+              </a:rPr>
+              <a:t>Fraunhofer</a:t>
+            </a:r>
+            <a:r>
+              <a:rPr lang="en-GB" dirty="0" smtClean="0">
+                <a:solidFill>
+                  <a:schemeClr val="tx1"/>
+                </a:solidFill>
+              </a:rPr>
+              <a:t> </a:t>
+            </a:r>
+            <a:r>
+              <a:rPr lang="en-GB" dirty="0" err="1" smtClean="0">
+                <a:solidFill>
+                  <a:schemeClr val="tx1"/>
+                </a:solidFill>
+              </a:rPr>
+              <a:t>Instituts</a:t>
+            </a:r>
+            <a:endParaRPr lang="en-GB" dirty="0" smtClean="0">
+              <a:solidFill>
+                <a:schemeClr val="tx1"/>
+              </a:solidFill>
+            </a:endParaRPr>
+          </a:p>
+          <a:p>
+            <a:r>
+              <a:rPr lang="en-GB" dirty="0" err="1" smtClean="0">
+                <a:solidFill>
+                  <a:schemeClr val="tx1"/>
+                </a:solidFill>
+              </a:rPr>
+              <a:t>Erstellen</a:t>
+            </a:r>
+            <a:r>
+              <a:rPr lang="en-GB" dirty="0" smtClean="0">
+                <a:solidFill>
+                  <a:schemeClr val="tx1"/>
+                </a:solidFill>
+              </a:rPr>
+              <a:t> </a:t>
+            </a:r>
+            <a:r>
+              <a:rPr lang="en-GB" dirty="0" err="1" smtClean="0">
+                <a:solidFill>
+                  <a:schemeClr val="tx1"/>
+                </a:solidFill>
+              </a:rPr>
+              <a:t>einer</a:t>
+            </a:r>
+            <a:r>
+              <a:rPr lang="en-GB" dirty="0" smtClean="0">
+                <a:solidFill>
+                  <a:schemeClr val="tx1"/>
+                </a:solidFill>
+              </a:rPr>
+              <a:t> Demonstration</a:t>
+            </a:r>
+            <a:endParaRPr lang="de-DE" dirty="0">
+              <a:solidFill>
+                <a:schemeClr val="tx1"/>
+              </a:solidFill>
+            </a:endParaRPr>
+          </a:p>
+        </p:txBody>
+      </p:sp>
+    </p:spTree>
+    <p:extLst>
+      <p:ext uri="{BB962C8B-B14F-4D97-AF65-F5344CB8AC3E}">
+        <p14:creationId xmlns:p14="http://schemas.microsoft.com/office/powerpoint/2010/main" val="1650893314"/>
+      </p:ext>
+    </p:extLst>
+  </p:cSld>
+  <p:clrMapOvr>
+    <a:masterClrMapping/>
+  </p:clrMapOvr>
+  <p:transition spd="slow">
+    <p:push dir="u"/>
+  </p:transition>
+  <p:timing>
+    <p:tnLst>
+      <p:par>
+        <p:cTn id="1" dur="indefinite" restart="never" nodeType="tmRoot"/>
+      </p:par>
+    </p:tnLst>
+  </p:timing>
+</p:sld>
+</file>
+
+<file path=ppt/slides/slide40.xml><?xml version="1.0" encoding="utf-8"?>
+<p:sld xmlns:a="http://schemas.openxmlformats.org/drawingml/2006/main" xmlns:r="http://schemas.openxmlformats.org/officeDocument/2006/relationships" xmlns:p="http://schemas.openxmlformats.org/presentationml/2006/main">
+  <p:cSld>
+    <p:spTree>
+      <p:nvGrpSpPr>
+        <p:cNvPr id="1" name=""/>
+        <p:cNvGrpSpPr/>
+        <p:nvPr/>
+      </p:nvGrpSpPr>
+      <p:grpSpPr>
+        <a:xfrm>
+          <a:off x="0" y="0"/>
+          <a:ext cx="0" cy="0"/>
+          <a:chOff x="0" y="0"/>
+          <a:chExt cx="0" cy="0"/>
+        </a:xfrm>
+      </p:grpSpPr>
+      <p:sp>
+        <p:nvSpPr>
+          <p:cNvPr id="2" name="Title 6">
+            <a:extLst>
+              <a:ext uri="{FF2B5EF4-FFF2-40B4-BE49-F238E27FC236}">
+                <a16:creationId xmlns:a16="http://schemas.microsoft.com/office/drawing/2014/main" xmlns="" id="{04F78A0C-BF40-4E0B-9FA4-AAAA57E3C4EF}"/>
+              </a:ext>
+            </a:extLst>
+          </p:cNvPr>
+          <p:cNvSpPr txBox="1">
+            <a:spLocks noGrp="1"/>
+          </p:cNvSpPr>
+          <p:nvPr>
+            <p:ph type="title"/>
+          </p:nvPr>
+        </p:nvSpPr>
+        <p:spPr/>
+        <p:txBody>
+          <a:bodyPr>
+            <a:normAutofit/>
+          </a:bodyPr>
+          <a:lstStyle/>
+          <a:p>
+            <a:pPr lvl="0" algn="ctr"/>
+            <a:r>
+              <a:rPr lang="en-GB" sz="2800" dirty="0" err="1" smtClean="0"/>
+              <a:t>Meine</a:t>
+            </a:r>
+            <a:r>
+              <a:rPr lang="en-GB" sz="2800" dirty="0" smtClean="0"/>
+              <a:t> </a:t>
+            </a:r>
+            <a:r>
+              <a:rPr lang="en-GB" sz="2800" dirty="0" err="1" smtClean="0"/>
+              <a:t>Aufgaben</a:t>
+            </a:r>
+            <a:endParaRPr lang="en-GB" sz="2800" dirty="0"/>
+          </a:p>
+        </p:txBody>
+      </p:sp>
+      <p:sp>
+        <p:nvSpPr>
+          <p:cNvPr id="3" name="Content Placeholder 7">
+            <a:extLst>
+              <a:ext uri="{FF2B5EF4-FFF2-40B4-BE49-F238E27FC236}">
+                <a16:creationId xmlns:a16="http://schemas.microsoft.com/office/drawing/2014/main" xmlns="" id="{3A52400E-A01D-4CCF-8280-EBE32B011F8E}"/>
               </a:ext>
             </a:extLst>
           </p:cNvPr>
@@ -12592,7 +13013,7 @@
 </p:sld>
 </file>
 
-<file path=ppt/slides/slide4.xml><?xml version="1.0" encoding="utf-8"?>
+<file path=ppt/slides/slide41.xml><?xml version="1.0" encoding="utf-8"?>
 <p:sld xmlns:a="http://schemas.openxmlformats.org/drawingml/2006/main" xmlns:r="http://schemas.openxmlformats.org/officeDocument/2006/relationships" xmlns:p="http://schemas.openxmlformats.org/presentationml/2006/main">
   <p:cSld>
     <p:spTree>
@@ -12611,363 +13032,10 @@
       </p:grpSpPr>
       <p:sp>
         <p:nvSpPr>
-          <p:cNvPr id="2" name="Titel 1"/>
-          <p:cNvSpPr>
-            <a:spLocks noGrp="1"/>
-          </p:cNvSpPr>
-          <p:nvPr>
-            <p:ph type="title"/>
-          </p:nvPr>
-        </p:nvSpPr>
-        <p:spPr/>
-        <p:txBody>
-          <a:bodyPr>
-            <a:noAutofit/>
-          </a:bodyPr>
-          <a:lstStyle/>
-          <a:p>
-            <a:r>
-              <a:rPr lang="de-DE" sz="4800" dirty="0"/>
-              <a:t>Ziele Sprint </a:t>
-            </a:r>
-            <a:r>
-              <a:rPr lang="de-DE" sz="4800" dirty="0" smtClean="0"/>
-              <a:t>2</a:t>
-            </a:r>
-            <a:endParaRPr lang="de-DE" sz="4800" dirty="0">
-              <a:solidFill>
-                <a:schemeClr val="tx1"/>
-              </a:solidFill>
-              <a:latin typeface="Times New Roman" panose="02020603050405020304" pitchFamily="18" charset="0"/>
-              <a:cs typeface="Times New Roman" panose="02020603050405020304" pitchFamily="18" charset="0"/>
-            </a:endParaRPr>
-          </a:p>
-        </p:txBody>
-      </p:sp>
-      <p:sp>
-        <p:nvSpPr>
-          <p:cNvPr id="3" name="Content Placeholder 2">
-            <a:extLst>
-              <a:ext uri="{FF2B5EF4-FFF2-40B4-BE49-F238E27FC236}">
-                <a16:creationId xmlns="" xmlns:a16="http://schemas.microsoft.com/office/drawing/2014/main" id="{5D4B6457-3E37-4879-A8CB-262CE10EA13A}"/>
-              </a:ext>
-            </a:extLst>
-          </p:cNvPr>
-          <p:cNvSpPr>
-            <a:spLocks noGrp="1"/>
-          </p:cNvSpPr>
-          <p:nvPr>
-            <p:ph idx="1"/>
-          </p:nvPr>
-        </p:nvSpPr>
-        <p:spPr>
-          <a:xfrm>
-            <a:off x="3869268" y="864108"/>
-            <a:ext cx="7315200" cy="4196164"/>
-          </a:xfrm>
-        </p:spPr>
-        <p:txBody>
-          <a:bodyPr anchor="ctr"/>
-          <a:lstStyle/>
-          <a:p>
-            <a:pPr marL="0" indent="0">
-              <a:spcAft>
-                <a:spcPts val="1200"/>
-              </a:spcAft>
-              <a:buNone/>
-            </a:pPr>
-            <a:r>
-              <a:rPr lang="de-DE" sz="3200" b="1" dirty="0">
-                <a:solidFill>
-                  <a:schemeClr val="tx1"/>
-                </a:solidFill>
-              </a:rPr>
-              <a:t>Vorgegebene Ziele des </a:t>
-            </a:r>
-            <a:r>
-              <a:rPr lang="de-DE" sz="3200" b="1" dirty="0" smtClean="0">
-                <a:solidFill>
-                  <a:schemeClr val="tx1"/>
-                </a:solidFill>
-              </a:rPr>
-              <a:t>zweiten Sprints</a:t>
-            </a:r>
-            <a:endParaRPr lang="de-DE" b="1" dirty="0">
-              <a:solidFill>
-                <a:schemeClr val="tx1"/>
-              </a:solidFill>
-            </a:endParaRPr>
-          </a:p>
-          <a:p>
-            <a:endParaRPr lang="de-DE" dirty="0" smtClean="0">
-              <a:solidFill>
-                <a:schemeClr val="tx1"/>
-              </a:solidFill>
-            </a:endParaRPr>
-          </a:p>
-          <a:p>
-            <a:r>
-              <a:rPr lang="de-DE" dirty="0" smtClean="0">
-                <a:solidFill>
-                  <a:schemeClr val="tx1"/>
-                </a:solidFill>
-              </a:rPr>
-              <a:t>Erstellen eines Technischen Berichts</a:t>
-            </a:r>
-          </a:p>
-          <a:p>
-            <a:r>
-              <a:rPr lang="en-GB" dirty="0" smtClean="0">
-                <a:solidFill>
-                  <a:schemeClr val="tx1"/>
-                </a:solidFill>
-              </a:rPr>
-              <a:t>Modellieren und </a:t>
-            </a:r>
-            <a:r>
-              <a:rPr lang="en-GB" dirty="0" err="1" smtClean="0">
-                <a:solidFill>
-                  <a:schemeClr val="tx1"/>
-                </a:solidFill>
-              </a:rPr>
-              <a:t>simulieren</a:t>
-            </a:r>
-            <a:r>
-              <a:rPr lang="en-GB" dirty="0" smtClean="0">
-                <a:solidFill>
-                  <a:schemeClr val="tx1"/>
-                </a:solidFill>
-              </a:rPr>
-              <a:t> </a:t>
-            </a:r>
-            <a:r>
-              <a:rPr lang="en-GB" dirty="0" err="1" smtClean="0">
-                <a:solidFill>
-                  <a:schemeClr val="tx1"/>
-                </a:solidFill>
-              </a:rPr>
-              <a:t>realistischer</a:t>
-            </a:r>
-            <a:r>
-              <a:rPr lang="en-GB" dirty="0" smtClean="0">
-                <a:solidFill>
-                  <a:schemeClr val="tx1"/>
-                </a:solidFill>
-              </a:rPr>
-              <a:t> und </a:t>
-            </a:r>
-            <a:r>
-              <a:rPr lang="en-GB" dirty="0" err="1" smtClean="0">
-                <a:solidFill>
-                  <a:schemeClr val="tx1"/>
-                </a:solidFill>
-              </a:rPr>
-              <a:t>variantenreicher</a:t>
-            </a:r>
-            <a:r>
-              <a:rPr lang="en-GB" dirty="0" smtClean="0">
-                <a:solidFill>
-                  <a:schemeClr val="tx1"/>
-                </a:solidFill>
-              </a:rPr>
-              <a:t> </a:t>
-            </a:r>
-            <a:r>
-              <a:rPr lang="en-GB" dirty="0" err="1" smtClean="0">
-                <a:solidFill>
-                  <a:schemeClr val="tx1"/>
-                </a:solidFill>
-              </a:rPr>
-              <a:t>Szenarien</a:t>
-            </a:r>
-            <a:endParaRPr lang="en-GB" dirty="0" smtClean="0">
-              <a:solidFill>
-                <a:schemeClr val="tx1"/>
-              </a:solidFill>
-            </a:endParaRPr>
-          </a:p>
-          <a:p>
-            <a:r>
-              <a:rPr lang="en-GB" dirty="0" err="1" smtClean="0">
-                <a:solidFill>
-                  <a:schemeClr val="tx1"/>
-                </a:solidFill>
-              </a:rPr>
-              <a:t>Aufbereitung</a:t>
-            </a:r>
-            <a:r>
-              <a:rPr lang="en-GB" dirty="0" smtClean="0">
-                <a:solidFill>
-                  <a:schemeClr val="tx1"/>
-                </a:solidFill>
-              </a:rPr>
-              <a:t> des </a:t>
-            </a:r>
-            <a:r>
-              <a:rPr lang="en-GB" dirty="0" err="1" smtClean="0">
-                <a:solidFill>
-                  <a:schemeClr val="tx1"/>
-                </a:solidFill>
-              </a:rPr>
-              <a:t>Datenformats</a:t>
-            </a:r>
-            <a:r>
-              <a:rPr lang="en-GB" dirty="0" smtClean="0">
-                <a:solidFill>
-                  <a:schemeClr val="tx1"/>
-                </a:solidFill>
-              </a:rPr>
-              <a:t> </a:t>
-            </a:r>
-            <a:r>
-              <a:rPr lang="en-GB" dirty="0" err="1" smtClean="0">
-                <a:solidFill>
-                  <a:schemeClr val="tx1"/>
-                </a:solidFill>
-              </a:rPr>
-              <a:t>entsprechend</a:t>
-            </a:r>
-            <a:r>
-              <a:rPr lang="en-GB" dirty="0" smtClean="0">
-                <a:solidFill>
-                  <a:schemeClr val="tx1"/>
-                </a:solidFill>
-              </a:rPr>
-              <a:t> den </a:t>
-            </a:r>
-            <a:r>
-              <a:rPr lang="en-GB" dirty="0" err="1" smtClean="0">
-                <a:solidFill>
-                  <a:schemeClr val="tx1"/>
-                </a:solidFill>
-              </a:rPr>
-              <a:t>Angaben</a:t>
-            </a:r>
-            <a:r>
-              <a:rPr lang="en-GB" dirty="0" smtClean="0">
-                <a:solidFill>
-                  <a:schemeClr val="tx1"/>
-                </a:solidFill>
-              </a:rPr>
-              <a:t> des </a:t>
-            </a:r>
-            <a:r>
-              <a:rPr lang="en-GB" dirty="0" err="1" smtClean="0">
-                <a:solidFill>
-                  <a:schemeClr val="tx1"/>
-                </a:solidFill>
-              </a:rPr>
-              <a:t>Fraunhofer</a:t>
-            </a:r>
-            <a:r>
-              <a:rPr lang="en-GB" dirty="0" smtClean="0">
-                <a:solidFill>
-                  <a:schemeClr val="tx1"/>
-                </a:solidFill>
-              </a:rPr>
-              <a:t> </a:t>
-            </a:r>
-            <a:r>
-              <a:rPr lang="en-GB" dirty="0" err="1" smtClean="0">
-                <a:solidFill>
-                  <a:schemeClr val="tx1"/>
-                </a:solidFill>
-              </a:rPr>
-              <a:t>Instituts</a:t>
-            </a:r>
-            <a:endParaRPr lang="en-GB" dirty="0" smtClean="0">
-              <a:solidFill>
-                <a:schemeClr val="tx1"/>
-              </a:solidFill>
-            </a:endParaRPr>
-          </a:p>
-          <a:p>
-            <a:r>
-              <a:rPr lang="en-GB" dirty="0" err="1" smtClean="0">
-                <a:solidFill>
-                  <a:schemeClr val="tx1"/>
-                </a:solidFill>
-              </a:rPr>
-              <a:t>Erstellen</a:t>
-            </a:r>
-            <a:r>
-              <a:rPr lang="en-GB" dirty="0" smtClean="0">
-                <a:solidFill>
-                  <a:schemeClr val="tx1"/>
-                </a:solidFill>
-              </a:rPr>
-              <a:t> </a:t>
-            </a:r>
-            <a:r>
-              <a:rPr lang="en-GB" dirty="0" err="1" smtClean="0">
-                <a:solidFill>
-                  <a:schemeClr val="tx1"/>
-                </a:solidFill>
-              </a:rPr>
-              <a:t>einer</a:t>
-            </a:r>
-            <a:r>
-              <a:rPr lang="en-GB" dirty="0" smtClean="0">
-                <a:solidFill>
-                  <a:schemeClr val="tx1"/>
-                </a:solidFill>
-              </a:rPr>
-              <a:t> Demonstration</a:t>
-            </a:r>
-            <a:endParaRPr lang="de-DE" dirty="0">
-              <a:solidFill>
-                <a:schemeClr val="tx1"/>
-              </a:solidFill>
-            </a:endParaRPr>
-          </a:p>
-        </p:txBody>
-      </p:sp>
-    </p:spTree>
-    <p:extLst>
-      <p:ext uri="{BB962C8B-B14F-4D97-AF65-F5344CB8AC3E}">
-        <p14:creationId xmlns:p14="http://schemas.microsoft.com/office/powerpoint/2010/main" val="1650893314"/>
-      </p:ext>
-    </p:extLst>
-  </p:cSld>
-  <p:clrMapOvr>
-    <a:masterClrMapping/>
-  </p:clrMapOvr>
-  <p:transition spd="slow">
-    <p:push dir="u"/>
-  </p:transition>
-  <p:timing>
-    <p:tnLst>
-      <p:par>
-        <p:cTn id="1" dur="indefinite" restart="never" nodeType="tmRoot"/>
-      </p:par>
-    </p:tnLst>
-  </p:timing>
-</p:sld>
-</file>
-
-<file path=ppt/slides/slide40.xml><?xml version="1.0" encoding="utf-8"?>
-<p:sld xmlns:a="http://schemas.openxmlformats.org/drawingml/2006/main" xmlns:r="http://schemas.openxmlformats.org/officeDocument/2006/relationships" xmlns:p="http://schemas.openxmlformats.org/presentationml/2006/main">
-  <p:cSld>
-    <p:spTree>
-      <p:nvGrpSpPr>
-        <p:cNvPr id="1" name=""/>
-        <p:cNvGrpSpPr/>
-        <p:nvPr/>
-      </p:nvGrpSpPr>
-      <p:grpSpPr>
-        <a:xfrm>
-          <a:off x="0" y="0"/>
-          <a:ext cx="0" cy="0"/>
-          <a:chOff x="0" y="0"/>
-          <a:chExt cx="0" cy="0"/>
-        </a:xfrm>
-      </p:grpSpPr>
-      <p:sp>
-        <p:nvSpPr>
           <p:cNvPr id="2" name="Title 6">
             <a:extLst>
               <a:ext uri="{FF2B5EF4-FFF2-40B4-BE49-F238E27FC236}">
-                <a16:creationId xmlns="" xmlns:a16="http://schemas.microsoft.com/office/drawing/2014/main" id="{04F78A0C-BF40-4E0B-9FA4-AAAA57E3C4EF}"/>
+                <a16:creationId xmlns:a16="http://schemas.microsoft.com/office/drawing/2014/main" xmlns="" id="{04F78A0C-BF40-4E0B-9FA4-AAAA57E3C4EF}"/>
               </a:ext>
             </a:extLst>
           </p:cNvPr>
@@ -12999,7 +13067,7 @@
           <p:cNvPr id="3" name="Content Placeholder 7">
             <a:extLst>
               <a:ext uri="{FF2B5EF4-FFF2-40B4-BE49-F238E27FC236}">
-                <a16:creationId xmlns="" xmlns:a16="http://schemas.microsoft.com/office/drawing/2014/main" id="{3A52400E-A01D-4CCF-8280-EBE32B011F8E}"/>
+                <a16:creationId xmlns:a16="http://schemas.microsoft.com/office/drawing/2014/main" xmlns="" id="{3A52400E-A01D-4CCF-8280-EBE32B011F8E}"/>
               </a:ext>
             </a:extLst>
           </p:cNvPr>
@@ -13315,7 +13383,7 @@
           <p:cNvPr id="9" name="Content Placeholder 8">
             <a:extLst>
               <a:ext uri="{FF2B5EF4-FFF2-40B4-BE49-F238E27FC236}">
-                <a16:creationId xmlns="" xmlns:a16="http://schemas.microsoft.com/office/drawing/2014/main" id="{08DF57E2-668B-4E5A-AEBF-D8CEC596E7D4}"/>
+                <a16:creationId xmlns:a16="http://schemas.microsoft.com/office/drawing/2014/main" xmlns="" id="{08DF57E2-668B-4E5A-AEBF-D8CEC596E7D4}"/>
               </a:ext>
             </a:extLst>
           </p:cNvPr>
@@ -13539,7 +13607,7 @@
           <p:cNvPr id="8" name="Text Placeholder 7">
             <a:extLst>
               <a:ext uri="{FF2B5EF4-FFF2-40B4-BE49-F238E27FC236}">
-                <a16:creationId xmlns="" xmlns:a16="http://schemas.microsoft.com/office/drawing/2014/main" id="{7C7B7B5E-EB63-48A8-BCF5-30057479D808}"/>
+                <a16:creationId xmlns:a16="http://schemas.microsoft.com/office/drawing/2014/main" xmlns="" id="{7C7B7B5E-EB63-48A8-BCF5-30057479D808}"/>
               </a:ext>
             </a:extLst>
           </p:cNvPr>
@@ -13594,7 +13662,7 @@
           <p:cNvPr id="9" name="Content Placeholder 8">
             <a:extLst>
               <a:ext uri="{FF2B5EF4-FFF2-40B4-BE49-F238E27FC236}">
-                <a16:creationId xmlns="" xmlns:a16="http://schemas.microsoft.com/office/drawing/2014/main" id="{B69192B4-B668-4E8C-8C21-3A34BA8E13E7}"/>
+                <a16:creationId xmlns:a16="http://schemas.microsoft.com/office/drawing/2014/main" xmlns="" id="{B69192B4-B668-4E8C-8C21-3A34BA8E13E7}"/>
               </a:ext>
             </a:extLst>
           </p:cNvPr>
@@ -13738,7 +13806,7 @@
           <p:cNvPr id="10" name="Text Placeholder 9">
             <a:extLst>
               <a:ext uri="{FF2B5EF4-FFF2-40B4-BE49-F238E27FC236}">
-                <a16:creationId xmlns="" xmlns:a16="http://schemas.microsoft.com/office/drawing/2014/main" id="{528A301B-E3B1-4B35-BE7D-F69C91D785D0}"/>
+                <a16:creationId xmlns:a16="http://schemas.microsoft.com/office/drawing/2014/main" xmlns="" id="{528A301B-E3B1-4B35-BE7D-F69C91D785D0}"/>
               </a:ext>
             </a:extLst>
           </p:cNvPr>
@@ -13777,7 +13845,7 @@
           <p:cNvPr id="11" name="Content Placeholder 10">
             <a:extLst>
               <a:ext uri="{FF2B5EF4-FFF2-40B4-BE49-F238E27FC236}">
-                <a16:creationId xmlns="" xmlns:a16="http://schemas.microsoft.com/office/drawing/2014/main" id="{33DCA290-89C4-4275-A93D-319C803D2771}"/>
+                <a16:creationId xmlns:a16="http://schemas.microsoft.com/office/drawing/2014/main" xmlns="" id="{33DCA290-89C4-4275-A93D-319C803D2771}"/>
               </a:ext>
             </a:extLst>
           </p:cNvPr>
@@ -13869,7 +13937,7 @@
           <p:cNvPr id="12" name="Arrow: Down 11">
             <a:extLst>
               <a:ext uri="{FF2B5EF4-FFF2-40B4-BE49-F238E27FC236}">
-                <a16:creationId xmlns="" xmlns:a16="http://schemas.microsoft.com/office/drawing/2014/main" id="{5F710989-371B-4482-A9BD-56DFD57DBD75}"/>
+                <a16:creationId xmlns:a16="http://schemas.microsoft.com/office/drawing/2014/main" xmlns="" id="{5F710989-371B-4482-A9BD-56DFD57DBD75}"/>
               </a:ext>
             </a:extLst>
           </p:cNvPr>
@@ -13923,7 +13991,7 @@
           <p:cNvPr id="13" name="Arrow: Down 12">
             <a:extLst>
               <a:ext uri="{FF2B5EF4-FFF2-40B4-BE49-F238E27FC236}">
-                <a16:creationId xmlns="" xmlns:a16="http://schemas.microsoft.com/office/drawing/2014/main" id="{3C3CD861-7549-47BE-8D26-BF01FD79F024}"/>
+                <a16:creationId xmlns:a16="http://schemas.microsoft.com/office/drawing/2014/main" xmlns="" id="{3C3CD861-7549-47BE-8D26-BF01FD79F024}"/>
               </a:ext>
             </a:extLst>
           </p:cNvPr>
@@ -14017,7 +14085,7 @@
           <p:cNvPr id="11" name="Text Placeholder 10">
             <a:extLst>
               <a:ext uri="{FF2B5EF4-FFF2-40B4-BE49-F238E27FC236}">
-                <a16:creationId xmlns="" xmlns:a16="http://schemas.microsoft.com/office/drawing/2014/main" id="{EA176D17-8200-422B-A524-7F10475ECEF8}"/>
+                <a16:creationId xmlns:a16="http://schemas.microsoft.com/office/drawing/2014/main" xmlns="" id="{EA176D17-8200-422B-A524-7F10475ECEF8}"/>
               </a:ext>
             </a:extLst>
           </p:cNvPr>
@@ -14069,7 +14137,7 @@
           <p:cNvPr id="8" name="Content Placeholder 7">
             <a:extLst>
               <a:ext uri="{FF2B5EF4-FFF2-40B4-BE49-F238E27FC236}">
-                <a16:creationId xmlns="" xmlns:a16="http://schemas.microsoft.com/office/drawing/2014/main" id="{5FF4DCB6-21B0-4D52-90D0-4B41F67FF51E}"/>
+                <a16:creationId xmlns:a16="http://schemas.microsoft.com/office/drawing/2014/main" xmlns="" id="{5FF4DCB6-21B0-4D52-90D0-4B41F67FF51E}"/>
               </a:ext>
             </a:extLst>
           </p:cNvPr>
@@ -14179,7 +14247,7 @@
           <p:cNvPr id="9" name="Content Placeholder 8">
             <a:extLst>
               <a:ext uri="{FF2B5EF4-FFF2-40B4-BE49-F238E27FC236}">
-                <a16:creationId xmlns="" xmlns:a16="http://schemas.microsoft.com/office/drawing/2014/main" id="{6D926286-4DAB-48EB-97A3-06175DC678CE}"/>
+                <a16:creationId xmlns:a16="http://schemas.microsoft.com/office/drawing/2014/main" xmlns="" id="{6D926286-4DAB-48EB-97A3-06175DC678CE}"/>
               </a:ext>
             </a:extLst>
           </p:cNvPr>
@@ -14517,7 +14585,7 @@
           <p:cNvPr id="14" name="Picture 13">
             <a:extLst>
               <a:ext uri="{FF2B5EF4-FFF2-40B4-BE49-F238E27FC236}">
-                <a16:creationId xmlns="" xmlns:a16="http://schemas.microsoft.com/office/drawing/2014/main" id="{6F1B2972-00B7-472B-870D-CC70C6F0BD20}"/>
+                <a16:creationId xmlns:a16="http://schemas.microsoft.com/office/drawing/2014/main" xmlns="" id="{6F1B2972-00B7-472B-870D-CC70C6F0BD20}"/>
               </a:ext>
             </a:extLst>
           </p:cNvPr>
@@ -14593,7 +14661,7 @@
           <p:cNvPr id="14" name="Content Placeholder 13">
             <a:extLst>
               <a:ext uri="{FF2B5EF4-FFF2-40B4-BE49-F238E27FC236}">
-                <a16:creationId xmlns="" xmlns:a16="http://schemas.microsoft.com/office/drawing/2014/main" id="{86EA5D6E-C62C-47D0-8138-CB405D04E4E4}"/>
+                <a16:creationId xmlns:a16="http://schemas.microsoft.com/office/drawing/2014/main" xmlns="" id="{86EA5D6E-C62C-47D0-8138-CB405D04E4E4}"/>
               </a:ext>
             </a:extLst>
           </p:cNvPr>
@@ -14757,7 +14825,7 @@
           <p:cNvPr id="9" name="Titel 1">
             <a:extLst>
               <a:ext uri="{FF2B5EF4-FFF2-40B4-BE49-F238E27FC236}">
-                <a16:creationId xmlns="" xmlns:a16="http://schemas.microsoft.com/office/drawing/2014/main" id="{E5885248-D7EC-46A9-881C-FEC0809E0C48}"/>
+                <a16:creationId xmlns:a16="http://schemas.microsoft.com/office/drawing/2014/main" xmlns="" id="{E5885248-D7EC-46A9-881C-FEC0809E0C48}"/>
               </a:ext>
             </a:extLst>
           </p:cNvPr>
@@ -14777,7 +14845,7 @@
         </p:spPr>
         <p:txBody>
           <a:bodyPr vert="horz" lIns="91440" tIns="45720" rIns="91440" bIns="45720" rtlCol="0" anchor="b">
-            <a:normAutofit lnSpcReduction="10000"/>
+            <a:normAutofit/>
           </a:bodyPr>
           <a:lstStyle>
             <a:lvl1pPr algn="l" defTabSz="914400" rtl="0" eaLnBrk="1" latinLnBrk="0" hangingPunct="1">
@@ -14817,7 +14885,7 @@
           <p:cNvPr id="16" name="Title 15">
             <a:extLst>
               <a:ext uri="{FF2B5EF4-FFF2-40B4-BE49-F238E27FC236}">
-                <a16:creationId xmlns="" xmlns:a16="http://schemas.microsoft.com/office/drawing/2014/main" id="{0311113E-B278-4458-8FCF-AD752B46CF64}"/>
+                <a16:creationId xmlns:a16="http://schemas.microsoft.com/office/drawing/2014/main" xmlns="" id="{0311113E-B278-4458-8FCF-AD752B46CF64}"/>
               </a:ext>
             </a:extLst>
           </p:cNvPr>
